--- a/doc/презентация/Васильев - презентация.pptx
+++ b/doc/презентация/Васильев - презентация.pptx
@@ -7,16 +7,17 @@
   <p:sldIdLst>
     <p:sldId id="256" r:id="rId2"/>
     <p:sldId id="257" r:id="rId3"/>
-    <p:sldId id="258" r:id="rId4"/>
-    <p:sldId id="259" r:id="rId5"/>
-    <p:sldId id="260" r:id="rId6"/>
-    <p:sldId id="261" r:id="rId7"/>
-    <p:sldId id="262" r:id="rId8"/>
-    <p:sldId id="265" r:id="rId9"/>
-    <p:sldId id="266" r:id="rId10"/>
-    <p:sldId id="267" r:id="rId11"/>
-    <p:sldId id="263" r:id="rId12"/>
-    <p:sldId id="264" r:id="rId13"/>
+    <p:sldId id="268" r:id="rId4"/>
+    <p:sldId id="258" r:id="rId5"/>
+    <p:sldId id="259" r:id="rId6"/>
+    <p:sldId id="260" r:id="rId7"/>
+    <p:sldId id="261" r:id="rId8"/>
+    <p:sldId id="262" r:id="rId9"/>
+    <p:sldId id="265" r:id="rId10"/>
+    <p:sldId id="266" r:id="rId11"/>
+    <p:sldId id="267" r:id="rId12"/>
+    <p:sldId id="263" r:id="rId13"/>
+    <p:sldId id="264" r:id="rId14"/>
   </p:sldIdLst>
   <p:sldSz cx="12192000" cy="6858000"/>
   <p:notesSz cx="6858000" cy="9144000"/>
@@ -3124,87 +3125,88 @@
                 <a:latin typeface="Arial" panose="020B0604020202020204" pitchFamily="34" charset="0"/>
                 <a:cs typeface="Arial" panose="020B0604020202020204" pitchFamily="34" charset="0"/>
               </a:rPr>
+              <a:t> курса ЗО</a:t>
+            </a:r>
+          </a:p>
+          <a:p>
+            <a:pPr algn="r"/>
+            <a:r>
+              <a:rPr lang="ru-RU" dirty="0" smtClean="0">
+                <a:latin typeface="Arial" panose="020B0604020202020204" pitchFamily="34" charset="0"/>
+                <a:cs typeface="Arial" panose="020B0604020202020204" pitchFamily="34" charset="0"/>
+              </a:rPr>
+              <a:t>Васильев Дмитрий</a:t>
+            </a:r>
+          </a:p>
+          <a:p>
+            <a:pPr algn="r"/>
+            <a:r>
+              <a:rPr lang="ru-RU" dirty="0" smtClean="0">
+                <a:latin typeface="Arial" panose="020B0604020202020204" pitchFamily="34" charset="0"/>
+                <a:cs typeface="Arial" panose="020B0604020202020204" pitchFamily="34" charset="0"/>
+              </a:rPr>
+              <a:t>Руководитель</a:t>
+            </a:r>
+          </a:p>
+          <a:p>
+            <a:pPr algn="r"/>
+            <a:r>
+              <a:rPr lang="ru-RU" dirty="0" smtClean="0">
+                <a:latin typeface="Arial" panose="020B0604020202020204" pitchFamily="34" charset="0"/>
+                <a:cs typeface="Arial" panose="020B0604020202020204" pitchFamily="34" charset="0"/>
+              </a:rPr>
               <a:t> </a:t>
             </a:r>
             <a:r>
+              <a:rPr lang="ru-RU" dirty="0">
+                <a:latin typeface="Arial" panose="020B0604020202020204" pitchFamily="34" charset="0"/>
+                <a:cs typeface="Arial" panose="020B0604020202020204" pitchFamily="34" charset="0"/>
+              </a:rPr>
+              <a:t>доц. канд. </a:t>
+            </a:r>
+            <a:r>
+              <a:rPr lang="ru-RU" dirty="0" err="1">
+                <a:latin typeface="Arial" panose="020B0604020202020204" pitchFamily="34" charset="0"/>
+                <a:cs typeface="Arial" panose="020B0604020202020204" pitchFamily="34" charset="0"/>
+              </a:rPr>
+              <a:t>техн</a:t>
+            </a:r>
+            <a:r>
+              <a:rPr lang="ru-RU" dirty="0">
+                <a:latin typeface="Arial" panose="020B0604020202020204" pitchFamily="34" charset="0"/>
+                <a:cs typeface="Arial" panose="020B0604020202020204" pitchFamily="34" charset="0"/>
+              </a:rPr>
+              <a:t>. </a:t>
+            </a:r>
+            <a:r>
               <a:rPr lang="ru-RU" dirty="0" smtClean="0">
                 <a:latin typeface="Arial" panose="020B0604020202020204" pitchFamily="34" charset="0"/>
                 <a:cs typeface="Arial" panose="020B0604020202020204" pitchFamily="34" charset="0"/>
               </a:rPr>
-              <a:t>курса ЗО</a:t>
-            </a:r>
-          </a:p>
-          <a:p>
-            <a:pPr algn="r"/>
+              <a:t>наук </a:t>
+            </a:r>
+            <a:r>
+              <a:rPr lang="uk-UA" dirty="0" err="1" smtClean="0"/>
+              <a:t>Бугаева</a:t>
+            </a:r>
+            <a:r>
+              <a:rPr lang="uk-UA" dirty="0" smtClean="0"/>
+              <a:t> И. </a:t>
+            </a:r>
+            <a:r>
+              <a:rPr lang="uk-UA" dirty="0"/>
+              <a:t>Г</a:t>
+            </a:r>
+            <a:r>
+              <a:rPr lang="uk-UA" dirty="0" smtClean="0"/>
+              <a:t>.</a:t>
+            </a:r>
             <a:r>
               <a:rPr lang="ru-RU" dirty="0" smtClean="0">
                 <a:latin typeface="Arial" panose="020B0604020202020204" pitchFamily="34" charset="0"/>
                 <a:cs typeface="Arial" panose="020B0604020202020204" pitchFamily="34" charset="0"/>
               </a:rPr>
-              <a:t>Васильев Дмитрий</a:t>
-            </a:r>
-          </a:p>
-          <a:p>
-            <a:pPr algn="r"/>
-            <a:r>
-              <a:rPr lang="ru-RU" dirty="0" smtClean="0">
-                <a:latin typeface="Arial" panose="020B0604020202020204" pitchFamily="34" charset="0"/>
-                <a:cs typeface="Arial" panose="020B0604020202020204" pitchFamily="34" charset="0"/>
-              </a:rPr>
-              <a:t>Руководитель</a:t>
-            </a:r>
-          </a:p>
-          <a:p>
-            <a:pPr algn="r"/>
-            <a:r>
-              <a:rPr lang="ru-RU" dirty="0" smtClean="0">
-                <a:latin typeface="Arial" panose="020B0604020202020204" pitchFamily="34" charset="0"/>
-                <a:cs typeface="Arial" panose="020B0604020202020204" pitchFamily="34" charset="0"/>
-              </a:rPr>
               <a:t> </a:t>
-            </a:r>
-            <a:r>
-              <a:rPr lang="ru-RU" dirty="0">
-                <a:latin typeface="Arial" panose="020B0604020202020204" pitchFamily="34" charset="0"/>
-                <a:cs typeface="Arial" panose="020B0604020202020204" pitchFamily="34" charset="0"/>
-              </a:rPr>
-              <a:t>доц. канд. </a:t>
-            </a:r>
-            <a:r>
-              <a:rPr lang="ru-RU" dirty="0" err="1">
-                <a:latin typeface="Arial" panose="020B0604020202020204" pitchFamily="34" charset="0"/>
-                <a:cs typeface="Arial" panose="020B0604020202020204" pitchFamily="34" charset="0"/>
-              </a:rPr>
-              <a:t>техн</a:t>
-            </a:r>
-            <a:r>
-              <a:rPr lang="ru-RU" dirty="0">
-                <a:latin typeface="Arial" panose="020B0604020202020204" pitchFamily="34" charset="0"/>
-                <a:cs typeface="Arial" panose="020B0604020202020204" pitchFamily="34" charset="0"/>
-              </a:rPr>
-              <a:t>. </a:t>
-            </a:r>
-            <a:r>
-              <a:rPr lang="ru-RU" dirty="0" smtClean="0">
-                <a:latin typeface="Arial" panose="020B0604020202020204" pitchFamily="34" charset="0"/>
-                <a:cs typeface="Arial" panose="020B0604020202020204" pitchFamily="34" charset="0"/>
-              </a:rPr>
-              <a:t>наук </a:t>
-            </a:r>
-            <a:r>
-              <a:rPr lang="uk-UA" dirty="0" err="1"/>
-              <a:t>Бугаєва</a:t>
-            </a:r>
-            <a:r>
-              <a:rPr lang="uk-UA" dirty="0"/>
-              <a:t> І. Г.</a:t>
-            </a:r>
-            <a:r>
-              <a:rPr lang="ru-RU" dirty="0" smtClean="0">
-                <a:latin typeface="Arial" panose="020B0604020202020204" pitchFamily="34" charset="0"/>
-                <a:cs typeface="Arial" panose="020B0604020202020204" pitchFamily="34" charset="0"/>
-              </a:rPr>
-              <a:t>. </a:t>
             </a:r>
             <a:endParaRPr lang="uk-UA" dirty="0">
               <a:latin typeface="Arial" panose="020B0604020202020204" pitchFamily="34" charset="0"/>
@@ -3361,7 +3363,7 @@
                 <a:latin typeface="Arial" panose="020B0604020202020204" pitchFamily="34" charset="0"/>
                 <a:cs typeface="Arial" panose="020B0604020202020204" pitchFamily="34" charset="0"/>
               </a:rPr>
-              <a:t>ФОРМУ УЧЕТА СТРАХОВЫХ СОБЫТИЙ</a:t>
+              <a:t>СОЗДАНИЕ СТРАХОВОГО СОБЫТИЯ</a:t>
             </a:r>
             <a:endParaRPr lang="uk-UA" sz="2000" b="1" dirty="0">
               <a:latin typeface="Arial" panose="020B0604020202020204" pitchFamily="34" charset="0"/>
@@ -3401,12 +3403,8 @@
                 <a:latin typeface="Arial" panose="020B0604020202020204" pitchFamily="34" charset="0"/>
                 <a:cs typeface="Arial" panose="020B0604020202020204" pitchFamily="34" charset="0"/>
               </a:rPr>
-              <a:t>Информация о всех страховых событиях</a:t>
-            </a:r>
-            <a:endParaRPr lang="ru-RU" sz="1800" dirty="0" smtClean="0">
-              <a:latin typeface="Arial" panose="020B0604020202020204" pitchFamily="34" charset="0"/>
-              <a:cs typeface="Arial" panose="020B0604020202020204" pitchFamily="34" charset="0"/>
-            </a:endParaRPr>
+              <a:t>Создание страхового события</a:t>
+            </a:r>
           </a:p>
           <a:p>
             <a:pPr marL="285750" indent="-285750">
@@ -3418,12 +3416,8 @@
                 <a:latin typeface="Arial" panose="020B0604020202020204" pitchFamily="34" charset="0"/>
                 <a:cs typeface="Arial" panose="020B0604020202020204" pitchFamily="34" charset="0"/>
               </a:rPr>
-              <a:t>Поиск по страховым событиям</a:t>
-            </a:r>
-            <a:endParaRPr lang="ru-RU" sz="1800" dirty="0" smtClean="0">
-              <a:latin typeface="Arial" panose="020B0604020202020204" pitchFamily="34" charset="0"/>
-              <a:cs typeface="Arial" panose="020B0604020202020204" pitchFamily="34" charset="0"/>
-            </a:endParaRPr>
+              <a:t>Ввод данных о страховом событии</a:t>
+            </a:r>
           </a:p>
           <a:p>
             <a:pPr marL="285750" indent="-285750">
@@ -3435,39 +3429,8 @@
                 <a:latin typeface="Arial" panose="020B0604020202020204" pitchFamily="34" charset="0"/>
                 <a:cs typeface="Arial" panose="020B0604020202020204" pitchFamily="34" charset="0"/>
               </a:rPr>
-              <a:t>Редактирование страховых событий</a:t>
-            </a:r>
-            <a:endParaRPr lang="ru-RU" sz="1800" dirty="0" smtClean="0">
-              <a:latin typeface="Arial" panose="020B0604020202020204" pitchFamily="34" charset="0"/>
-              <a:cs typeface="Arial" panose="020B0604020202020204" pitchFamily="34" charset="0"/>
-            </a:endParaRPr>
-          </a:p>
-          <a:p>
-            <a:pPr marL="285750" indent="-285750">
-              <a:buFont typeface="Arial" panose="020B0604020202020204" pitchFamily="34" charset="0"/>
-              <a:buChar char="•"/>
-            </a:pPr>
-            <a:r>
-              <a:rPr lang="ru-RU" sz="1800" dirty="0" smtClean="0">
-                <a:latin typeface="Arial" panose="020B0604020202020204" pitchFamily="34" charset="0"/>
-                <a:cs typeface="Arial" panose="020B0604020202020204" pitchFamily="34" charset="0"/>
-              </a:rPr>
-              <a:t>Удаление страховых событий</a:t>
-            </a:r>
-            <a:endParaRPr lang="ru-RU" sz="1800" dirty="0" smtClean="0">
-              <a:latin typeface="Arial" panose="020B0604020202020204" pitchFamily="34" charset="0"/>
-              <a:cs typeface="Arial" panose="020B0604020202020204" pitchFamily="34" charset="0"/>
-            </a:endParaRPr>
-          </a:p>
-          <a:p>
-            <a:pPr marL="285750" indent="-285750">
-              <a:buFont typeface="Arial" panose="020B0604020202020204" pitchFamily="34" charset="0"/>
-              <a:buChar char="•"/>
-            </a:pPr>
-            <a:endParaRPr lang="ru-RU" sz="1800" dirty="0" smtClean="0">
-              <a:latin typeface="Arial" panose="020B0604020202020204" pitchFamily="34" charset="0"/>
-              <a:cs typeface="Arial" panose="020B0604020202020204" pitchFamily="34" charset="0"/>
-            </a:endParaRPr>
+              <a:t>Ввод данных о сумме к выплате</a:t>
+            </a:r>
           </a:p>
         </p:txBody>
       </p:sp>
@@ -3495,6 +3458,197 @@
         </p:blipFill>
         <p:spPr>
           <a:xfrm>
+            <a:off x="5831465" y="1260373"/>
+            <a:ext cx="4621460" cy="3440190"/>
+          </a:xfrm>
+          <a:prstGeom prst="rect">
+            <a:avLst/>
+          </a:prstGeom>
+        </p:spPr>
+      </p:pic>
+    </p:spTree>
+    <p:extLst>
+      <p:ext uri="{BB962C8B-B14F-4D97-AF65-F5344CB8AC3E}">
+        <p14:creationId xmlns:p14="http://schemas.microsoft.com/office/powerpoint/2010/main" val="191968903"/>
+      </p:ext>
+    </p:extLst>
+  </p:cSld>
+  <p:clrMapOvr>
+    <a:masterClrMapping/>
+  </p:clrMapOvr>
+  <p:timing>
+    <p:tnLst>
+      <p:par>
+        <p:cTn id="1" dur="indefinite" restart="never" nodeType="tmRoot"/>
+      </p:par>
+    </p:tnLst>
+  </p:timing>
+</p:sld>
+</file>
+
+<file path=ppt/slides/slide11.xml><?xml version="1.0" encoding="utf-8"?>
+<p:sld xmlns:a="http://schemas.openxmlformats.org/drawingml/2006/main" xmlns:r="http://schemas.openxmlformats.org/officeDocument/2006/relationships" xmlns:p="http://schemas.openxmlformats.org/presentationml/2006/main">
+  <p:cSld>
+    <p:spTree>
+      <p:nvGrpSpPr>
+        <p:cNvPr id="1" name=""/>
+        <p:cNvGrpSpPr/>
+        <p:nvPr/>
+      </p:nvGrpSpPr>
+      <p:grpSpPr>
+        <a:xfrm>
+          <a:off x="0" y="0"/>
+          <a:ext cx="0" cy="0"/>
+          <a:chOff x="0" y="0"/>
+          <a:chExt cx="0" cy="0"/>
+        </a:xfrm>
+      </p:grpSpPr>
+      <p:sp>
+        <p:nvSpPr>
+          <p:cNvPr id="2" name="Заголовок 1"/>
+          <p:cNvSpPr>
+            <a:spLocks noGrp="1"/>
+          </p:cNvSpPr>
+          <p:nvPr>
+            <p:ph type="title"/>
+          </p:nvPr>
+        </p:nvSpPr>
+        <p:spPr>
+          <a:xfrm>
+            <a:off x="3717179" y="479502"/>
+            <a:ext cx="5270704" cy="416262"/>
+          </a:xfrm>
+        </p:spPr>
+        <p:txBody>
+          <a:bodyPr>
+            <a:normAutofit/>
+          </a:bodyPr>
+          <a:lstStyle/>
+          <a:p>
+            <a:pPr algn="ctr"/>
+            <a:r>
+              <a:rPr lang="ru-RU" sz="2000" b="1" dirty="0" smtClean="0">
+                <a:latin typeface="Arial" panose="020B0604020202020204" pitchFamily="34" charset="0"/>
+                <a:cs typeface="Arial" panose="020B0604020202020204" pitchFamily="34" charset="0"/>
+              </a:rPr>
+              <a:t>ФОРМУ УЧЕТА СТРАХОВЫХ СОБЫТИЙ</a:t>
+            </a:r>
+            <a:endParaRPr lang="uk-UA" sz="2000" b="1" dirty="0">
+              <a:latin typeface="Arial" panose="020B0604020202020204" pitchFamily="34" charset="0"/>
+              <a:cs typeface="Arial" panose="020B0604020202020204" pitchFamily="34" charset="0"/>
+            </a:endParaRPr>
+          </a:p>
+        </p:txBody>
+      </p:sp>
+      <p:sp>
+        <p:nvSpPr>
+          <p:cNvPr id="4" name="Текст 3"/>
+          <p:cNvSpPr>
+            <a:spLocks noGrp="1"/>
+          </p:cNvSpPr>
+          <p:nvPr>
+            <p:ph type="body" sz="half" idx="2"/>
+          </p:nvPr>
+        </p:nvSpPr>
+        <p:spPr>
+          <a:xfrm>
+            <a:off x="839788" y="1103524"/>
+            <a:ext cx="4200563" cy="4664656"/>
+          </a:xfrm>
+        </p:spPr>
+        <p:txBody>
+          <a:bodyPr>
+            <a:normAutofit/>
+          </a:bodyPr>
+          <a:lstStyle/>
+          <a:p>
+            <a:pPr marL="285750" indent="-285750">
+              <a:buFont typeface="Arial" panose="020B0604020202020204" pitchFamily="34" charset="0"/>
+              <a:buChar char="•"/>
+            </a:pPr>
+            <a:r>
+              <a:rPr lang="ru-RU" sz="1800" dirty="0" smtClean="0">
+                <a:latin typeface="Arial" panose="020B0604020202020204" pitchFamily="34" charset="0"/>
+                <a:cs typeface="Arial" panose="020B0604020202020204" pitchFamily="34" charset="0"/>
+              </a:rPr>
+              <a:t>Информация о всех страховых событиях</a:t>
+            </a:r>
+          </a:p>
+          <a:p>
+            <a:pPr marL="285750" indent="-285750">
+              <a:buFont typeface="Arial" panose="020B0604020202020204" pitchFamily="34" charset="0"/>
+              <a:buChar char="•"/>
+            </a:pPr>
+            <a:r>
+              <a:rPr lang="ru-RU" sz="1800" dirty="0" smtClean="0">
+                <a:latin typeface="Arial" panose="020B0604020202020204" pitchFamily="34" charset="0"/>
+                <a:cs typeface="Arial" panose="020B0604020202020204" pitchFamily="34" charset="0"/>
+              </a:rPr>
+              <a:t>Поиск по страховым событиям</a:t>
+            </a:r>
+          </a:p>
+          <a:p>
+            <a:pPr marL="285750" indent="-285750">
+              <a:buFont typeface="Arial" panose="020B0604020202020204" pitchFamily="34" charset="0"/>
+              <a:buChar char="•"/>
+            </a:pPr>
+            <a:r>
+              <a:rPr lang="ru-RU" sz="1800" dirty="0" smtClean="0">
+                <a:latin typeface="Arial" panose="020B0604020202020204" pitchFamily="34" charset="0"/>
+                <a:cs typeface="Arial" panose="020B0604020202020204" pitchFamily="34" charset="0"/>
+              </a:rPr>
+              <a:t>Редактирование страховых событий</a:t>
+            </a:r>
+          </a:p>
+          <a:p>
+            <a:pPr marL="285750" indent="-285750">
+              <a:buFont typeface="Arial" panose="020B0604020202020204" pitchFamily="34" charset="0"/>
+              <a:buChar char="•"/>
+            </a:pPr>
+            <a:r>
+              <a:rPr lang="ru-RU" sz="1800" dirty="0" smtClean="0">
+                <a:latin typeface="Arial" panose="020B0604020202020204" pitchFamily="34" charset="0"/>
+                <a:cs typeface="Arial" panose="020B0604020202020204" pitchFamily="34" charset="0"/>
+              </a:rPr>
+              <a:t>Удаление страховых событий</a:t>
+            </a:r>
+          </a:p>
+          <a:p>
+            <a:pPr marL="285750" indent="-285750">
+              <a:buFont typeface="Arial" panose="020B0604020202020204" pitchFamily="34" charset="0"/>
+              <a:buChar char="•"/>
+            </a:pPr>
+            <a:endParaRPr lang="ru-RU" sz="1800" dirty="0" smtClean="0">
+              <a:latin typeface="Arial" panose="020B0604020202020204" pitchFamily="34" charset="0"/>
+              <a:cs typeface="Arial" panose="020B0604020202020204" pitchFamily="34" charset="0"/>
+            </a:endParaRPr>
+          </a:p>
+        </p:txBody>
+      </p:sp>
+      <p:pic>
+        <p:nvPicPr>
+          <p:cNvPr id="6" name="Объект 5"/>
+          <p:cNvPicPr>
+            <a:picLocks noGrp="1" noChangeAspect="1"/>
+          </p:cNvPicPr>
+          <p:nvPr>
+            <p:ph idx="1"/>
+          </p:nvPr>
+        </p:nvPicPr>
+        <p:blipFill>
+          <a:blip r:embed="rId2">
+            <a:extLst>
+              <a:ext uri="{28A0092B-C50C-407E-A947-70E740481C1C}">
+                <a14:useLocalDpi xmlns:a14="http://schemas.microsoft.com/office/drawing/2010/main" val="0"/>
+              </a:ext>
+            </a:extLst>
+          </a:blip>
+          <a:stretch>
+            <a:fillRect/>
+          </a:stretch>
+        </p:blipFill>
+        <p:spPr>
+          <a:xfrm>
             <a:off x="5924910" y="1103524"/>
             <a:ext cx="4479178" cy="3292640"/>
           </a:xfrm>
@@ -3513,10 +3667,17 @@
   <p:clrMapOvr>
     <a:masterClrMapping/>
   </p:clrMapOvr>
+  <p:timing>
+    <p:tnLst>
+      <p:par>
+        <p:cTn id="1" dur="indefinite" restart="never" nodeType="tmRoot"/>
+      </p:par>
+    </p:tnLst>
+  </p:timing>
 </p:sld>
 </file>
 
-<file path=ppt/slides/slide11.xml><?xml version="1.0" encoding="utf-8"?>
+<file path=ppt/slides/slide12.xml><?xml version="1.0" encoding="utf-8"?>
 <p:sld xmlns:a="http://schemas.openxmlformats.org/drawingml/2006/main" xmlns:r="http://schemas.openxmlformats.org/officeDocument/2006/relationships" xmlns:p="http://schemas.openxmlformats.org/presentationml/2006/main">
   <p:cSld>
     <p:spTree>
@@ -3766,10 +3927,17 @@
   <p:clrMapOvr>
     <a:masterClrMapping/>
   </p:clrMapOvr>
+  <p:timing>
+    <p:tnLst>
+      <p:par>
+        <p:cTn id="1" dur="indefinite" restart="never" nodeType="tmRoot"/>
+      </p:par>
+    </p:tnLst>
+  </p:timing>
 </p:sld>
 </file>
 
-<file path=ppt/slides/slide12.xml><?xml version="1.0" encoding="utf-8"?>
+<file path=ppt/slides/slide13.xml><?xml version="1.0" encoding="utf-8"?>
 <p:sld xmlns:a="http://schemas.openxmlformats.org/drawingml/2006/main" xmlns:r="http://schemas.openxmlformats.org/officeDocument/2006/relationships" xmlns:p="http://schemas.openxmlformats.org/presentationml/2006/main">
   <p:cSld>
     <p:spTree>
@@ -3850,19 +4018,8 @@
                 <a:latin typeface="Arial" panose="020B0604020202020204" pitchFamily="34" charset="0"/>
                 <a:cs typeface="Arial" panose="020B0604020202020204" pitchFamily="34" charset="0"/>
               </a:rPr>
-              <a:t>Создана программа позволяющая оптимизировать работу </a:t>
-            </a:r>
-            <a:r>
-              <a:rPr lang="ru-RU" sz="1800" dirty="0" smtClean="0">
-                <a:latin typeface="Arial" panose="020B0604020202020204" pitchFamily="34" charset="0"/>
-                <a:cs typeface="Arial" panose="020B0604020202020204" pitchFamily="34" charset="0"/>
-              </a:rPr>
-              <a:t>страховой компании.</a:t>
-            </a:r>
-            <a:endParaRPr lang="ru-RU" sz="1800" dirty="0" smtClean="0">
-              <a:latin typeface="Arial" panose="020B0604020202020204" pitchFamily="34" charset="0"/>
-              <a:cs typeface="Arial" panose="020B0604020202020204" pitchFamily="34" charset="0"/>
-            </a:endParaRPr>
+              <a:t>Создана программа позволяющая оптимизировать работу страховой компании.</a:t>
+            </a:r>
           </a:p>
           <a:p>
             <a:r>
@@ -3894,6 +4051,13 @@
   <p:clrMapOvr>
     <a:masterClrMapping/>
   </p:clrMapOvr>
+  <p:timing>
+    <p:tnLst>
+      <p:par>
+        <p:cTn id="1" dur="indefinite" restart="never" nodeType="tmRoot"/>
+      </p:par>
+    </p:tnLst>
+  </p:timing>
 </p:sld>
 </file>
 
@@ -3914,35 +4078,6 @@
           <a:chExt cx="0" cy="0"/>
         </a:xfrm>
       </p:grpSpPr>
-      <p:pic>
-        <p:nvPicPr>
-          <p:cNvPr id="7" name="Объект 6"/>
-          <p:cNvPicPr>
-            <a:picLocks noGrp="1" noChangeAspect="1"/>
-          </p:cNvPicPr>
-          <p:nvPr>
-            <p:ph idx="1"/>
-          </p:nvPr>
-        </p:nvPicPr>
-        <p:blipFill>
-          <a:blip r:embed="rId2" cstate="print">
-            <a:extLst>
-              <a:ext uri="{28A0092B-C50C-407E-A947-70E740481C1C}">
-                <a14:useLocalDpi xmlns:a14="http://schemas.microsoft.com/office/drawing/2010/main" val="0"/>
-              </a:ext>
-            </a:extLst>
-          </a:blip>
-          <a:stretch>
-            <a:fillRect/>
-          </a:stretch>
-        </p:blipFill>
-        <p:spPr>
-          <a:xfrm>
-            <a:off x="7793029" y="457200"/>
-            <a:ext cx="3699391" cy="5411787"/>
-          </a:xfrm>
-        </p:spPr>
-      </p:pic>
       <p:sp>
         <p:nvSpPr>
           <p:cNvPr id="6" name="Текст 5"/>
@@ -3956,7 +4091,7 @@
         <p:spPr>
           <a:xfrm>
             <a:off x="839788" y="457200"/>
-            <a:ext cx="6642680" cy="5411788"/>
+            <a:ext cx="6642680" cy="5626100"/>
           </a:xfrm>
         </p:spPr>
         <p:txBody>
@@ -3970,33 +4105,48 @@
                 <a:latin typeface="Arial" panose="020B0604020202020204" pitchFamily="34" charset="0"/>
                 <a:cs typeface="Arial" panose="020B0604020202020204" pitchFamily="34" charset="0"/>
               </a:rPr>
-              <a:t>ПОЗВОЛЯЕТ РЕШИТЬ СЛЕДУЮЩИЕ ПРОБЛЕММЫ</a:t>
-            </a:r>
-          </a:p>
-          <a:p>
+              <a:t>ЦЕЛИ И ЗАДАЧИ ДИПЛОМНОЙ РАБОТЫ</a:t>
+            </a:r>
             <a:endParaRPr lang="ru-RU" sz="2000" b="1" dirty="0" smtClean="0">
               <a:latin typeface="Arial" panose="020B0604020202020204" pitchFamily="34" charset="0"/>
               <a:cs typeface="Arial" panose="020B0604020202020204" pitchFamily="34" charset="0"/>
             </a:endParaRPr>
           </a:p>
           <a:p>
+            <a:endParaRPr lang="ru-RU" sz="2000" b="1" dirty="0" smtClean="0">
+              <a:latin typeface="Arial" panose="020B0604020202020204" pitchFamily="34" charset="0"/>
+              <a:cs typeface="Arial" panose="020B0604020202020204" pitchFamily="34" charset="0"/>
+            </a:endParaRPr>
+          </a:p>
+          <a:p>
+            <a:r>
+              <a:rPr lang="ru-RU" sz="2000" dirty="0" smtClean="0">
+                <a:latin typeface="Arial" panose="020B0604020202020204" pitchFamily="34" charset="0"/>
+                <a:cs typeface="Arial" panose="020B0604020202020204" pitchFamily="34" charset="0"/>
+              </a:rPr>
+              <a:t>Цель дипломной работы – разработать информационную систему страховой компании.</a:t>
+            </a:r>
+          </a:p>
+          <a:p>
+            <a:r>
+              <a:rPr lang="ru-RU" sz="2000" dirty="0" smtClean="0">
+                <a:latin typeface="Arial" panose="020B0604020202020204" pitchFamily="34" charset="0"/>
+                <a:cs typeface="Arial" panose="020B0604020202020204" pitchFamily="34" charset="0"/>
+              </a:rPr>
+              <a:t>Для этого необходимо решить следующие задачи:</a:t>
+            </a:r>
+          </a:p>
+          <a:p>
             <a:pPr marL="342900" indent="-342900">
               <a:buFont typeface="Arial" panose="020B0604020202020204" pitchFamily="34" charset="0"/>
               <a:buChar char="•"/>
             </a:pPr>
             <a:r>
-              <a:rPr lang="ru-RU" sz="2000" dirty="0">
-                <a:latin typeface="Arial" panose="020B0604020202020204" pitchFamily="34" charset="0"/>
-                <a:cs typeface="Arial" panose="020B0604020202020204" pitchFamily="34" charset="0"/>
-              </a:rPr>
-              <a:t>свести к минимуму документы на бумажных </a:t>
-            </a:r>
-            <a:r>
               <a:rPr lang="ru-RU" sz="2000" dirty="0" smtClean="0">
                 <a:latin typeface="Arial" panose="020B0604020202020204" pitchFamily="34" charset="0"/>
                 <a:cs typeface="Arial" panose="020B0604020202020204" pitchFamily="34" charset="0"/>
               </a:rPr>
-              <a:t>носителях</a:t>
+              <a:t>провести анализ предметной области;</a:t>
             </a:r>
           </a:p>
           <a:p>
@@ -4009,14 +4159,14 @@
                 <a:latin typeface="Arial" panose="020B0604020202020204" pitchFamily="34" charset="0"/>
                 <a:cs typeface="Arial" panose="020B0604020202020204" pitchFamily="34" charset="0"/>
               </a:rPr>
-              <a:t>единая база документов, исключающая возможность их </a:t>
+              <a:t>провести </a:t>
             </a:r>
             <a:r>
               <a:rPr lang="ru-RU" sz="2000" dirty="0" smtClean="0">
                 <a:latin typeface="Arial" panose="020B0604020202020204" pitchFamily="34" charset="0"/>
                 <a:cs typeface="Arial" panose="020B0604020202020204" pitchFamily="34" charset="0"/>
               </a:rPr>
-              <a:t>дублирования</a:t>
+              <a:t>анализ существующих программных решений информационных систем;</a:t>
             </a:r>
           </a:p>
           <a:p>
@@ -4025,18 +4175,11 @@
               <a:buChar char="•"/>
             </a:pPr>
             <a:r>
-              <a:rPr lang="ru-RU" sz="2000" dirty="0">
-                <a:latin typeface="Arial" panose="020B0604020202020204" pitchFamily="34" charset="0"/>
-                <a:cs typeface="Arial" panose="020B0604020202020204" pitchFamily="34" charset="0"/>
-              </a:rPr>
-              <a:t>результативный поиск документа при наличии о нем минимальной </a:t>
-            </a:r>
-            <a:r>
               <a:rPr lang="ru-RU" sz="2000" dirty="0" smtClean="0">
                 <a:latin typeface="Arial" panose="020B0604020202020204" pitchFamily="34" charset="0"/>
                 <a:cs typeface="Arial" panose="020B0604020202020204" pitchFamily="34" charset="0"/>
               </a:rPr>
-              <a:t>информации</a:t>
+              <a:t>Проанализировать технические требования к СУБД и выбрать оптимальную;</a:t>
             </a:r>
           </a:p>
           <a:p>
@@ -4045,18 +4188,11 @@
               <a:buChar char="•"/>
             </a:pPr>
             <a:r>
-              <a:rPr lang="ru-RU" sz="2000" dirty="0">
-                <a:latin typeface="Arial" panose="020B0604020202020204" pitchFamily="34" charset="0"/>
-                <a:cs typeface="Arial" panose="020B0604020202020204" pitchFamily="34" charset="0"/>
-              </a:rPr>
-              <a:t>исключить ошибки при неправильном </a:t>
-            </a:r>
-            <a:r>
               <a:rPr lang="ru-RU" sz="2000" dirty="0" smtClean="0">
                 <a:latin typeface="Arial" panose="020B0604020202020204" pitchFamily="34" charset="0"/>
                 <a:cs typeface="Arial" panose="020B0604020202020204" pitchFamily="34" charset="0"/>
               </a:rPr>
-              <a:t>введении</a:t>
+              <a:t>Построить логическую модель базы данных;</a:t>
             </a:r>
           </a:p>
           <a:p>
@@ -4065,13 +4201,39 @@
               <a:buChar char="•"/>
             </a:pPr>
             <a:r>
-              <a:rPr lang="ru-RU" sz="2000" dirty="0">
-                <a:latin typeface="Arial" panose="020B0604020202020204" pitchFamily="34" charset="0"/>
-                <a:cs typeface="Arial" panose="020B0604020202020204" pitchFamily="34" charset="0"/>
-              </a:rPr>
-              <a:t>конвертация документа в необходимый формат в зависимости от текущей задачи</a:t>
-            </a:r>
-            <a:endParaRPr lang="uk-UA" sz="2000" dirty="0">
+              <a:rPr lang="ru-RU" sz="2000" dirty="0" smtClean="0">
+                <a:latin typeface="Arial" panose="020B0604020202020204" pitchFamily="34" charset="0"/>
+                <a:cs typeface="Arial" panose="020B0604020202020204" pitchFamily="34" charset="0"/>
+              </a:rPr>
+              <a:t>Построить физическую модель базы данных;</a:t>
+            </a:r>
+          </a:p>
+          <a:p>
+            <a:pPr marL="342900" indent="-342900">
+              <a:buFont typeface="Arial" panose="020B0604020202020204" pitchFamily="34" charset="0"/>
+              <a:buChar char="•"/>
+            </a:pPr>
+            <a:r>
+              <a:rPr lang="ru-RU" sz="2000" dirty="0" smtClean="0">
+                <a:latin typeface="Arial" panose="020B0604020202020204" pitchFamily="34" charset="0"/>
+                <a:cs typeface="Arial" panose="020B0604020202020204" pitchFamily="34" charset="0"/>
+              </a:rPr>
+              <a:t>Разработать графический интерфейс;</a:t>
+            </a:r>
+          </a:p>
+          <a:p>
+            <a:pPr marL="342900" indent="-342900">
+              <a:buFont typeface="Arial" panose="020B0604020202020204" pitchFamily="34" charset="0"/>
+              <a:buChar char="•"/>
+            </a:pPr>
+            <a:r>
+              <a:rPr lang="ru-RU" sz="2000" dirty="0" smtClean="0">
+                <a:latin typeface="Arial" panose="020B0604020202020204" pitchFamily="34" charset="0"/>
+                <a:cs typeface="Arial" panose="020B0604020202020204" pitchFamily="34" charset="0"/>
+              </a:rPr>
+              <a:t>Разработать информационную систему страховой компании.</a:t>
+            </a:r>
+            <a:endParaRPr lang="ru-RU" sz="2000" dirty="0" smtClean="0">
               <a:latin typeface="Arial" panose="020B0604020202020204" pitchFamily="34" charset="0"/>
               <a:cs typeface="Arial" panose="020B0604020202020204" pitchFamily="34" charset="0"/>
             </a:endParaRPr>
@@ -4117,14 +4279,16 @@
       </p:grpSpPr>
       <p:pic>
         <p:nvPicPr>
-          <p:cNvPr id="5" name="Рисунок 4"/>
+          <p:cNvPr id="7" name="Объект 6"/>
           <p:cNvPicPr>
-            <a:picLocks noChangeAspect="1"/>
+            <a:picLocks noGrp="1" noChangeAspect="1"/>
           </p:cNvPicPr>
-          <p:nvPr/>
+          <p:nvPr>
+            <p:ph idx="1"/>
+          </p:nvPr>
         </p:nvPicPr>
         <p:blipFill>
-          <a:blip r:embed="rId2">
+          <a:blip r:embed="rId2" cstate="print">
             <a:extLst>
               <a:ext uri="{28A0092B-C50C-407E-A947-70E740481C1C}">
                 <a14:useLocalDpi xmlns:a14="http://schemas.microsoft.com/office/drawing/2010/main" val="0"/>
@@ -4137,55 +4301,150 @@
         </p:blipFill>
         <p:spPr>
           <a:xfrm>
-            <a:off x="1960391" y="1215485"/>
-            <a:ext cx="8094540" cy="4817326"/>
-          </a:xfrm>
-          <a:prstGeom prst="rect">
-            <a:avLst/>
-          </a:prstGeom>
+            <a:off x="7793029" y="457200"/>
+            <a:ext cx="3699391" cy="5411787"/>
+          </a:xfrm>
         </p:spPr>
       </p:pic>
       <p:sp>
         <p:nvSpPr>
-          <p:cNvPr id="8" name="TextBox 7"/>
-          <p:cNvSpPr txBox="1"/>
-          <p:nvPr/>
-        </p:nvSpPr>
-        <p:spPr>
-          <a:xfrm>
-            <a:off x="2667000" y="624468"/>
-            <a:ext cx="6858000" cy="400110"/>
-          </a:xfrm>
-          <a:prstGeom prst="rect">
-            <a:avLst/>
-          </a:prstGeom>
-          <a:noFill/>
-        </p:spPr>
-        <p:txBody>
-          <a:bodyPr wrap="square" rtlCol="0">
-            <a:spAutoFit/>
+          <p:cNvPr id="6" name="Текст 5"/>
+          <p:cNvSpPr>
+            <a:spLocks noGrp="1"/>
+          </p:cNvSpPr>
+          <p:nvPr>
+            <p:ph type="body" sz="half" idx="2"/>
+          </p:nvPr>
+        </p:nvSpPr>
+        <p:spPr>
+          <a:xfrm>
+            <a:off x="839788" y="457200"/>
+            <a:ext cx="6642680" cy="5411788"/>
+          </a:xfrm>
+        </p:spPr>
+        <p:txBody>
+          <a:bodyPr>
+            <a:normAutofit/>
           </a:bodyPr>
           <a:lstStyle/>
           <a:p>
-            <a:pPr algn="ctr"/>
             <a:r>
               <a:rPr lang="ru-RU" sz="2000" b="1" dirty="0" smtClean="0">
                 <a:latin typeface="Arial" panose="020B0604020202020204" pitchFamily="34" charset="0"/>
                 <a:cs typeface="Arial" panose="020B0604020202020204" pitchFamily="34" charset="0"/>
               </a:rPr>
-              <a:t>АРХИТЕКТРУРА ПРИЛОЖЕНИЯ</a:t>
-            </a:r>
-            <a:endParaRPr lang="uk-UA" sz="2000" b="1" dirty="0">
+              <a:t>ПОЗВОЛЯЕТ РЕШИТЬ СЛЕДУЮЩИЕ ПРОБЛЕММЫ</a:t>
+            </a:r>
+          </a:p>
+          <a:p>
+            <a:endParaRPr lang="ru-RU" sz="2000" b="1" dirty="0" smtClean="0">
               <a:latin typeface="Arial" panose="020B0604020202020204" pitchFamily="34" charset="0"/>
               <a:cs typeface="Arial" panose="020B0604020202020204" pitchFamily="34" charset="0"/>
             </a:endParaRPr>
           </a:p>
+          <a:p>
+            <a:pPr marL="342900" indent="-342900">
+              <a:buFont typeface="Arial" panose="020B0604020202020204" pitchFamily="34" charset="0"/>
+              <a:buChar char="•"/>
+            </a:pPr>
+            <a:r>
+              <a:rPr lang="ru-RU" sz="2000" dirty="0">
+                <a:latin typeface="Arial" panose="020B0604020202020204" pitchFamily="34" charset="0"/>
+                <a:cs typeface="Arial" panose="020B0604020202020204" pitchFamily="34" charset="0"/>
+              </a:rPr>
+              <a:t>свести к минимуму документы на бумажных </a:t>
+            </a:r>
+            <a:r>
+              <a:rPr lang="ru-RU" sz="2000" dirty="0" smtClean="0">
+                <a:latin typeface="Arial" panose="020B0604020202020204" pitchFamily="34" charset="0"/>
+                <a:cs typeface="Arial" panose="020B0604020202020204" pitchFamily="34" charset="0"/>
+              </a:rPr>
+              <a:t>носителях</a:t>
+            </a:r>
+          </a:p>
+          <a:p>
+            <a:pPr marL="342900" indent="-342900">
+              <a:buFont typeface="Arial" panose="020B0604020202020204" pitchFamily="34" charset="0"/>
+              <a:buChar char="•"/>
+            </a:pPr>
+            <a:r>
+              <a:rPr lang="ru-RU" sz="2000" dirty="0">
+                <a:latin typeface="Arial" panose="020B0604020202020204" pitchFamily="34" charset="0"/>
+                <a:cs typeface="Arial" panose="020B0604020202020204" pitchFamily="34" charset="0"/>
+              </a:rPr>
+              <a:t>единая база документов, исключающая возможность их </a:t>
+            </a:r>
+            <a:r>
+              <a:rPr lang="ru-RU" sz="2000" dirty="0" smtClean="0">
+                <a:latin typeface="Arial" panose="020B0604020202020204" pitchFamily="34" charset="0"/>
+                <a:cs typeface="Arial" panose="020B0604020202020204" pitchFamily="34" charset="0"/>
+              </a:rPr>
+              <a:t>дублирования</a:t>
+            </a:r>
+          </a:p>
+          <a:p>
+            <a:pPr marL="342900" indent="-342900">
+              <a:buFont typeface="Arial" panose="020B0604020202020204" pitchFamily="34" charset="0"/>
+              <a:buChar char="•"/>
+            </a:pPr>
+            <a:r>
+              <a:rPr lang="ru-RU" sz="2000" dirty="0">
+                <a:latin typeface="Arial" panose="020B0604020202020204" pitchFamily="34" charset="0"/>
+                <a:cs typeface="Arial" panose="020B0604020202020204" pitchFamily="34" charset="0"/>
+              </a:rPr>
+              <a:t>результативный поиск документа при наличии о нем минимальной </a:t>
+            </a:r>
+            <a:r>
+              <a:rPr lang="ru-RU" sz="2000" dirty="0" smtClean="0">
+                <a:latin typeface="Arial" panose="020B0604020202020204" pitchFamily="34" charset="0"/>
+                <a:cs typeface="Arial" panose="020B0604020202020204" pitchFamily="34" charset="0"/>
+              </a:rPr>
+              <a:t>информации</a:t>
+            </a:r>
+          </a:p>
+          <a:p>
+            <a:pPr marL="342900" indent="-342900">
+              <a:buFont typeface="Arial" panose="020B0604020202020204" pitchFamily="34" charset="0"/>
+              <a:buChar char="•"/>
+            </a:pPr>
+            <a:r>
+              <a:rPr lang="ru-RU" sz="2000" dirty="0">
+                <a:latin typeface="Arial" panose="020B0604020202020204" pitchFamily="34" charset="0"/>
+                <a:cs typeface="Arial" panose="020B0604020202020204" pitchFamily="34" charset="0"/>
+              </a:rPr>
+              <a:t>исключить ошибки при неправильном </a:t>
+            </a:r>
+            <a:r>
+              <a:rPr lang="ru-RU" sz="2000" dirty="0" smtClean="0">
+                <a:latin typeface="Arial" panose="020B0604020202020204" pitchFamily="34" charset="0"/>
+                <a:cs typeface="Arial" panose="020B0604020202020204" pitchFamily="34" charset="0"/>
+              </a:rPr>
+              <a:t>введении</a:t>
+            </a:r>
+          </a:p>
+          <a:p>
+            <a:pPr marL="342900" indent="-342900">
+              <a:buFont typeface="Arial" panose="020B0604020202020204" pitchFamily="34" charset="0"/>
+              <a:buChar char="•"/>
+            </a:pPr>
+            <a:r>
+              <a:rPr lang="ru-RU" sz="2000" dirty="0">
+                <a:latin typeface="Arial" panose="020B0604020202020204" pitchFamily="34" charset="0"/>
+                <a:cs typeface="Arial" panose="020B0604020202020204" pitchFamily="34" charset="0"/>
+              </a:rPr>
+              <a:t>конвертация документа в необходимый формат в зависимости от текущей задачи</a:t>
+            </a:r>
+            <a:endParaRPr lang="uk-UA" sz="2000" dirty="0">
+              <a:latin typeface="Arial" panose="020B0604020202020204" pitchFamily="34" charset="0"/>
+              <a:cs typeface="Arial" panose="020B0604020202020204" pitchFamily="34" charset="0"/>
+            </a:endParaRPr>
+          </a:p>
         </p:txBody>
       </p:sp>
     </p:spTree>
     <p:extLst>
       <p:ext uri="{BB962C8B-B14F-4D97-AF65-F5344CB8AC3E}">
-        <p14:creationId xmlns:p14="http://schemas.microsoft.com/office/powerpoint/2010/main" val="3945626069"/>
+        <p14:creationId xmlns:p14="http://schemas.microsoft.com/office/powerpoint/2010/main" val="2439297196"/>
       </p:ext>
     </p:extLst>
   </p:cSld>
@@ -4219,59 +4478,13 @@
           <a:chExt cx="0" cy="0"/>
         </a:xfrm>
       </p:grpSpPr>
-      <p:sp>
-        <p:nvSpPr>
-          <p:cNvPr id="2" name="Заголовок 1"/>
-          <p:cNvSpPr>
-            <a:spLocks noGrp="1"/>
-          </p:cNvSpPr>
-          <p:nvPr>
-            <p:ph type="title"/>
-          </p:nvPr>
-        </p:nvSpPr>
-        <p:spPr>
-          <a:xfrm>
-            <a:off x="3235712" y="441325"/>
-            <a:ext cx="5720574" cy="539982"/>
-          </a:xfrm>
-        </p:spPr>
-        <p:txBody>
-          <a:bodyPr>
-            <a:normAutofit/>
-          </a:bodyPr>
-          <a:lstStyle/>
-          <a:p>
-            <a:pPr algn="ctr"/>
-            <a:r>
-              <a:rPr lang="ru-RU" sz="2000" b="1" dirty="0" smtClean="0">
-                <a:latin typeface="Arial" panose="020B0604020202020204" pitchFamily="34" charset="0"/>
-                <a:cs typeface="Arial" panose="020B0604020202020204" pitchFamily="34" charset="0"/>
-              </a:rPr>
-              <a:t>МОДЕЛЬ БАЗА ДАНЫХ </a:t>
-            </a:r>
-            <a:r>
-              <a:rPr lang="en-US" sz="2000" b="1" dirty="0" smtClean="0">
-                <a:latin typeface="Arial" panose="020B0604020202020204" pitchFamily="34" charset="0"/>
-                <a:cs typeface="Arial" panose="020B0604020202020204" pitchFamily="34" charset="0"/>
-              </a:rPr>
-              <a:t>MYSQL Workbench</a:t>
-            </a:r>
-            <a:endParaRPr lang="uk-UA" sz="2000" b="1" dirty="0">
-              <a:latin typeface="Arial" panose="020B0604020202020204" pitchFamily="34" charset="0"/>
-              <a:cs typeface="Arial" panose="020B0604020202020204" pitchFamily="34" charset="0"/>
-            </a:endParaRPr>
-          </a:p>
-        </p:txBody>
-      </p:sp>
       <p:pic>
         <p:nvPicPr>
-          <p:cNvPr id="5" name="Объект 4"/>
+          <p:cNvPr id="5" name="Рисунок 4"/>
           <p:cNvPicPr>
-            <a:picLocks noGrp="1" noChangeAspect="1"/>
+            <a:picLocks noChangeAspect="1"/>
           </p:cNvPicPr>
-          <p:nvPr>
-            <p:ph idx="1"/>
-          </p:nvPr>
+          <p:nvPr/>
         </p:nvPicPr>
         <p:blipFill>
           <a:blip r:embed="rId2">
@@ -4287,15 +4500,55 @@
         </p:blipFill>
         <p:spPr>
           <a:xfrm>
-            <a:off x="3749323" y="1115122"/>
-            <a:ext cx="5191441" cy="5176749"/>
-          </a:xfrm>
+            <a:off x="1960391" y="1215485"/>
+            <a:ext cx="8094540" cy="4817326"/>
+          </a:xfrm>
+          <a:prstGeom prst="rect">
+            <a:avLst/>
+          </a:prstGeom>
         </p:spPr>
       </p:pic>
+      <p:sp>
+        <p:nvSpPr>
+          <p:cNvPr id="8" name="TextBox 7"/>
+          <p:cNvSpPr txBox="1"/>
+          <p:nvPr/>
+        </p:nvSpPr>
+        <p:spPr>
+          <a:xfrm>
+            <a:off x="2667000" y="624468"/>
+            <a:ext cx="6858000" cy="400110"/>
+          </a:xfrm>
+          <a:prstGeom prst="rect">
+            <a:avLst/>
+          </a:prstGeom>
+          <a:noFill/>
+        </p:spPr>
+        <p:txBody>
+          <a:bodyPr wrap="square" rtlCol="0">
+            <a:spAutoFit/>
+          </a:bodyPr>
+          <a:lstStyle/>
+          <a:p>
+            <a:pPr algn="ctr"/>
+            <a:r>
+              <a:rPr lang="ru-RU" sz="2000" b="1" dirty="0" smtClean="0">
+                <a:latin typeface="Arial" panose="020B0604020202020204" pitchFamily="34" charset="0"/>
+                <a:cs typeface="Arial" panose="020B0604020202020204" pitchFamily="34" charset="0"/>
+              </a:rPr>
+              <a:t>АРХИТЕКТРУРА ПРИЛОЖЕНИЯ</a:t>
+            </a:r>
+            <a:endParaRPr lang="uk-UA" sz="2000" b="1" dirty="0">
+              <a:latin typeface="Arial" panose="020B0604020202020204" pitchFamily="34" charset="0"/>
+              <a:cs typeface="Arial" panose="020B0604020202020204" pitchFamily="34" charset="0"/>
+            </a:endParaRPr>
+          </a:p>
+        </p:txBody>
+      </p:sp>
     </p:spTree>
     <p:extLst>
       <p:ext uri="{BB962C8B-B14F-4D97-AF65-F5344CB8AC3E}">
-        <p14:creationId xmlns:p14="http://schemas.microsoft.com/office/powerpoint/2010/main" val="2976218807"/>
+        <p14:creationId xmlns:p14="http://schemas.microsoft.com/office/powerpoint/2010/main" val="3945626069"/>
       </p:ext>
     </p:extLst>
   </p:cSld>
@@ -4341,8 +4594,8 @@
         </p:nvSpPr>
         <p:spPr>
           <a:xfrm>
-            <a:off x="4129881" y="460866"/>
-            <a:ext cx="3932237" cy="434898"/>
+            <a:off x="3235712" y="441325"/>
+            <a:ext cx="5720574" cy="539982"/>
           </a:xfrm>
         </p:spPr>
         <p:txBody>
@@ -4357,14 +4610,14 @@
                 <a:latin typeface="Arial" panose="020B0604020202020204" pitchFamily="34" charset="0"/>
                 <a:cs typeface="Arial" panose="020B0604020202020204" pitchFamily="34" charset="0"/>
               </a:rPr>
-              <a:t>ГРАФИЧЕСКИЙ ИНТЕРФЕЙ</a:t>
+              <a:t>МОДЕЛЬ БАЗА ДАНЫХ </a:t>
             </a:r>
             <a:r>
               <a:rPr lang="en-US" sz="2000" b="1" dirty="0" smtClean="0">
                 <a:latin typeface="Arial" panose="020B0604020202020204" pitchFamily="34" charset="0"/>
                 <a:cs typeface="Arial" panose="020B0604020202020204" pitchFamily="34" charset="0"/>
               </a:rPr>
-              <a:t>C</a:t>
+              <a:t>MYSQL Workbench</a:t>
             </a:r>
             <a:endParaRPr lang="uk-UA" sz="2000" b="1" dirty="0">
               <a:latin typeface="Arial" panose="020B0604020202020204" pitchFamily="34" charset="0"/>
@@ -4397,122 +4650,15 @@
         </p:blipFill>
         <p:spPr>
           <a:xfrm>
-            <a:off x="5870927" y="1103524"/>
-            <a:ext cx="4653885" cy="4456896"/>
-          </a:xfrm>
-          <a:prstGeom prst="rect">
-            <a:avLst/>
-          </a:prstGeom>
+            <a:off x="3749323" y="1115122"/>
+            <a:ext cx="5191441" cy="5176749"/>
+          </a:xfrm>
         </p:spPr>
       </p:pic>
-      <p:sp>
-        <p:nvSpPr>
-          <p:cNvPr id="4" name="Текст 3"/>
-          <p:cNvSpPr>
-            <a:spLocks noGrp="1"/>
-          </p:cNvSpPr>
-          <p:nvPr>
-            <p:ph type="body" sz="half" idx="2"/>
-          </p:nvPr>
-        </p:nvSpPr>
-        <p:spPr>
-          <a:xfrm>
-            <a:off x="839788" y="1103524"/>
-            <a:ext cx="4200563" cy="4664656"/>
-          </a:xfrm>
-        </p:spPr>
-        <p:txBody>
-          <a:bodyPr>
-            <a:normAutofit/>
-          </a:bodyPr>
-          <a:lstStyle/>
-          <a:p>
-            <a:r>
-              <a:rPr lang="ru-RU" sz="2000" b="1" dirty="0" smtClean="0">
-                <a:latin typeface="Arial" panose="020B0604020202020204" pitchFamily="34" charset="0"/>
-                <a:cs typeface="Arial" panose="020B0604020202020204" pitchFamily="34" charset="0"/>
-              </a:rPr>
-              <a:t>ГЛАВНАЯ ФОРМА ПРИЛОЖЕНИЯ</a:t>
-            </a:r>
-            <a:endParaRPr lang="uk-UA" sz="2000" b="1" dirty="0" smtClean="0">
-              <a:latin typeface="Arial" panose="020B0604020202020204" pitchFamily="34" charset="0"/>
-              <a:cs typeface="Arial" panose="020B0604020202020204" pitchFamily="34" charset="0"/>
-            </a:endParaRPr>
-          </a:p>
-          <a:p>
-            <a:pPr marL="285750" indent="-285750">
-              <a:buFont typeface="Arial" panose="020B0604020202020204" pitchFamily="34" charset="0"/>
-              <a:buChar char="•"/>
-            </a:pPr>
-            <a:r>
-              <a:rPr lang="ru-RU" sz="1800" dirty="0" smtClean="0">
-                <a:latin typeface="Arial" panose="020B0604020202020204" pitchFamily="34" charset="0"/>
-                <a:cs typeface="Arial" panose="020B0604020202020204" pitchFamily="34" charset="0"/>
-              </a:rPr>
-              <a:t>Учет полисов</a:t>
-            </a:r>
-            <a:endParaRPr lang="ru-RU" sz="1800" dirty="0" smtClean="0">
-              <a:latin typeface="Arial" panose="020B0604020202020204" pitchFamily="34" charset="0"/>
-              <a:cs typeface="Arial" panose="020B0604020202020204" pitchFamily="34" charset="0"/>
-            </a:endParaRPr>
-          </a:p>
-          <a:p>
-            <a:pPr marL="285750" indent="-285750">
-              <a:buFont typeface="Arial" panose="020B0604020202020204" pitchFamily="34" charset="0"/>
-              <a:buChar char="•"/>
-            </a:pPr>
-            <a:r>
-              <a:rPr lang="ru-RU" sz="1800" dirty="0" smtClean="0">
-                <a:latin typeface="Arial" panose="020B0604020202020204" pitchFamily="34" charset="0"/>
-                <a:cs typeface="Arial" panose="020B0604020202020204" pitchFamily="34" charset="0"/>
-              </a:rPr>
-              <a:t>Ввод договоров</a:t>
-            </a:r>
-            <a:endParaRPr lang="ru-RU" sz="1800" dirty="0" smtClean="0">
-              <a:latin typeface="Arial" panose="020B0604020202020204" pitchFamily="34" charset="0"/>
-              <a:cs typeface="Arial" panose="020B0604020202020204" pitchFamily="34" charset="0"/>
-            </a:endParaRPr>
-          </a:p>
-          <a:p>
-            <a:pPr marL="285750" indent="-285750">
-              <a:buFont typeface="Arial" panose="020B0604020202020204" pitchFamily="34" charset="0"/>
-              <a:buChar char="•"/>
-            </a:pPr>
-            <a:r>
-              <a:rPr lang="ru-RU" sz="1800" dirty="0" smtClean="0">
-                <a:latin typeface="Arial" panose="020B0604020202020204" pitchFamily="34" charset="0"/>
-                <a:cs typeface="Arial" panose="020B0604020202020204" pitchFamily="34" charset="0"/>
-              </a:rPr>
-              <a:t>Коэффициенты</a:t>
-            </a:r>
-            <a:endParaRPr lang="ru-RU" sz="1800" dirty="0" smtClean="0">
-              <a:latin typeface="Arial" panose="020B0604020202020204" pitchFamily="34" charset="0"/>
-              <a:cs typeface="Arial" panose="020B0604020202020204" pitchFamily="34" charset="0"/>
-            </a:endParaRPr>
-          </a:p>
-          <a:p>
-            <a:pPr marL="285750" indent="-285750">
-              <a:buFont typeface="Arial" panose="020B0604020202020204" pitchFamily="34" charset="0"/>
-              <a:buChar char="•"/>
-            </a:pPr>
-            <a:r>
-              <a:rPr lang="ru-RU" sz="1800" dirty="0" smtClean="0">
-                <a:latin typeface="Arial" panose="020B0604020202020204" pitchFamily="34" charset="0"/>
-                <a:cs typeface="Arial" panose="020B0604020202020204" pitchFamily="34" charset="0"/>
-              </a:rPr>
-              <a:t>Страховые события</a:t>
-            </a:r>
-            <a:endParaRPr lang="ru-RU" sz="1800" dirty="0" smtClean="0">
-              <a:latin typeface="Arial" panose="020B0604020202020204" pitchFamily="34" charset="0"/>
-              <a:cs typeface="Arial" panose="020B0604020202020204" pitchFamily="34" charset="0"/>
-            </a:endParaRPr>
-          </a:p>
-        </p:txBody>
-      </p:sp>
     </p:spTree>
     <p:extLst>
       <p:ext uri="{BB962C8B-B14F-4D97-AF65-F5344CB8AC3E}">
-        <p14:creationId xmlns:p14="http://schemas.microsoft.com/office/powerpoint/2010/main" val="3421051791"/>
+        <p14:creationId xmlns:p14="http://schemas.microsoft.com/office/powerpoint/2010/main" val="2976218807"/>
       </p:ext>
     </p:extLst>
   </p:cSld>
@@ -4558,8 +4704,8 @@
         </p:nvSpPr>
         <p:spPr>
           <a:xfrm>
-            <a:off x="3717179" y="460866"/>
-            <a:ext cx="4757641" cy="434898"/>
+            <a:off x="4129881" y="460866"/>
+            <a:ext cx="3932237" cy="434898"/>
           </a:xfrm>
         </p:spPr>
         <p:txBody>
@@ -4574,14 +4720,14 @@
                 <a:latin typeface="Arial" panose="020B0604020202020204" pitchFamily="34" charset="0"/>
                 <a:cs typeface="Arial" panose="020B0604020202020204" pitchFamily="34" charset="0"/>
               </a:rPr>
-              <a:t>ФОРМА </a:t>
-            </a:r>
-            <a:r>
-              <a:rPr lang="ru-RU" sz="2000" b="1" dirty="0" smtClean="0">
-                <a:latin typeface="Arial" panose="020B0604020202020204" pitchFamily="34" charset="0"/>
-                <a:cs typeface="Arial" panose="020B0604020202020204" pitchFamily="34" charset="0"/>
-              </a:rPr>
-              <a:t>УЧЕТА ПОЛИСОВ</a:t>
+              <a:t>ГРАФИЧЕСКИЙ ИНТЕРФЕЙ</a:t>
+            </a:r>
+            <a:r>
+              <a:rPr lang="en-US" sz="2000" b="1" dirty="0" smtClean="0">
+                <a:latin typeface="Arial" panose="020B0604020202020204" pitchFamily="34" charset="0"/>
+                <a:cs typeface="Arial" panose="020B0604020202020204" pitchFamily="34" charset="0"/>
+              </a:rPr>
+              <a:t>C</a:t>
             </a:r>
             <a:endParaRPr lang="uk-UA" sz="2000" b="1" dirty="0">
               <a:latin typeface="Arial" panose="020B0604020202020204" pitchFamily="34" charset="0"/>
@@ -4590,92 +4736,9 @@
           </a:p>
         </p:txBody>
       </p:sp>
-      <p:sp>
-        <p:nvSpPr>
-          <p:cNvPr id="4" name="Текст 3"/>
-          <p:cNvSpPr>
-            <a:spLocks noGrp="1"/>
-          </p:cNvSpPr>
-          <p:nvPr>
-            <p:ph type="body" sz="half" idx="2"/>
-          </p:nvPr>
-        </p:nvSpPr>
-        <p:spPr>
-          <a:xfrm>
-            <a:off x="839788" y="1103524"/>
-            <a:ext cx="4200563" cy="4664656"/>
-          </a:xfrm>
-        </p:spPr>
-        <p:txBody>
-          <a:bodyPr>
-            <a:normAutofit/>
-          </a:bodyPr>
-          <a:lstStyle/>
-          <a:p>
-            <a:pPr marL="285750" indent="-285750">
-              <a:buFont typeface="Arial" panose="020B0604020202020204" pitchFamily="34" charset="0"/>
-              <a:buChar char="•"/>
-            </a:pPr>
-            <a:r>
-              <a:rPr lang="ru-RU" sz="1800" dirty="0" smtClean="0">
-                <a:latin typeface="Arial" panose="020B0604020202020204" pitchFamily="34" charset="0"/>
-                <a:cs typeface="Arial" panose="020B0604020202020204" pitchFamily="34" charset="0"/>
-              </a:rPr>
-              <a:t>Информация о всех выписанных полисах</a:t>
-            </a:r>
-            <a:endParaRPr lang="ru-RU" sz="1800" dirty="0" smtClean="0">
-              <a:latin typeface="Arial" panose="020B0604020202020204" pitchFamily="34" charset="0"/>
-              <a:cs typeface="Arial" panose="020B0604020202020204" pitchFamily="34" charset="0"/>
-            </a:endParaRPr>
-          </a:p>
-          <a:p>
-            <a:pPr marL="285750" indent="-285750">
-              <a:buFont typeface="Arial" panose="020B0604020202020204" pitchFamily="34" charset="0"/>
-              <a:buChar char="•"/>
-            </a:pPr>
-            <a:r>
-              <a:rPr lang="ru-RU" sz="1800" dirty="0" smtClean="0">
-                <a:latin typeface="Arial" panose="020B0604020202020204" pitchFamily="34" charset="0"/>
-                <a:cs typeface="Arial" panose="020B0604020202020204" pitchFamily="34" charset="0"/>
-              </a:rPr>
-              <a:t>Поиск по полисам</a:t>
-            </a:r>
-          </a:p>
-          <a:p>
-            <a:pPr marL="285750" indent="-285750">
-              <a:buFont typeface="Arial" panose="020B0604020202020204" pitchFamily="34" charset="0"/>
-              <a:buChar char="•"/>
-            </a:pPr>
-            <a:r>
-              <a:rPr lang="ru-RU" sz="1800" dirty="0" smtClean="0">
-                <a:latin typeface="Arial" panose="020B0604020202020204" pitchFamily="34" charset="0"/>
-                <a:cs typeface="Arial" panose="020B0604020202020204" pitchFamily="34" charset="0"/>
-              </a:rPr>
-              <a:t>Создание страхового события</a:t>
-            </a:r>
-          </a:p>
-          <a:p>
-            <a:pPr marL="285750" indent="-285750">
-              <a:buFont typeface="Arial" panose="020B0604020202020204" pitchFamily="34" charset="0"/>
-              <a:buChar char="•"/>
-            </a:pPr>
-            <a:r>
-              <a:rPr lang="ru-RU" sz="1800" dirty="0" smtClean="0">
-                <a:latin typeface="Arial" panose="020B0604020202020204" pitchFamily="34" charset="0"/>
-                <a:cs typeface="Arial" panose="020B0604020202020204" pitchFamily="34" charset="0"/>
-              </a:rPr>
-              <a:t>Импорт</a:t>
-            </a:r>
-            <a:endParaRPr lang="ru-RU" sz="1800" dirty="0" smtClean="0">
-              <a:latin typeface="Arial" panose="020B0604020202020204" pitchFamily="34" charset="0"/>
-              <a:cs typeface="Arial" panose="020B0604020202020204" pitchFamily="34" charset="0"/>
-            </a:endParaRPr>
-          </a:p>
-        </p:txBody>
-      </p:sp>
       <p:pic>
         <p:nvPicPr>
-          <p:cNvPr id="7" name="Объект 6"/>
+          <p:cNvPr id="5" name="Объект 4"/>
           <p:cNvPicPr>
             <a:picLocks noGrp="1" noChangeAspect="1"/>
           </p:cNvPicPr>
@@ -4697,24 +4760,119 @@
         </p:blipFill>
         <p:spPr>
           <a:xfrm>
-            <a:off x="5389083" y="1103524"/>
-            <a:ext cx="5754059" cy="3529865"/>
+            <a:off x="5870927" y="1103524"/>
+            <a:ext cx="4653885" cy="4456896"/>
           </a:xfrm>
           <a:prstGeom prst="rect">
             <a:avLst/>
           </a:prstGeom>
         </p:spPr>
       </p:pic>
+      <p:sp>
+        <p:nvSpPr>
+          <p:cNvPr id="4" name="Текст 3"/>
+          <p:cNvSpPr>
+            <a:spLocks noGrp="1"/>
+          </p:cNvSpPr>
+          <p:nvPr>
+            <p:ph type="body" sz="half" idx="2"/>
+          </p:nvPr>
+        </p:nvSpPr>
+        <p:spPr>
+          <a:xfrm>
+            <a:off x="839788" y="1103524"/>
+            <a:ext cx="4200563" cy="4664656"/>
+          </a:xfrm>
+        </p:spPr>
+        <p:txBody>
+          <a:bodyPr>
+            <a:normAutofit/>
+          </a:bodyPr>
+          <a:lstStyle/>
+          <a:p>
+            <a:r>
+              <a:rPr lang="ru-RU" sz="2000" b="1" dirty="0" smtClean="0">
+                <a:latin typeface="Arial" panose="020B0604020202020204" pitchFamily="34" charset="0"/>
+                <a:cs typeface="Arial" panose="020B0604020202020204" pitchFamily="34" charset="0"/>
+              </a:rPr>
+              <a:t>ГЛАВНАЯ ФОРМА ПРИЛОЖЕНИЯ</a:t>
+            </a:r>
+            <a:endParaRPr lang="uk-UA" sz="2000" b="1" dirty="0" smtClean="0">
+              <a:latin typeface="Arial" panose="020B0604020202020204" pitchFamily="34" charset="0"/>
+              <a:cs typeface="Arial" panose="020B0604020202020204" pitchFamily="34" charset="0"/>
+            </a:endParaRPr>
+          </a:p>
+          <a:p>
+            <a:pPr marL="285750" indent="-285750">
+              <a:buFont typeface="Arial" panose="020B0604020202020204" pitchFamily="34" charset="0"/>
+              <a:buChar char="•"/>
+            </a:pPr>
+            <a:r>
+              <a:rPr lang="ru-RU" sz="1800" dirty="0" smtClean="0">
+                <a:latin typeface="Arial" panose="020B0604020202020204" pitchFamily="34" charset="0"/>
+                <a:cs typeface="Arial" panose="020B0604020202020204" pitchFamily="34" charset="0"/>
+              </a:rPr>
+              <a:t>Учет полисов</a:t>
+            </a:r>
+          </a:p>
+          <a:p>
+            <a:pPr marL="285750" indent="-285750">
+              <a:buFont typeface="Arial" panose="020B0604020202020204" pitchFamily="34" charset="0"/>
+              <a:buChar char="•"/>
+            </a:pPr>
+            <a:r>
+              <a:rPr lang="ru-RU" sz="1800" dirty="0" smtClean="0">
+                <a:latin typeface="Arial" panose="020B0604020202020204" pitchFamily="34" charset="0"/>
+                <a:cs typeface="Arial" panose="020B0604020202020204" pitchFamily="34" charset="0"/>
+              </a:rPr>
+              <a:t>Ввод договоров</a:t>
+            </a:r>
+          </a:p>
+          <a:p>
+            <a:pPr marL="285750" indent="-285750">
+              <a:buFont typeface="Arial" panose="020B0604020202020204" pitchFamily="34" charset="0"/>
+              <a:buChar char="•"/>
+            </a:pPr>
+            <a:r>
+              <a:rPr lang="ru-RU" sz="1800" dirty="0" smtClean="0">
+                <a:latin typeface="Arial" panose="020B0604020202020204" pitchFamily="34" charset="0"/>
+                <a:cs typeface="Arial" panose="020B0604020202020204" pitchFamily="34" charset="0"/>
+              </a:rPr>
+              <a:t>Коэффициенты</a:t>
+            </a:r>
+          </a:p>
+          <a:p>
+            <a:pPr marL="285750" indent="-285750">
+              <a:buFont typeface="Arial" panose="020B0604020202020204" pitchFamily="34" charset="0"/>
+              <a:buChar char="•"/>
+            </a:pPr>
+            <a:r>
+              <a:rPr lang="ru-RU" sz="1800" dirty="0" smtClean="0">
+                <a:latin typeface="Arial" panose="020B0604020202020204" pitchFamily="34" charset="0"/>
+                <a:cs typeface="Arial" panose="020B0604020202020204" pitchFamily="34" charset="0"/>
+              </a:rPr>
+              <a:t>Страховые события</a:t>
+            </a:r>
+          </a:p>
+        </p:txBody>
+      </p:sp>
     </p:spTree>
     <p:extLst>
       <p:ext uri="{BB962C8B-B14F-4D97-AF65-F5344CB8AC3E}">
-        <p14:creationId xmlns:p14="http://schemas.microsoft.com/office/powerpoint/2010/main" val="248730047"/>
+        <p14:creationId xmlns:p14="http://schemas.microsoft.com/office/powerpoint/2010/main" val="3421051791"/>
       </p:ext>
     </p:extLst>
   </p:cSld>
   <p:clrMapOvr>
     <a:masterClrMapping/>
   </p:clrMapOvr>
+  <p:timing>
+    <p:tnLst>
+      <p:par>
+        <p:cTn id="1" dur="indefinite" restart="never" nodeType="tmRoot"/>
+      </p:par>
+    </p:tnLst>
+  </p:timing>
 </p:sld>
 </file>
 
@@ -4763,7 +4921,7 @@
                 <a:latin typeface="Arial" panose="020B0604020202020204" pitchFamily="34" charset="0"/>
                 <a:cs typeface="Arial" panose="020B0604020202020204" pitchFamily="34" charset="0"/>
               </a:rPr>
-              <a:t>СПРАВОЧНИКИ КОЭФФИЦИЕНТОВ</a:t>
+              <a:t>ФОРМА УЧЕТА ПОЛИСОВ</a:t>
             </a:r>
             <a:endParaRPr lang="uk-UA" sz="2000" b="1" dirty="0">
               <a:latin typeface="Arial" panose="020B0604020202020204" pitchFamily="34" charset="0"/>
@@ -4803,7 +4961,7 @@
                 <a:latin typeface="Arial" panose="020B0604020202020204" pitchFamily="34" charset="0"/>
                 <a:cs typeface="Arial" panose="020B0604020202020204" pitchFamily="34" charset="0"/>
               </a:rPr>
-              <a:t>Ускорение ввода</a:t>
+              <a:t>Информация о всех выписанных полисах</a:t>
             </a:r>
           </a:p>
           <a:p>
@@ -4816,7 +4974,7 @@
                 <a:latin typeface="Arial" panose="020B0604020202020204" pitchFamily="34" charset="0"/>
                 <a:cs typeface="Arial" panose="020B0604020202020204" pitchFamily="34" charset="0"/>
               </a:rPr>
-              <a:t>Ограничение ввода не корректной информации</a:t>
+              <a:t>Поиск по полисам</a:t>
             </a:r>
           </a:p>
           <a:p>
@@ -4829,14 +4987,7 @@
                 <a:latin typeface="Arial" panose="020B0604020202020204" pitchFamily="34" charset="0"/>
                 <a:cs typeface="Arial" panose="020B0604020202020204" pitchFamily="34" charset="0"/>
               </a:rPr>
-              <a:t>Возможность редактирования </a:t>
-            </a:r>
-            <a:r>
-              <a:rPr lang="ru-RU" sz="1800" dirty="0" smtClean="0">
-                <a:latin typeface="Arial" panose="020B0604020202020204" pitchFamily="34" charset="0"/>
-                <a:cs typeface="Arial" panose="020B0604020202020204" pitchFamily="34" charset="0"/>
-              </a:rPr>
-              <a:t>данных</a:t>
+              <a:t>Создание страхового события</a:t>
             </a:r>
           </a:p>
           <a:p>
@@ -4849,12 +5000,189 @@
                 <a:latin typeface="Arial" panose="020B0604020202020204" pitchFamily="34" charset="0"/>
                 <a:cs typeface="Arial" panose="020B0604020202020204" pitchFamily="34" charset="0"/>
               </a:rPr>
-              <a:t>Изменения стоимость страховых продуктов</a:t>
-            </a:r>
-            <a:endParaRPr lang="ru-RU" sz="1800" dirty="0" smtClean="0">
+              <a:t>Импорт</a:t>
+            </a:r>
+          </a:p>
+        </p:txBody>
+      </p:sp>
+      <p:pic>
+        <p:nvPicPr>
+          <p:cNvPr id="7" name="Объект 6"/>
+          <p:cNvPicPr>
+            <a:picLocks noGrp="1" noChangeAspect="1"/>
+          </p:cNvPicPr>
+          <p:nvPr>
+            <p:ph idx="1"/>
+          </p:nvPr>
+        </p:nvPicPr>
+        <p:blipFill>
+          <a:blip r:embed="rId2">
+            <a:extLst>
+              <a:ext uri="{28A0092B-C50C-407E-A947-70E740481C1C}">
+                <a14:useLocalDpi xmlns:a14="http://schemas.microsoft.com/office/drawing/2010/main" val="0"/>
+              </a:ext>
+            </a:extLst>
+          </a:blip>
+          <a:stretch>
+            <a:fillRect/>
+          </a:stretch>
+        </p:blipFill>
+        <p:spPr>
+          <a:xfrm>
+            <a:off x="5389083" y="1103524"/>
+            <a:ext cx="5754059" cy="3529865"/>
+          </a:xfrm>
+          <a:prstGeom prst="rect">
+            <a:avLst/>
+          </a:prstGeom>
+        </p:spPr>
+      </p:pic>
+    </p:spTree>
+    <p:extLst>
+      <p:ext uri="{BB962C8B-B14F-4D97-AF65-F5344CB8AC3E}">
+        <p14:creationId xmlns:p14="http://schemas.microsoft.com/office/powerpoint/2010/main" val="248730047"/>
+      </p:ext>
+    </p:extLst>
+  </p:cSld>
+  <p:clrMapOvr>
+    <a:masterClrMapping/>
+  </p:clrMapOvr>
+  <p:timing>
+    <p:tnLst>
+      <p:par>
+        <p:cTn id="1" dur="indefinite" restart="never" nodeType="tmRoot"/>
+      </p:par>
+    </p:tnLst>
+  </p:timing>
+</p:sld>
+</file>
+
+<file path=ppt/slides/slide8.xml><?xml version="1.0" encoding="utf-8"?>
+<p:sld xmlns:a="http://schemas.openxmlformats.org/drawingml/2006/main" xmlns:r="http://schemas.openxmlformats.org/officeDocument/2006/relationships" xmlns:p="http://schemas.openxmlformats.org/presentationml/2006/main">
+  <p:cSld>
+    <p:spTree>
+      <p:nvGrpSpPr>
+        <p:cNvPr id="1" name=""/>
+        <p:cNvGrpSpPr/>
+        <p:nvPr/>
+      </p:nvGrpSpPr>
+      <p:grpSpPr>
+        <a:xfrm>
+          <a:off x="0" y="0"/>
+          <a:ext cx="0" cy="0"/>
+          <a:chOff x="0" y="0"/>
+          <a:chExt cx="0" cy="0"/>
+        </a:xfrm>
+      </p:grpSpPr>
+      <p:sp>
+        <p:nvSpPr>
+          <p:cNvPr id="2" name="Заголовок 1"/>
+          <p:cNvSpPr>
+            <a:spLocks noGrp="1"/>
+          </p:cNvSpPr>
+          <p:nvPr>
+            <p:ph type="title"/>
+          </p:nvPr>
+        </p:nvSpPr>
+        <p:spPr>
+          <a:xfrm>
+            <a:off x="3717179" y="460866"/>
+            <a:ext cx="4757641" cy="434898"/>
+          </a:xfrm>
+        </p:spPr>
+        <p:txBody>
+          <a:bodyPr>
+            <a:normAutofit/>
+          </a:bodyPr>
+          <a:lstStyle/>
+          <a:p>
+            <a:pPr algn="ctr"/>
+            <a:r>
+              <a:rPr lang="ru-RU" sz="2000" b="1" dirty="0" smtClean="0">
+                <a:latin typeface="Arial" panose="020B0604020202020204" pitchFamily="34" charset="0"/>
+                <a:cs typeface="Arial" panose="020B0604020202020204" pitchFamily="34" charset="0"/>
+              </a:rPr>
+              <a:t>СПРАВОЧНИКИ КОЭФФИЦИЕНТОВ</a:t>
+            </a:r>
+            <a:endParaRPr lang="uk-UA" sz="2000" b="1" dirty="0">
               <a:latin typeface="Arial" panose="020B0604020202020204" pitchFamily="34" charset="0"/>
               <a:cs typeface="Arial" panose="020B0604020202020204" pitchFamily="34" charset="0"/>
             </a:endParaRPr>
+          </a:p>
+        </p:txBody>
+      </p:sp>
+      <p:sp>
+        <p:nvSpPr>
+          <p:cNvPr id="4" name="Текст 3"/>
+          <p:cNvSpPr>
+            <a:spLocks noGrp="1"/>
+          </p:cNvSpPr>
+          <p:nvPr>
+            <p:ph type="body" sz="half" idx="2"/>
+          </p:nvPr>
+        </p:nvSpPr>
+        <p:spPr>
+          <a:xfrm>
+            <a:off x="839788" y="1103524"/>
+            <a:ext cx="4200563" cy="4664656"/>
+          </a:xfrm>
+        </p:spPr>
+        <p:txBody>
+          <a:bodyPr>
+            <a:normAutofit/>
+          </a:bodyPr>
+          <a:lstStyle/>
+          <a:p>
+            <a:pPr marL="285750" indent="-285750">
+              <a:buFont typeface="Arial" panose="020B0604020202020204" pitchFamily="34" charset="0"/>
+              <a:buChar char="•"/>
+            </a:pPr>
+            <a:r>
+              <a:rPr lang="ru-RU" sz="1800" dirty="0" smtClean="0">
+                <a:latin typeface="Arial" panose="020B0604020202020204" pitchFamily="34" charset="0"/>
+                <a:cs typeface="Arial" panose="020B0604020202020204" pitchFamily="34" charset="0"/>
+              </a:rPr>
+              <a:t>Ускорение ввода</a:t>
+            </a:r>
+          </a:p>
+          <a:p>
+            <a:pPr marL="285750" indent="-285750">
+              <a:buFont typeface="Arial" panose="020B0604020202020204" pitchFamily="34" charset="0"/>
+              <a:buChar char="•"/>
+            </a:pPr>
+            <a:r>
+              <a:rPr lang="ru-RU" sz="1800" dirty="0" smtClean="0">
+                <a:latin typeface="Arial" panose="020B0604020202020204" pitchFamily="34" charset="0"/>
+                <a:cs typeface="Arial" panose="020B0604020202020204" pitchFamily="34" charset="0"/>
+              </a:rPr>
+              <a:t>Ограничение ввода не корректной информации</a:t>
+            </a:r>
+          </a:p>
+          <a:p>
+            <a:pPr marL="285750" indent="-285750">
+              <a:buFont typeface="Arial" panose="020B0604020202020204" pitchFamily="34" charset="0"/>
+              <a:buChar char="•"/>
+            </a:pPr>
+            <a:r>
+              <a:rPr lang="ru-RU" sz="1800" dirty="0" smtClean="0">
+                <a:latin typeface="Arial" panose="020B0604020202020204" pitchFamily="34" charset="0"/>
+                <a:cs typeface="Arial" panose="020B0604020202020204" pitchFamily="34" charset="0"/>
+              </a:rPr>
+              <a:t>Возможность редактирования данных</a:t>
+            </a:r>
+          </a:p>
+          <a:p>
+            <a:pPr marL="285750" indent="-285750">
+              <a:buFont typeface="Arial" panose="020B0604020202020204" pitchFamily="34" charset="0"/>
+              <a:buChar char="•"/>
+            </a:pPr>
+            <a:r>
+              <a:rPr lang="ru-RU" sz="1800" dirty="0" smtClean="0">
+                <a:latin typeface="Arial" panose="020B0604020202020204" pitchFamily="34" charset="0"/>
+                <a:cs typeface="Arial" panose="020B0604020202020204" pitchFamily="34" charset="0"/>
+              </a:rPr>
+              <a:t>Изменения стоимость страховых продуктов</a:t>
+            </a:r>
           </a:p>
           <a:p>
             <a:pPr marL="285750" indent="-285750">
@@ -4940,10 +5268,17 @@
   <p:clrMapOvr>
     <a:masterClrMapping/>
   </p:clrMapOvr>
+  <p:timing>
+    <p:tnLst>
+      <p:par>
+        <p:cTn id="1" dur="indefinite" restart="never" nodeType="tmRoot"/>
+      </p:par>
+    </p:tnLst>
+  </p:timing>
 </p:sld>
 </file>
 
-<file path=ppt/slides/slide8.xml><?xml version="1.0" encoding="utf-8"?>
+<file path=ppt/slides/slide9.xml><?xml version="1.0" encoding="utf-8"?>
 <p:sld xmlns:a="http://schemas.openxmlformats.org/drawingml/2006/main" xmlns:r="http://schemas.openxmlformats.org/officeDocument/2006/relationships" xmlns:p="http://schemas.openxmlformats.org/presentationml/2006/main">
   <p:cSld>
     <p:spTree>
@@ -5030,10 +5365,6 @@
               </a:rPr>
               <a:t>Создание страховых полисов</a:t>
             </a:r>
-            <a:endParaRPr lang="ru-RU" sz="1800" dirty="0" smtClean="0">
-              <a:latin typeface="Arial" panose="020B0604020202020204" pitchFamily="34" charset="0"/>
-              <a:cs typeface="Arial" panose="020B0604020202020204" pitchFamily="34" charset="0"/>
-            </a:endParaRPr>
           </a:p>
           <a:p>
             <a:pPr marL="285750" indent="-285750">
@@ -5047,10 +5378,6 @@
               </a:rPr>
               <a:t>Калькуляция стоимости страхового полиса</a:t>
             </a:r>
-            <a:endParaRPr lang="ru-RU" sz="1800" dirty="0" smtClean="0">
-              <a:latin typeface="Arial" panose="020B0604020202020204" pitchFamily="34" charset="0"/>
-              <a:cs typeface="Arial" panose="020B0604020202020204" pitchFamily="34" charset="0"/>
-            </a:endParaRPr>
           </a:p>
           <a:p>
             <a:pPr marL="285750" indent="-285750">
@@ -5077,10 +5404,6 @@
               </a:rPr>
               <a:t>Выбор страхового продукта</a:t>
             </a:r>
-            <a:endParaRPr lang="ru-RU" sz="1800" dirty="0" smtClean="0">
-              <a:latin typeface="Arial" panose="020B0604020202020204" pitchFamily="34" charset="0"/>
-              <a:cs typeface="Arial" panose="020B0604020202020204" pitchFamily="34" charset="0"/>
-            </a:endParaRPr>
           </a:p>
           <a:p>
             <a:pPr marL="285750" indent="-285750">
@@ -5166,175 +5489,13 @@
   <p:clrMapOvr>
     <a:masterClrMapping/>
   </p:clrMapOvr>
-</p:sld>
-</file>
-
-<file path=ppt/slides/slide9.xml><?xml version="1.0" encoding="utf-8"?>
-<p:sld xmlns:a="http://schemas.openxmlformats.org/drawingml/2006/main" xmlns:r="http://schemas.openxmlformats.org/officeDocument/2006/relationships" xmlns:p="http://schemas.openxmlformats.org/presentationml/2006/main">
-  <p:cSld>
-    <p:spTree>
-      <p:nvGrpSpPr>
-        <p:cNvPr id="1" name=""/>
-        <p:cNvGrpSpPr/>
-        <p:nvPr/>
-      </p:nvGrpSpPr>
-      <p:grpSpPr>
-        <a:xfrm>
-          <a:off x="0" y="0"/>
-          <a:ext cx="0" cy="0"/>
-          <a:chOff x="0" y="0"/>
-          <a:chExt cx="0" cy="0"/>
-        </a:xfrm>
-      </p:grpSpPr>
-      <p:sp>
-        <p:nvSpPr>
-          <p:cNvPr id="2" name="Заголовок 1"/>
-          <p:cNvSpPr>
-            <a:spLocks noGrp="1"/>
-          </p:cNvSpPr>
-          <p:nvPr>
-            <p:ph type="title"/>
-          </p:nvPr>
-        </p:nvSpPr>
-        <p:spPr>
-          <a:xfrm>
-            <a:off x="3717179" y="479502"/>
-            <a:ext cx="5270704" cy="416262"/>
-          </a:xfrm>
-        </p:spPr>
-        <p:txBody>
-          <a:bodyPr>
-            <a:normAutofit/>
-          </a:bodyPr>
-          <a:lstStyle/>
-          <a:p>
-            <a:pPr algn="ctr"/>
-            <a:r>
-              <a:rPr lang="ru-RU" sz="2000" b="1" dirty="0" smtClean="0">
-                <a:latin typeface="Arial" panose="020B0604020202020204" pitchFamily="34" charset="0"/>
-                <a:cs typeface="Arial" panose="020B0604020202020204" pitchFamily="34" charset="0"/>
-              </a:rPr>
-              <a:t>СОЗДАНИЕ СТРАХОВОГО СОБЫТИЯ</a:t>
-            </a:r>
-            <a:endParaRPr lang="uk-UA" sz="2000" b="1" dirty="0">
-              <a:latin typeface="Arial" panose="020B0604020202020204" pitchFamily="34" charset="0"/>
-              <a:cs typeface="Arial" panose="020B0604020202020204" pitchFamily="34" charset="0"/>
-            </a:endParaRPr>
-          </a:p>
-        </p:txBody>
-      </p:sp>
-      <p:sp>
-        <p:nvSpPr>
-          <p:cNvPr id="4" name="Текст 3"/>
-          <p:cNvSpPr>
-            <a:spLocks noGrp="1"/>
-          </p:cNvSpPr>
-          <p:nvPr>
-            <p:ph type="body" sz="half" idx="2"/>
-          </p:nvPr>
-        </p:nvSpPr>
-        <p:spPr>
-          <a:xfrm>
-            <a:off x="839788" y="1103524"/>
-            <a:ext cx="4200563" cy="4664656"/>
-          </a:xfrm>
-        </p:spPr>
-        <p:txBody>
-          <a:bodyPr>
-            <a:normAutofit/>
-          </a:bodyPr>
-          <a:lstStyle/>
-          <a:p>
-            <a:pPr marL="285750" indent="-285750">
-              <a:buFont typeface="Arial" panose="020B0604020202020204" pitchFamily="34" charset="0"/>
-              <a:buChar char="•"/>
-            </a:pPr>
-            <a:r>
-              <a:rPr lang="ru-RU" sz="1800" dirty="0" smtClean="0">
-                <a:latin typeface="Arial" panose="020B0604020202020204" pitchFamily="34" charset="0"/>
-                <a:cs typeface="Arial" panose="020B0604020202020204" pitchFamily="34" charset="0"/>
-              </a:rPr>
-              <a:t>Создание страхового события</a:t>
-            </a:r>
-            <a:endParaRPr lang="ru-RU" sz="1800" dirty="0" smtClean="0">
-              <a:latin typeface="Arial" panose="020B0604020202020204" pitchFamily="34" charset="0"/>
-              <a:cs typeface="Arial" panose="020B0604020202020204" pitchFamily="34" charset="0"/>
-            </a:endParaRPr>
-          </a:p>
-          <a:p>
-            <a:pPr marL="285750" indent="-285750">
-              <a:buFont typeface="Arial" panose="020B0604020202020204" pitchFamily="34" charset="0"/>
-              <a:buChar char="•"/>
-            </a:pPr>
-            <a:r>
-              <a:rPr lang="ru-RU" sz="1800" dirty="0" smtClean="0">
-                <a:latin typeface="Arial" panose="020B0604020202020204" pitchFamily="34" charset="0"/>
-                <a:cs typeface="Arial" panose="020B0604020202020204" pitchFamily="34" charset="0"/>
-              </a:rPr>
-              <a:t>Ввод данных о страховом событии</a:t>
-            </a:r>
-            <a:endParaRPr lang="ru-RU" sz="1800" dirty="0" smtClean="0">
-              <a:latin typeface="Arial" panose="020B0604020202020204" pitchFamily="34" charset="0"/>
-              <a:cs typeface="Arial" panose="020B0604020202020204" pitchFamily="34" charset="0"/>
-            </a:endParaRPr>
-          </a:p>
-          <a:p>
-            <a:pPr marL="285750" indent="-285750">
-              <a:buFont typeface="Arial" panose="020B0604020202020204" pitchFamily="34" charset="0"/>
-              <a:buChar char="•"/>
-            </a:pPr>
-            <a:r>
-              <a:rPr lang="ru-RU" sz="1800" dirty="0" smtClean="0">
-                <a:latin typeface="Arial" panose="020B0604020202020204" pitchFamily="34" charset="0"/>
-                <a:cs typeface="Arial" panose="020B0604020202020204" pitchFamily="34" charset="0"/>
-              </a:rPr>
-              <a:t>Ввод данных о сумме к выплате</a:t>
-            </a:r>
-          </a:p>
-        </p:txBody>
-      </p:sp>
-      <p:pic>
-        <p:nvPicPr>
-          <p:cNvPr id="6" name="Объект 5"/>
-          <p:cNvPicPr>
-            <a:picLocks noGrp="1" noChangeAspect="1"/>
-          </p:cNvPicPr>
-          <p:nvPr>
-            <p:ph idx="1"/>
-          </p:nvPr>
-        </p:nvPicPr>
-        <p:blipFill>
-          <a:blip r:embed="rId2">
-            <a:extLst>
-              <a:ext uri="{28A0092B-C50C-407E-A947-70E740481C1C}">
-                <a14:useLocalDpi xmlns:a14="http://schemas.microsoft.com/office/drawing/2010/main" val="0"/>
-              </a:ext>
-            </a:extLst>
-          </a:blip>
-          <a:stretch>
-            <a:fillRect/>
-          </a:stretch>
-        </p:blipFill>
-        <p:spPr>
-          <a:xfrm>
-            <a:off x="5831465" y="1260373"/>
-            <a:ext cx="4621460" cy="3440190"/>
-          </a:xfrm>
-          <a:prstGeom prst="rect">
-            <a:avLst/>
-          </a:prstGeom>
-        </p:spPr>
-      </p:pic>
-    </p:spTree>
-    <p:extLst>
-      <p:ext uri="{BB962C8B-B14F-4D97-AF65-F5344CB8AC3E}">
-        <p14:creationId xmlns:p14="http://schemas.microsoft.com/office/powerpoint/2010/main" val="191968903"/>
-      </p:ext>
-    </p:extLst>
-  </p:cSld>
-  <p:clrMapOvr>
-    <a:masterClrMapping/>
-  </p:clrMapOvr>
+  <p:timing>
+    <p:tnLst>
+      <p:par>
+        <p:cTn id="1" dur="indefinite" restart="never" nodeType="tmRoot"/>
+      </p:par>
+    </p:tnLst>
+  </p:timing>
 </p:sld>
 </file>
 

--- a/doc/презентация/Васильев - презентация.pptx
+++ b/doc/презентация/Васильев - презентация.pptx
@@ -7,17 +7,21 @@
   <p:sldIdLst>
     <p:sldId id="256" r:id="rId2"/>
     <p:sldId id="257" r:id="rId3"/>
-    <p:sldId id="268" r:id="rId4"/>
-    <p:sldId id="258" r:id="rId5"/>
-    <p:sldId id="259" r:id="rId6"/>
-    <p:sldId id="260" r:id="rId7"/>
-    <p:sldId id="261" r:id="rId8"/>
-    <p:sldId id="262" r:id="rId9"/>
-    <p:sldId id="265" r:id="rId10"/>
-    <p:sldId id="266" r:id="rId11"/>
-    <p:sldId id="267" r:id="rId12"/>
-    <p:sldId id="263" r:id="rId13"/>
-    <p:sldId id="264" r:id="rId14"/>
+    <p:sldId id="269" r:id="rId4"/>
+    <p:sldId id="268" r:id="rId5"/>
+    <p:sldId id="258" r:id="rId6"/>
+    <p:sldId id="259" r:id="rId7"/>
+    <p:sldId id="260" r:id="rId8"/>
+    <p:sldId id="271" r:id="rId9"/>
+    <p:sldId id="270" r:id="rId10"/>
+    <p:sldId id="272" r:id="rId11"/>
+    <p:sldId id="261" r:id="rId12"/>
+    <p:sldId id="262" r:id="rId13"/>
+    <p:sldId id="265" r:id="rId14"/>
+    <p:sldId id="266" r:id="rId15"/>
+    <p:sldId id="267" r:id="rId16"/>
+    <p:sldId id="263" r:id="rId17"/>
+    <p:sldId id="264" r:id="rId18"/>
   </p:sldIdLst>
   <p:sldSz cx="12192000" cy="6858000"/>
   <p:notesSz cx="6858000" cy="9144000"/>
@@ -281,7 +285,7 @@
           <a:p>
             <a:fld id="{6C09FEFA-0583-486C-961C-1A4517685C6B}" type="datetimeFigureOut">
               <a:rPr lang="uk-UA" smtClean="0"/>
-              <a:t>11.12.2018</a:t>
+              <a:t>22.12.2018</a:t>
             </a:fld>
             <a:endParaRPr lang="uk-UA"/>
           </a:p>
@@ -451,7 +455,7 @@
           <a:p>
             <a:fld id="{6C09FEFA-0583-486C-961C-1A4517685C6B}" type="datetimeFigureOut">
               <a:rPr lang="uk-UA" smtClean="0"/>
-              <a:t>11.12.2018</a:t>
+              <a:t>22.12.2018</a:t>
             </a:fld>
             <a:endParaRPr lang="uk-UA"/>
           </a:p>
@@ -631,7 +635,7 @@
           <a:p>
             <a:fld id="{6C09FEFA-0583-486C-961C-1A4517685C6B}" type="datetimeFigureOut">
               <a:rPr lang="uk-UA" smtClean="0"/>
-              <a:t>11.12.2018</a:t>
+              <a:t>22.12.2018</a:t>
             </a:fld>
             <a:endParaRPr lang="uk-UA"/>
           </a:p>
@@ -801,7 +805,7 @@
           <a:p>
             <a:fld id="{6C09FEFA-0583-486C-961C-1A4517685C6B}" type="datetimeFigureOut">
               <a:rPr lang="uk-UA" smtClean="0"/>
-              <a:t>11.12.2018</a:t>
+              <a:t>22.12.2018</a:t>
             </a:fld>
             <a:endParaRPr lang="uk-UA"/>
           </a:p>
@@ -1047,7 +1051,7 @@
           <a:p>
             <a:fld id="{6C09FEFA-0583-486C-961C-1A4517685C6B}" type="datetimeFigureOut">
               <a:rPr lang="uk-UA" smtClean="0"/>
-              <a:t>11.12.2018</a:t>
+              <a:t>22.12.2018</a:t>
             </a:fld>
             <a:endParaRPr lang="uk-UA"/>
           </a:p>
@@ -1279,7 +1283,7 @@
           <a:p>
             <a:fld id="{6C09FEFA-0583-486C-961C-1A4517685C6B}" type="datetimeFigureOut">
               <a:rPr lang="uk-UA" smtClean="0"/>
-              <a:t>11.12.2018</a:t>
+              <a:t>22.12.2018</a:t>
             </a:fld>
             <a:endParaRPr lang="uk-UA"/>
           </a:p>
@@ -1646,7 +1650,7 @@
           <a:p>
             <a:fld id="{6C09FEFA-0583-486C-961C-1A4517685C6B}" type="datetimeFigureOut">
               <a:rPr lang="uk-UA" smtClean="0"/>
-              <a:t>11.12.2018</a:t>
+              <a:t>22.12.2018</a:t>
             </a:fld>
             <a:endParaRPr lang="uk-UA"/>
           </a:p>
@@ -1764,7 +1768,7 @@
           <a:p>
             <a:fld id="{6C09FEFA-0583-486C-961C-1A4517685C6B}" type="datetimeFigureOut">
               <a:rPr lang="uk-UA" smtClean="0"/>
-              <a:t>11.12.2018</a:t>
+              <a:t>22.12.2018</a:t>
             </a:fld>
             <a:endParaRPr lang="uk-UA"/>
           </a:p>
@@ -1859,7 +1863,7 @@
           <a:p>
             <a:fld id="{6C09FEFA-0583-486C-961C-1A4517685C6B}" type="datetimeFigureOut">
               <a:rPr lang="uk-UA" smtClean="0"/>
-              <a:t>11.12.2018</a:t>
+              <a:t>22.12.2018</a:t>
             </a:fld>
             <a:endParaRPr lang="uk-UA"/>
           </a:p>
@@ -2136,7 +2140,7 @@
           <a:p>
             <a:fld id="{6C09FEFA-0583-486C-961C-1A4517685C6B}" type="datetimeFigureOut">
               <a:rPr lang="uk-UA" smtClean="0"/>
-              <a:t>11.12.2018</a:t>
+              <a:t>22.12.2018</a:t>
             </a:fld>
             <a:endParaRPr lang="uk-UA"/>
           </a:p>
@@ -2389,7 +2393,7 @@
           <a:p>
             <a:fld id="{6C09FEFA-0583-486C-961C-1A4517685C6B}" type="datetimeFigureOut">
               <a:rPr lang="uk-UA" smtClean="0"/>
-              <a:t>11.12.2018</a:t>
+              <a:t>22.12.2018</a:t>
             </a:fld>
             <a:endParaRPr lang="uk-UA"/>
           </a:p>
@@ -2602,7 +2606,7 @@
           <a:p>
             <a:fld id="{6C09FEFA-0583-486C-961C-1A4517685C6B}" type="datetimeFigureOut">
               <a:rPr lang="uk-UA" smtClean="0"/>
-              <a:t>11.12.2018</a:t>
+              <a:t>22.12.2018</a:t>
             </a:fld>
             <a:endParaRPr lang="uk-UA"/>
           </a:p>
@@ -3019,16 +3023,21 @@
         </p:nvSpPr>
         <p:spPr>
           <a:xfrm>
-            <a:off x="839788" y="441325"/>
-            <a:ext cx="10512425" cy="974880"/>
+            <a:off x="839788" y="441324"/>
+            <a:ext cx="10512425" cy="2098676"/>
           </a:xfrm>
         </p:spPr>
         <p:txBody>
           <a:bodyPr>
-            <a:normAutofit/>
+            <a:normAutofit fontScale="90000"/>
           </a:bodyPr>
           <a:lstStyle/>
           <a:p>
+            <a:pPr>
+              <a:lnSpc>
+                <a:spcPct val="150000"/>
+              </a:lnSpc>
+            </a:pPr>
             <a:r>
               <a:rPr lang="ru-RU" sz="2000" dirty="0" smtClean="0">
                 <a:latin typeface="Arial" panose="020B0604020202020204" pitchFamily="34" charset="0"/>
@@ -3036,12 +3045,6 @@
               </a:rPr>
               <a:t>ОДЕССКИЙ НАЦИОНАЛЬНЫЙ МОРСКОЙ УНИВЕРСИТЕТ</a:t>
             </a:r>
-            <a:br>
-              <a:rPr lang="ru-RU" sz="2000" dirty="0" smtClean="0">
-                <a:latin typeface="Arial" panose="020B0604020202020204" pitchFamily="34" charset="0"/>
-                <a:cs typeface="Arial" panose="020B0604020202020204" pitchFamily="34" charset="0"/>
-              </a:rPr>
-            </a:br>
             <a:r>
               <a:rPr lang="ru-RU" sz="2000" dirty="0">
                 <a:latin typeface="Arial" panose="020B0604020202020204" pitchFamily="34" charset="0"/>
@@ -3056,26 +3059,65 @@
               </a:rPr>
             </a:br>
             <a:r>
+              <a:rPr lang="ru-RU" sz="2000" dirty="0">
+                <a:latin typeface="Arial" panose="020B0604020202020204" pitchFamily="34" charset="0"/>
+                <a:cs typeface="Arial" panose="020B0604020202020204" pitchFamily="34" charset="0"/>
+              </a:rPr>
+              <a:t>Факультет судостроения, информационных технологий и системотехники</a:t>
+            </a:r>
+            <a:br>
+              <a:rPr lang="ru-RU" sz="2000" dirty="0">
+                <a:latin typeface="Arial" panose="020B0604020202020204" pitchFamily="34" charset="0"/>
+                <a:cs typeface="Arial" panose="020B0604020202020204" pitchFamily="34" charset="0"/>
+              </a:rPr>
+            </a:br>
+            <a:r>
+              <a:rPr lang="ru-RU" sz="2000" dirty="0">
+                <a:latin typeface="Arial" panose="020B0604020202020204" pitchFamily="34" charset="0"/>
+                <a:cs typeface="Arial" panose="020B0604020202020204" pitchFamily="34" charset="0"/>
+              </a:rPr>
+              <a:t>Кафедра технической кибернетики и информационных технологий</a:t>
+            </a:r>
+            <a:br>
+              <a:rPr lang="ru-RU" sz="2000" dirty="0">
+                <a:latin typeface="Arial" panose="020B0604020202020204" pitchFamily="34" charset="0"/>
+                <a:cs typeface="Arial" panose="020B0604020202020204" pitchFamily="34" charset="0"/>
+              </a:rPr>
+            </a:br>
+            <a:r>
               <a:rPr lang="ru-RU" sz="2000" dirty="0" smtClean="0">
                 <a:latin typeface="Arial" panose="020B0604020202020204" pitchFamily="34" charset="0"/>
                 <a:cs typeface="Arial" panose="020B0604020202020204" pitchFamily="34" charset="0"/>
               </a:rPr>
-              <a:t>кафедра «Технической кибернетики им. проф. Р. В. </a:t>
-            </a:r>
-            <a:r>
-              <a:rPr lang="ru-RU" sz="2000" dirty="0" err="1" smtClean="0">
+              <a:t>им. профессора </a:t>
+            </a:r>
+            <a:r>
+              <a:rPr lang="ru-RU" sz="2000" dirty="0">
+                <a:latin typeface="Arial" panose="020B0604020202020204" pitchFamily="34" charset="0"/>
+                <a:cs typeface="Arial" panose="020B0604020202020204" pitchFamily="34" charset="0"/>
+              </a:rPr>
+              <a:t>Р.В. </a:t>
+            </a:r>
+            <a:r>
+              <a:rPr lang="ru-RU" sz="2000" dirty="0" err="1">
                 <a:latin typeface="Arial" panose="020B0604020202020204" pitchFamily="34" charset="0"/>
                 <a:cs typeface="Arial" panose="020B0604020202020204" pitchFamily="34" charset="0"/>
               </a:rPr>
               <a:t>Меркта</a:t>
             </a:r>
             <a:r>
-              <a:rPr lang="ru-RU" sz="2000" dirty="0" smtClean="0">
-                <a:latin typeface="Arial" panose="020B0604020202020204" pitchFamily="34" charset="0"/>
-                <a:cs typeface="Arial" panose="020B0604020202020204" pitchFamily="34" charset="0"/>
-              </a:rPr>
-              <a:t>»</a:t>
-            </a:r>
+              <a:rPr lang="ru-RU" sz="2000" dirty="0">
+                <a:latin typeface="Arial" panose="020B0604020202020204" pitchFamily="34" charset="0"/>
+                <a:cs typeface="Arial" panose="020B0604020202020204" pitchFamily="34" charset="0"/>
+              </a:rPr>
+              <a:t/>
+            </a:r>
+            <a:br>
+              <a:rPr lang="ru-RU" sz="2000" dirty="0">
+                <a:latin typeface="Arial" panose="020B0604020202020204" pitchFamily="34" charset="0"/>
+                <a:cs typeface="Arial" panose="020B0604020202020204" pitchFamily="34" charset="0"/>
+              </a:rPr>
+            </a:br>
             <a:endParaRPr lang="uk-UA" sz="2000" dirty="0">
               <a:latin typeface="Arial" panose="020B0604020202020204" pitchFamily="34" charset="0"/>
               <a:cs typeface="Arial" panose="020B0604020202020204" pitchFamily="34" charset="0"/>
@@ -3125,7 +3167,7 @@
                 <a:latin typeface="Arial" panose="020B0604020202020204" pitchFamily="34" charset="0"/>
                 <a:cs typeface="Arial" panose="020B0604020202020204" pitchFamily="34" charset="0"/>
               </a:rPr>
-              <a:t> курса ЗО</a:t>
+              <a:t> курса ЗФ</a:t>
             </a:r>
           </a:p>
           <a:p>
@@ -3135,7 +3177,7 @@
                 <a:latin typeface="Arial" panose="020B0604020202020204" pitchFamily="34" charset="0"/>
                 <a:cs typeface="Arial" panose="020B0604020202020204" pitchFamily="34" charset="0"/>
               </a:rPr>
-              <a:t>Васильев Дмитрий</a:t>
+              <a:t>Васильев Д. Б.</a:t>
             </a:r>
           </a:p>
           <a:p>
@@ -3195,11 +3237,7 @@
             </a:r>
             <a:r>
               <a:rPr lang="uk-UA" dirty="0"/>
-              <a:t>Г</a:t>
-            </a:r>
-            <a:r>
-              <a:rPr lang="uk-UA" dirty="0" smtClean="0"/>
-              <a:t>.</a:t>
+              <a:t>Г.</a:t>
             </a:r>
             <a:r>
               <a:rPr lang="ru-RU" dirty="0" smtClean="0">
@@ -3225,8 +3263,8 @@
         </p:nvSpPr>
         <p:spPr>
           <a:xfrm>
-            <a:off x="839788" y="1798559"/>
-            <a:ext cx="10512425" cy="1332360"/>
+            <a:off x="369277" y="1798558"/>
+            <a:ext cx="11693769" cy="1693941"/>
           </a:xfrm>
           <a:prstGeom prst="rect">
             <a:avLst/>
@@ -3257,39 +3295,11 @@
           </a:lstStyle>
           <a:p>
             <a:r>
-              <a:rPr lang="ru-RU" sz="4000" dirty="0" err="1">
-                <a:latin typeface="Arial" panose="020B0604020202020204" pitchFamily="34" charset="0"/>
-                <a:cs typeface="Arial" panose="020B0604020202020204" pitchFamily="34" charset="0"/>
-              </a:rPr>
-              <a:t>Інформаційна</a:t>
-            </a:r>
-            <a:r>
               <a:rPr lang="ru-RU" sz="4000" dirty="0">
                 <a:latin typeface="Arial" panose="020B0604020202020204" pitchFamily="34" charset="0"/>
                 <a:cs typeface="Arial" panose="020B0604020202020204" pitchFamily="34" charset="0"/>
               </a:rPr>
-              <a:t> система </a:t>
-            </a:r>
-            <a:r>
-              <a:rPr lang="ru-RU" sz="4000" dirty="0" err="1">
-                <a:latin typeface="Arial" panose="020B0604020202020204" pitchFamily="34" charset="0"/>
-                <a:cs typeface="Arial" panose="020B0604020202020204" pitchFamily="34" charset="0"/>
-              </a:rPr>
-              <a:t>страхової</a:t>
-            </a:r>
-            <a:r>
-              <a:rPr lang="ru-RU" sz="4000" dirty="0">
-                <a:latin typeface="Arial" panose="020B0604020202020204" pitchFamily="34" charset="0"/>
-                <a:cs typeface="Arial" panose="020B0604020202020204" pitchFamily="34" charset="0"/>
-              </a:rPr>
-              <a:t> </a:t>
-            </a:r>
-            <a:r>
-              <a:rPr lang="ru-RU" sz="4000" dirty="0" err="1">
-                <a:latin typeface="Arial" panose="020B0604020202020204" pitchFamily="34" charset="0"/>
-                <a:cs typeface="Arial" panose="020B0604020202020204" pitchFamily="34" charset="0"/>
-              </a:rPr>
-              <a:t>компанії</a:t>
+              <a:t>Информационная система страховой компании</a:t>
             </a:r>
             <a:endParaRPr lang="uk-UA" sz="4000" dirty="0">
               <a:latin typeface="Arial" panose="020B0604020202020204" pitchFamily="34" charset="0"/>
@@ -3319,6 +3329,830 @@
 </file>
 
 <file path=ppt/slides/slide10.xml><?xml version="1.0" encoding="utf-8"?>
+<p:sld xmlns:a="http://schemas.openxmlformats.org/drawingml/2006/main" xmlns:r="http://schemas.openxmlformats.org/officeDocument/2006/relationships" xmlns:p="http://schemas.openxmlformats.org/presentationml/2006/main">
+  <p:cSld>
+    <p:spTree>
+      <p:nvGrpSpPr>
+        <p:cNvPr id="1" name=""/>
+        <p:cNvGrpSpPr/>
+        <p:nvPr/>
+      </p:nvGrpSpPr>
+      <p:grpSpPr>
+        <a:xfrm>
+          <a:off x="0" y="0"/>
+          <a:ext cx="0" cy="0"/>
+          <a:chOff x="0" y="0"/>
+          <a:chExt cx="0" cy="0"/>
+        </a:xfrm>
+      </p:grpSpPr>
+      <p:sp>
+        <p:nvSpPr>
+          <p:cNvPr id="2" name="Заголовок 1"/>
+          <p:cNvSpPr>
+            <a:spLocks noGrp="1"/>
+          </p:cNvSpPr>
+          <p:nvPr>
+            <p:ph type="title"/>
+          </p:nvPr>
+        </p:nvSpPr>
+        <p:spPr>
+          <a:xfrm>
+            <a:off x="4129881" y="460866"/>
+            <a:ext cx="3932237" cy="434898"/>
+          </a:xfrm>
+        </p:spPr>
+        <p:txBody>
+          <a:bodyPr>
+            <a:normAutofit/>
+          </a:bodyPr>
+          <a:lstStyle/>
+          <a:p>
+            <a:pPr algn="ctr"/>
+            <a:r>
+              <a:rPr lang="ru-RU" sz="2000" b="1" dirty="0" smtClean="0">
+                <a:latin typeface="Arial" panose="020B0604020202020204" pitchFamily="34" charset="0"/>
+                <a:cs typeface="Arial" panose="020B0604020202020204" pitchFamily="34" charset="0"/>
+              </a:rPr>
+              <a:t>ГРАФИЧЕСКИЙ ИНТЕРФЕЙ</a:t>
+            </a:r>
+            <a:r>
+              <a:rPr lang="en-US" sz="2000" b="1" dirty="0" smtClean="0">
+                <a:latin typeface="Arial" panose="020B0604020202020204" pitchFamily="34" charset="0"/>
+                <a:cs typeface="Arial" panose="020B0604020202020204" pitchFamily="34" charset="0"/>
+              </a:rPr>
+              <a:t>C</a:t>
+            </a:r>
+            <a:endParaRPr lang="uk-UA" sz="2000" b="1" dirty="0">
+              <a:latin typeface="Arial" panose="020B0604020202020204" pitchFamily="34" charset="0"/>
+              <a:cs typeface="Arial" panose="020B0604020202020204" pitchFamily="34" charset="0"/>
+            </a:endParaRPr>
+          </a:p>
+        </p:txBody>
+      </p:sp>
+      <p:pic>
+        <p:nvPicPr>
+          <p:cNvPr id="5" name="Объект 4"/>
+          <p:cNvPicPr>
+            <a:picLocks noGrp="1" noChangeAspect="1"/>
+          </p:cNvPicPr>
+          <p:nvPr>
+            <p:ph idx="1"/>
+          </p:nvPr>
+        </p:nvPicPr>
+        <p:blipFill>
+          <a:blip r:embed="rId2">
+            <a:extLst>
+              <a:ext uri="{28A0092B-C50C-407E-A947-70E740481C1C}">
+                <a14:useLocalDpi xmlns:a14="http://schemas.microsoft.com/office/drawing/2010/main" val="0"/>
+              </a:ext>
+            </a:extLst>
+          </a:blip>
+          <a:stretch>
+            <a:fillRect/>
+          </a:stretch>
+        </p:blipFill>
+        <p:spPr>
+          <a:xfrm>
+            <a:off x="5870927" y="1103524"/>
+            <a:ext cx="4653885" cy="4456896"/>
+          </a:xfrm>
+          <a:prstGeom prst="rect">
+            <a:avLst/>
+          </a:prstGeom>
+        </p:spPr>
+      </p:pic>
+      <p:sp>
+        <p:nvSpPr>
+          <p:cNvPr id="4" name="Текст 3"/>
+          <p:cNvSpPr>
+            <a:spLocks noGrp="1"/>
+          </p:cNvSpPr>
+          <p:nvPr>
+            <p:ph type="body" sz="half" idx="2"/>
+          </p:nvPr>
+        </p:nvSpPr>
+        <p:spPr>
+          <a:xfrm>
+            <a:off x="839788" y="1103524"/>
+            <a:ext cx="4200563" cy="4664656"/>
+          </a:xfrm>
+        </p:spPr>
+        <p:txBody>
+          <a:bodyPr>
+            <a:normAutofit/>
+          </a:bodyPr>
+          <a:lstStyle/>
+          <a:p>
+            <a:r>
+              <a:rPr lang="ru-RU" sz="2000" b="1" dirty="0" smtClean="0">
+                <a:latin typeface="Arial" panose="020B0604020202020204" pitchFamily="34" charset="0"/>
+                <a:cs typeface="Arial" panose="020B0604020202020204" pitchFamily="34" charset="0"/>
+              </a:rPr>
+              <a:t>ГЛАВНАЯ ФОРМА ПРИЛОЖЕНИЯ</a:t>
+            </a:r>
+            <a:endParaRPr lang="uk-UA" sz="2000" b="1" dirty="0" smtClean="0">
+              <a:latin typeface="Arial" panose="020B0604020202020204" pitchFamily="34" charset="0"/>
+              <a:cs typeface="Arial" panose="020B0604020202020204" pitchFamily="34" charset="0"/>
+            </a:endParaRPr>
+          </a:p>
+          <a:p>
+            <a:pPr marL="285750" indent="-285750">
+              <a:buFont typeface="Arial" panose="020B0604020202020204" pitchFamily="34" charset="0"/>
+              <a:buChar char="•"/>
+            </a:pPr>
+            <a:r>
+              <a:rPr lang="ru-RU" sz="1800" dirty="0" smtClean="0">
+                <a:latin typeface="Arial" panose="020B0604020202020204" pitchFamily="34" charset="0"/>
+                <a:cs typeface="Arial" panose="020B0604020202020204" pitchFamily="34" charset="0"/>
+              </a:rPr>
+              <a:t>Учет полисов</a:t>
+            </a:r>
+          </a:p>
+          <a:p>
+            <a:pPr marL="285750" indent="-285750">
+              <a:buFont typeface="Arial" panose="020B0604020202020204" pitchFamily="34" charset="0"/>
+              <a:buChar char="•"/>
+            </a:pPr>
+            <a:r>
+              <a:rPr lang="ru-RU" sz="1800" dirty="0" smtClean="0">
+                <a:latin typeface="Arial" panose="020B0604020202020204" pitchFamily="34" charset="0"/>
+                <a:cs typeface="Arial" panose="020B0604020202020204" pitchFamily="34" charset="0"/>
+              </a:rPr>
+              <a:t>Ввод договоров</a:t>
+            </a:r>
+          </a:p>
+          <a:p>
+            <a:pPr marL="285750" indent="-285750">
+              <a:buFont typeface="Arial" panose="020B0604020202020204" pitchFamily="34" charset="0"/>
+              <a:buChar char="•"/>
+            </a:pPr>
+            <a:r>
+              <a:rPr lang="ru-RU" sz="1800" dirty="0" smtClean="0">
+                <a:latin typeface="Arial" panose="020B0604020202020204" pitchFamily="34" charset="0"/>
+                <a:cs typeface="Arial" panose="020B0604020202020204" pitchFamily="34" charset="0"/>
+              </a:rPr>
+              <a:t>Коэффициенты</a:t>
+            </a:r>
+          </a:p>
+          <a:p>
+            <a:pPr marL="285750" indent="-285750">
+              <a:buFont typeface="Arial" panose="020B0604020202020204" pitchFamily="34" charset="0"/>
+              <a:buChar char="•"/>
+            </a:pPr>
+            <a:r>
+              <a:rPr lang="ru-RU" sz="1800" dirty="0" smtClean="0">
+                <a:latin typeface="Arial" panose="020B0604020202020204" pitchFamily="34" charset="0"/>
+                <a:cs typeface="Arial" panose="020B0604020202020204" pitchFamily="34" charset="0"/>
+              </a:rPr>
+              <a:t>Страховые события</a:t>
+            </a:r>
+          </a:p>
+        </p:txBody>
+      </p:sp>
+    </p:spTree>
+    <p:extLst>
+      <p:ext uri="{BB962C8B-B14F-4D97-AF65-F5344CB8AC3E}">
+        <p14:creationId xmlns:p14="http://schemas.microsoft.com/office/powerpoint/2010/main" val="814674137"/>
+      </p:ext>
+    </p:extLst>
+  </p:cSld>
+  <p:clrMapOvr>
+    <a:masterClrMapping/>
+  </p:clrMapOvr>
+  <p:timing>
+    <p:tnLst>
+      <p:par>
+        <p:cTn id="1" dur="indefinite" restart="never" nodeType="tmRoot"/>
+      </p:par>
+    </p:tnLst>
+  </p:timing>
+</p:sld>
+</file>
+
+<file path=ppt/slides/slide11.xml><?xml version="1.0" encoding="utf-8"?>
+<p:sld xmlns:a="http://schemas.openxmlformats.org/drawingml/2006/main" xmlns:r="http://schemas.openxmlformats.org/officeDocument/2006/relationships" xmlns:p="http://schemas.openxmlformats.org/presentationml/2006/main">
+  <p:cSld>
+    <p:spTree>
+      <p:nvGrpSpPr>
+        <p:cNvPr id="1" name=""/>
+        <p:cNvGrpSpPr/>
+        <p:nvPr/>
+      </p:nvGrpSpPr>
+      <p:grpSpPr>
+        <a:xfrm>
+          <a:off x="0" y="0"/>
+          <a:ext cx="0" cy="0"/>
+          <a:chOff x="0" y="0"/>
+          <a:chExt cx="0" cy="0"/>
+        </a:xfrm>
+      </p:grpSpPr>
+      <p:sp>
+        <p:nvSpPr>
+          <p:cNvPr id="2" name="Заголовок 1"/>
+          <p:cNvSpPr>
+            <a:spLocks noGrp="1"/>
+          </p:cNvSpPr>
+          <p:nvPr>
+            <p:ph type="title"/>
+          </p:nvPr>
+        </p:nvSpPr>
+        <p:spPr>
+          <a:xfrm>
+            <a:off x="3717179" y="460866"/>
+            <a:ext cx="4757641" cy="434898"/>
+          </a:xfrm>
+        </p:spPr>
+        <p:txBody>
+          <a:bodyPr>
+            <a:normAutofit/>
+          </a:bodyPr>
+          <a:lstStyle/>
+          <a:p>
+            <a:pPr algn="ctr"/>
+            <a:r>
+              <a:rPr lang="ru-RU" sz="2000" b="1" dirty="0" smtClean="0">
+                <a:latin typeface="Arial" panose="020B0604020202020204" pitchFamily="34" charset="0"/>
+                <a:cs typeface="Arial" panose="020B0604020202020204" pitchFamily="34" charset="0"/>
+              </a:rPr>
+              <a:t>ФОРМА УЧЕТА ПОЛИСОВ</a:t>
+            </a:r>
+            <a:endParaRPr lang="uk-UA" sz="2000" b="1" dirty="0">
+              <a:latin typeface="Arial" panose="020B0604020202020204" pitchFamily="34" charset="0"/>
+              <a:cs typeface="Arial" panose="020B0604020202020204" pitchFamily="34" charset="0"/>
+            </a:endParaRPr>
+          </a:p>
+        </p:txBody>
+      </p:sp>
+      <p:sp>
+        <p:nvSpPr>
+          <p:cNvPr id="4" name="Текст 3"/>
+          <p:cNvSpPr>
+            <a:spLocks noGrp="1"/>
+          </p:cNvSpPr>
+          <p:nvPr>
+            <p:ph type="body" sz="half" idx="2"/>
+          </p:nvPr>
+        </p:nvSpPr>
+        <p:spPr>
+          <a:xfrm>
+            <a:off x="839788" y="1103524"/>
+            <a:ext cx="4200563" cy="4664656"/>
+          </a:xfrm>
+        </p:spPr>
+        <p:txBody>
+          <a:bodyPr>
+            <a:normAutofit/>
+          </a:bodyPr>
+          <a:lstStyle/>
+          <a:p>
+            <a:pPr marL="285750" indent="-285750">
+              <a:buFont typeface="Arial" panose="020B0604020202020204" pitchFamily="34" charset="0"/>
+              <a:buChar char="•"/>
+            </a:pPr>
+            <a:r>
+              <a:rPr lang="ru-RU" sz="1800" dirty="0" smtClean="0">
+                <a:latin typeface="Arial" panose="020B0604020202020204" pitchFamily="34" charset="0"/>
+                <a:cs typeface="Arial" panose="020B0604020202020204" pitchFamily="34" charset="0"/>
+              </a:rPr>
+              <a:t>Информация о всех выписанных полисах</a:t>
+            </a:r>
+          </a:p>
+          <a:p>
+            <a:pPr marL="285750" indent="-285750">
+              <a:buFont typeface="Arial" panose="020B0604020202020204" pitchFamily="34" charset="0"/>
+              <a:buChar char="•"/>
+            </a:pPr>
+            <a:r>
+              <a:rPr lang="ru-RU" sz="1800" dirty="0" smtClean="0">
+                <a:latin typeface="Arial" panose="020B0604020202020204" pitchFamily="34" charset="0"/>
+                <a:cs typeface="Arial" panose="020B0604020202020204" pitchFamily="34" charset="0"/>
+              </a:rPr>
+              <a:t>Поиск по полисам</a:t>
+            </a:r>
+          </a:p>
+          <a:p>
+            <a:pPr marL="285750" indent="-285750">
+              <a:buFont typeface="Arial" panose="020B0604020202020204" pitchFamily="34" charset="0"/>
+              <a:buChar char="•"/>
+            </a:pPr>
+            <a:r>
+              <a:rPr lang="ru-RU" sz="1800" dirty="0" smtClean="0">
+                <a:latin typeface="Arial" panose="020B0604020202020204" pitchFamily="34" charset="0"/>
+                <a:cs typeface="Arial" panose="020B0604020202020204" pitchFamily="34" charset="0"/>
+              </a:rPr>
+              <a:t>Создание страхового события</a:t>
+            </a:r>
+          </a:p>
+          <a:p>
+            <a:pPr marL="285750" indent="-285750">
+              <a:buFont typeface="Arial" panose="020B0604020202020204" pitchFamily="34" charset="0"/>
+              <a:buChar char="•"/>
+            </a:pPr>
+            <a:r>
+              <a:rPr lang="ru-RU" sz="1800" dirty="0" smtClean="0">
+                <a:latin typeface="Arial" panose="020B0604020202020204" pitchFamily="34" charset="0"/>
+                <a:cs typeface="Arial" panose="020B0604020202020204" pitchFamily="34" charset="0"/>
+              </a:rPr>
+              <a:t>Импорт</a:t>
+            </a:r>
+          </a:p>
+        </p:txBody>
+      </p:sp>
+      <p:pic>
+        <p:nvPicPr>
+          <p:cNvPr id="7" name="Объект 6"/>
+          <p:cNvPicPr>
+            <a:picLocks noGrp="1" noChangeAspect="1"/>
+          </p:cNvPicPr>
+          <p:nvPr>
+            <p:ph idx="1"/>
+          </p:nvPr>
+        </p:nvPicPr>
+        <p:blipFill>
+          <a:blip r:embed="rId2">
+            <a:extLst>
+              <a:ext uri="{28A0092B-C50C-407E-A947-70E740481C1C}">
+                <a14:useLocalDpi xmlns:a14="http://schemas.microsoft.com/office/drawing/2010/main" val="0"/>
+              </a:ext>
+            </a:extLst>
+          </a:blip>
+          <a:stretch>
+            <a:fillRect/>
+          </a:stretch>
+        </p:blipFill>
+        <p:spPr>
+          <a:xfrm>
+            <a:off x="5389083" y="1103524"/>
+            <a:ext cx="5754059" cy="3529865"/>
+          </a:xfrm>
+          <a:prstGeom prst="rect">
+            <a:avLst/>
+          </a:prstGeom>
+        </p:spPr>
+      </p:pic>
+    </p:spTree>
+    <p:extLst>
+      <p:ext uri="{BB962C8B-B14F-4D97-AF65-F5344CB8AC3E}">
+        <p14:creationId xmlns:p14="http://schemas.microsoft.com/office/powerpoint/2010/main" val="248730047"/>
+      </p:ext>
+    </p:extLst>
+  </p:cSld>
+  <p:clrMapOvr>
+    <a:masterClrMapping/>
+  </p:clrMapOvr>
+  <p:timing>
+    <p:tnLst>
+      <p:par>
+        <p:cTn id="1" dur="indefinite" restart="never" nodeType="tmRoot"/>
+      </p:par>
+    </p:tnLst>
+  </p:timing>
+</p:sld>
+</file>
+
+<file path=ppt/slides/slide12.xml><?xml version="1.0" encoding="utf-8"?>
+<p:sld xmlns:a="http://schemas.openxmlformats.org/drawingml/2006/main" xmlns:r="http://schemas.openxmlformats.org/officeDocument/2006/relationships" xmlns:p="http://schemas.openxmlformats.org/presentationml/2006/main">
+  <p:cSld>
+    <p:spTree>
+      <p:nvGrpSpPr>
+        <p:cNvPr id="1" name=""/>
+        <p:cNvGrpSpPr/>
+        <p:nvPr/>
+      </p:nvGrpSpPr>
+      <p:grpSpPr>
+        <a:xfrm>
+          <a:off x="0" y="0"/>
+          <a:ext cx="0" cy="0"/>
+          <a:chOff x="0" y="0"/>
+          <a:chExt cx="0" cy="0"/>
+        </a:xfrm>
+      </p:grpSpPr>
+      <p:sp>
+        <p:nvSpPr>
+          <p:cNvPr id="2" name="Заголовок 1"/>
+          <p:cNvSpPr>
+            <a:spLocks noGrp="1"/>
+          </p:cNvSpPr>
+          <p:nvPr>
+            <p:ph type="title"/>
+          </p:nvPr>
+        </p:nvSpPr>
+        <p:spPr>
+          <a:xfrm>
+            <a:off x="3717179" y="460866"/>
+            <a:ext cx="4757641" cy="434898"/>
+          </a:xfrm>
+        </p:spPr>
+        <p:txBody>
+          <a:bodyPr>
+            <a:normAutofit/>
+          </a:bodyPr>
+          <a:lstStyle/>
+          <a:p>
+            <a:pPr algn="ctr"/>
+            <a:r>
+              <a:rPr lang="ru-RU" sz="2000" b="1" dirty="0" smtClean="0">
+                <a:latin typeface="Arial" panose="020B0604020202020204" pitchFamily="34" charset="0"/>
+                <a:cs typeface="Arial" panose="020B0604020202020204" pitchFamily="34" charset="0"/>
+              </a:rPr>
+              <a:t>СПРАВОЧНИКИ КОЭФФИЦИЕНТОВ</a:t>
+            </a:r>
+            <a:endParaRPr lang="uk-UA" sz="2000" b="1" dirty="0">
+              <a:latin typeface="Arial" panose="020B0604020202020204" pitchFamily="34" charset="0"/>
+              <a:cs typeface="Arial" panose="020B0604020202020204" pitchFamily="34" charset="0"/>
+            </a:endParaRPr>
+          </a:p>
+        </p:txBody>
+      </p:sp>
+      <p:sp>
+        <p:nvSpPr>
+          <p:cNvPr id="4" name="Текст 3"/>
+          <p:cNvSpPr>
+            <a:spLocks noGrp="1"/>
+          </p:cNvSpPr>
+          <p:nvPr>
+            <p:ph type="body" sz="half" idx="2"/>
+          </p:nvPr>
+        </p:nvSpPr>
+        <p:spPr>
+          <a:xfrm>
+            <a:off x="839788" y="1103524"/>
+            <a:ext cx="4200563" cy="4664656"/>
+          </a:xfrm>
+        </p:spPr>
+        <p:txBody>
+          <a:bodyPr>
+            <a:normAutofit/>
+          </a:bodyPr>
+          <a:lstStyle/>
+          <a:p>
+            <a:pPr marL="285750" indent="-285750">
+              <a:buFont typeface="Arial" panose="020B0604020202020204" pitchFamily="34" charset="0"/>
+              <a:buChar char="•"/>
+            </a:pPr>
+            <a:r>
+              <a:rPr lang="ru-RU" sz="1800" dirty="0" smtClean="0">
+                <a:latin typeface="Arial" panose="020B0604020202020204" pitchFamily="34" charset="0"/>
+                <a:cs typeface="Arial" panose="020B0604020202020204" pitchFamily="34" charset="0"/>
+              </a:rPr>
+              <a:t>Ускорение ввода</a:t>
+            </a:r>
+          </a:p>
+          <a:p>
+            <a:pPr marL="285750" indent="-285750">
+              <a:buFont typeface="Arial" panose="020B0604020202020204" pitchFamily="34" charset="0"/>
+              <a:buChar char="•"/>
+            </a:pPr>
+            <a:r>
+              <a:rPr lang="ru-RU" sz="1800" dirty="0" smtClean="0">
+                <a:latin typeface="Arial" panose="020B0604020202020204" pitchFamily="34" charset="0"/>
+                <a:cs typeface="Arial" panose="020B0604020202020204" pitchFamily="34" charset="0"/>
+              </a:rPr>
+              <a:t>Ограничение ввода не корректной информации</a:t>
+            </a:r>
+          </a:p>
+          <a:p>
+            <a:pPr marL="285750" indent="-285750">
+              <a:buFont typeface="Arial" panose="020B0604020202020204" pitchFamily="34" charset="0"/>
+              <a:buChar char="•"/>
+            </a:pPr>
+            <a:r>
+              <a:rPr lang="ru-RU" sz="1800" dirty="0" smtClean="0">
+                <a:latin typeface="Arial" panose="020B0604020202020204" pitchFamily="34" charset="0"/>
+                <a:cs typeface="Arial" panose="020B0604020202020204" pitchFamily="34" charset="0"/>
+              </a:rPr>
+              <a:t>Возможность редактирования данных</a:t>
+            </a:r>
+          </a:p>
+          <a:p>
+            <a:pPr marL="285750" indent="-285750">
+              <a:buFont typeface="Arial" panose="020B0604020202020204" pitchFamily="34" charset="0"/>
+              <a:buChar char="•"/>
+            </a:pPr>
+            <a:r>
+              <a:rPr lang="ru-RU" sz="1800" dirty="0" smtClean="0">
+                <a:latin typeface="Arial" panose="020B0604020202020204" pitchFamily="34" charset="0"/>
+                <a:cs typeface="Arial" panose="020B0604020202020204" pitchFamily="34" charset="0"/>
+              </a:rPr>
+              <a:t>Изменения стоимости страховых продуктов</a:t>
+            </a:r>
+          </a:p>
+          <a:p>
+            <a:pPr marL="285750" indent="-285750">
+              <a:buFont typeface="Arial" panose="020B0604020202020204" pitchFamily="34" charset="0"/>
+              <a:buChar char="•"/>
+            </a:pPr>
+            <a:endParaRPr lang="ru-RU" sz="1800" dirty="0" smtClean="0">
+              <a:latin typeface="Arial" panose="020B0604020202020204" pitchFamily="34" charset="0"/>
+              <a:cs typeface="Arial" panose="020B0604020202020204" pitchFamily="34" charset="0"/>
+            </a:endParaRPr>
+          </a:p>
+        </p:txBody>
+      </p:sp>
+      <p:pic>
+        <p:nvPicPr>
+          <p:cNvPr id="6" name="Объект 5"/>
+          <p:cNvPicPr>
+            <a:picLocks noGrp="1" noChangeAspect="1"/>
+          </p:cNvPicPr>
+          <p:nvPr>
+            <p:ph idx="1"/>
+          </p:nvPr>
+        </p:nvPicPr>
+        <p:blipFill>
+          <a:blip r:embed="rId2">
+            <a:extLst>
+              <a:ext uri="{28A0092B-C50C-407E-A947-70E740481C1C}">
+                <a14:useLocalDpi xmlns:a14="http://schemas.microsoft.com/office/drawing/2010/main" val="0"/>
+              </a:ext>
+            </a:extLst>
+          </a:blip>
+          <a:stretch>
+            <a:fillRect/>
+          </a:stretch>
+        </p:blipFill>
+        <p:spPr>
+          <a:xfrm>
+            <a:off x="5974507" y="1103524"/>
+            <a:ext cx="5000625" cy="2551988"/>
+          </a:xfrm>
+          <a:prstGeom prst="rect">
+            <a:avLst/>
+          </a:prstGeom>
+        </p:spPr>
+      </p:pic>
+      <p:pic>
+        <p:nvPicPr>
+          <p:cNvPr id="5" name="Объект 5"/>
+          <p:cNvPicPr>
+            <a:picLocks noChangeAspect="1"/>
+          </p:cNvPicPr>
+          <p:nvPr/>
+        </p:nvPicPr>
+        <p:blipFill>
+          <a:blip r:embed="rId3">
+            <a:extLst>
+              <a:ext uri="{28A0092B-C50C-407E-A947-70E740481C1C}">
+                <a14:useLocalDpi xmlns:a14="http://schemas.microsoft.com/office/drawing/2010/main" val="0"/>
+              </a:ext>
+            </a:extLst>
+          </a:blip>
+          <a:stretch>
+            <a:fillRect/>
+          </a:stretch>
+        </p:blipFill>
+        <p:spPr>
+          <a:xfrm>
+            <a:off x="5974506" y="3897254"/>
+            <a:ext cx="5000625" cy="2484023"/>
+          </a:xfrm>
+          <a:prstGeom prst="rect">
+            <a:avLst/>
+          </a:prstGeom>
+        </p:spPr>
+      </p:pic>
+    </p:spTree>
+    <p:extLst>
+      <p:ext uri="{BB962C8B-B14F-4D97-AF65-F5344CB8AC3E}">
+        <p14:creationId xmlns:p14="http://schemas.microsoft.com/office/powerpoint/2010/main" val="2258619431"/>
+      </p:ext>
+    </p:extLst>
+  </p:cSld>
+  <p:clrMapOvr>
+    <a:masterClrMapping/>
+  </p:clrMapOvr>
+  <p:timing>
+    <p:tnLst>
+      <p:par>
+        <p:cTn id="1" dur="indefinite" restart="never" nodeType="tmRoot"/>
+      </p:par>
+    </p:tnLst>
+  </p:timing>
+</p:sld>
+</file>
+
+<file path=ppt/slides/slide13.xml><?xml version="1.0" encoding="utf-8"?>
+<p:sld xmlns:a="http://schemas.openxmlformats.org/drawingml/2006/main" xmlns:r="http://schemas.openxmlformats.org/officeDocument/2006/relationships" xmlns:p="http://schemas.openxmlformats.org/presentationml/2006/main">
+  <p:cSld>
+    <p:spTree>
+      <p:nvGrpSpPr>
+        <p:cNvPr id="1" name=""/>
+        <p:cNvGrpSpPr/>
+        <p:nvPr/>
+      </p:nvGrpSpPr>
+      <p:grpSpPr>
+        <a:xfrm>
+          <a:off x="0" y="0"/>
+          <a:ext cx="0" cy="0"/>
+          <a:chOff x="0" y="0"/>
+          <a:chExt cx="0" cy="0"/>
+        </a:xfrm>
+      </p:grpSpPr>
+      <p:sp>
+        <p:nvSpPr>
+          <p:cNvPr id="2" name="Заголовок 1"/>
+          <p:cNvSpPr>
+            <a:spLocks noGrp="1"/>
+          </p:cNvSpPr>
+          <p:nvPr>
+            <p:ph type="title"/>
+          </p:nvPr>
+        </p:nvSpPr>
+        <p:spPr>
+          <a:xfrm>
+            <a:off x="3717179" y="479502"/>
+            <a:ext cx="5270704" cy="416262"/>
+          </a:xfrm>
+        </p:spPr>
+        <p:txBody>
+          <a:bodyPr>
+            <a:normAutofit fontScale="90000"/>
+          </a:bodyPr>
+          <a:lstStyle/>
+          <a:p>
+            <a:pPr algn="ctr"/>
+            <a:r>
+              <a:rPr lang="ru-RU" sz="2000" b="1" dirty="0" smtClean="0">
+                <a:latin typeface="Arial" panose="020B0604020202020204" pitchFamily="34" charset="0"/>
+                <a:cs typeface="Arial" panose="020B0604020202020204" pitchFamily="34" charset="0"/>
+              </a:rPr>
+              <a:t>СОЗДАНИЕ ДОГОВОРОВ СТРАХОВАНИЯ</a:t>
+            </a:r>
+            <a:endParaRPr lang="uk-UA" sz="2000" b="1" dirty="0">
+              <a:latin typeface="Arial" panose="020B0604020202020204" pitchFamily="34" charset="0"/>
+              <a:cs typeface="Arial" panose="020B0604020202020204" pitchFamily="34" charset="0"/>
+            </a:endParaRPr>
+          </a:p>
+        </p:txBody>
+      </p:sp>
+      <p:sp>
+        <p:nvSpPr>
+          <p:cNvPr id="4" name="Текст 3"/>
+          <p:cNvSpPr>
+            <a:spLocks noGrp="1"/>
+          </p:cNvSpPr>
+          <p:nvPr>
+            <p:ph type="body" sz="half" idx="2"/>
+          </p:nvPr>
+        </p:nvSpPr>
+        <p:spPr>
+          <a:xfrm>
+            <a:off x="839788" y="1103524"/>
+            <a:ext cx="4200563" cy="4664656"/>
+          </a:xfrm>
+        </p:spPr>
+        <p:txBody>
+          <a:bodyPr>
+            <a:normAutofit/>
+          </a:bodyPr>
+          <a:lstStyle/>
+          <a:p>
+            <a:pPr marL="285750" indent="-285750">
+              <a:buFont typeface="Arial" panose="020B0604020202020204" pitchFamily="34" charset="0"/>
+              <a:buChar char="•"/>
+            </a:pPr>
+            <a:r>
+              <a:rPr lang="ru-RU" sz="1800" dirty="0" smtClean="0">
+                <a:latin typeface="Arial" panose="020B0604020202020204" pitchFamily="34" charset="0"/>
+                <a:cs typeface="Arial" panose="020B0604020202020204" pitchFamily="34" charset="0"/>
+              </a:rPr>
+              <a:t>Создание страховых полисов</a:t>
+            </a:r>
+          </a:p>
+          <a:p>
+            <a:pPr marL="285750" indent="-285750">
+              <a:buFont typeface="Arial" panose="020B0604020202020204" pitchFamily="34" charset="0"/>
+              <a:buChar char="•"/>
+            </a:pPr>
+            <a:r>
+              <a:rPr lang="ru-RU" sz="1800" dirty="0" smtClean="0">
+                <a:latin typeface="Arial" panose="020B0604020202020204" pitchFamily="34" charset="0"/>
+                <a:cs typeface="Arial" panose="020B0604020202020204" pitchFamily="34" charset="0"/>
+              </a:rPr>
+              <a:t>Калькуляция стоимости страхового полиса</a:t>
+            </a:r>
+          </a:p>
+          <a:p>
+            <a:pPr marL="285750" indent="-285750">
+              <a:buFont typeface="Arial" panose="020B0604020202020204" pitchFamily="34" charset="0"/>
+              <a:buChar char="•"/>
+            </a:pPr>
+            <a:r>
+              <a:rPr lang="ru-RU" sz="1800" dirty="0" smtClean="0">
+                <a:latin typeface="Arial" panose="020B0604020202020204" pitchFamily="34" charset="0"/>
+                <a:cs typeface="Arial" panose="020B0604020202020204" pitchFamily="34" charset="0"/>
+              </a:rPr>
+              <a:t>Ввод данных о страхователе</a:t>
+            </a:r>
+          </a:p>
+          <a:p>
+            <a:pPr marL="285750" indent="-285750">
+              <a:buFont typeface="Arial" panose="020B0604020202020204" pitchFamily="34" charset="0"/>
+              <a:buChar char="•"/>
+            </a:pPr>
+            <a:r>
+              <a:rPr lang="ru-RU" sz="1800" dirty="0" smtClean="0">
+                <a:latin typeface="Arial" panose="020B0604020202020204" pitchFamily="34" charset="0"/>
+                <a:cs typeface="Arial" panose="020B0604020202020204" pitchFamily="34" charset="0"/>
+              </a:rPr>
+              <a:t>Выбор страхового продукта</a:t>
+            </a:r>
+          </a:p>
+          <a:p>
+            <a:pPr marL="285750" indent="-285750">
+              <a:buFont typeface="Arial" panose="020B0604020202020204" pitchFamily="34" charset="0"/>
+              <a:buChar char="•"/>
+            </a:pPr>
+            <a:endParaRPr lang="ru-RU" sz="1800" dirty="0" smtClean="0">
+              <a:latin typeface="Arial" panose="020B0604020202020204" pitchFamily="34" charset="0"/>
+              <a:cs typeface="Arial" panose="020B0604020202020204" pitchFamily="34" charset="0"/>
+            </a:endParaRPr>
+          </a:p>
+        </p:txBody>
+      </p:sp>
+      <p:pic>
+        <p:nvPicPr>
+          <p:cNvPr id="5" name="Объект 5"/>
+          <p:cNvPicPr>
+            <a:picLocks noChangeAspect="1"/>
+          </p:cNvPicPr>
+          <p:nvPr/>
+        </p:nvPicPr>
+        <p:blipFill>
+          <a:blip r:embed="rId2">
+            <a:extLst>
+              <a:ext uri="{28A0092B-C50C-407E-A947-70E740481C1C}">
+                <a14:useLocalDpi xmlns:a14="http://schemas.microsoft.com/office/drawing/2010/main" val="0"/>
+              </a:ext>
+            </a:extLst>
+          </a:blip>
+          <a:stretch>
+            <a:fillRect/>
+          </a:stretch>
+        </p:blipFill>
+        <p:spPr>
+          <a:xfrm>
+            <a:off x="4672361" y="1103524"/>
+            <a:ext cx="4167261" cy="3775336"/>
+          </a:xfrm>
+          <a:prstGeom prst="rect">
+            <a:avLst/>
+          </a:prstGeom>
+        </p:spPr>
+      </p:pic>
+      <p:pic>
+        <p:nvPicPr>
+          <p:cNvPr id="6" name="Объект 5"/>
+          <p:cNvPicPr>
+            <a:picLocks noGrp="1" noChangeAspect="1"/>
+          </p:cNvPicPr>
+          <p:nvPr>
+            <p:ph idx="1"/>
+          </p:nvPr>
+        </p:nvPicPr>
+        <p:blipFill>
+          <a:blip r:embed="rId3">
+            <a:extLst>
+              <a:ext uri="{28A0092B-C50C-407E-A947-70E740481C1C}">
+                <a14:useLocalDpi xmlns:a14="http://schemas.microsoft.com/office/drawing/2010/main" val="0"/>
+              </a:ext>
+            </a:extLst>
+          </a:blip>
+          <a:stretch>
+            <a:fillRect/>
+          </a:stretch>
+        </p:blipFill>
+        <p:spPr>
+          <a:xfrm>
+            <a:off x="7118091" y="2677595"/>
+            <a:ext cx="3988414" cy="3661098"/>
+          </a:xfrm>
+          <a:prstGeom prst="rect">
+            <a:avLst/>
+          </a:prstGeom>
+        </p:spPr>
+      </p:pic>
+    </p:spTree>
+    <p:extLst>
+      <p:ext uri="{BB962C8B-B14F-4D97-AF65-F5344CB8AC3E}">
+        <p14:creationId xmlns:p14="http://schemas.microsoft.com/office/powerpoint/2010/main" val="1226471127"/>
+      </p:ext>
+    </p:extLst>
+  </p:cSld>
+  <p:clrMapOvr>
+    <a:masterClrMapping/>
+  </p:clrMapOvr>
+  <p:timing>
+    <p:tnLst>
+      <p:par>
+        <p:cTn id="1" dur="indefinite" restart="never" nodeType="tmRoot"/>
+      </p:par>
+    </p:tnLst>
+  </p:timing>
+</p:sld>
+</file>
+
+<file path=ppt/slides/slide14.xml><?xml version="1.0" encoding="utf-8"?>
 <p:sld xmlns:a="http://schemas.openxmlformats.org/drawingml/2006/main" xmlns:r="http://schemas.openxmlformats.org/officeDocument/2006/relationships" xmlns:p="http://schemas.openxmlformats.org/presentationml/2006/main">
   <p:cSld>
     <p:spTree>
@@ -3486,7 +4320,7 @@
 </p:sld>
 </file>
 
-<file path=ppt/slides/slide11.xml><?xml version="1.0" encoding="utf-8"?>
+<file path=ppt/slides/slide15.xml><?xml version="1.0" encoding="utf-8"?>
 <p:sld xmlns:a="http://schemas.openxmlformats.org/drawingml/2006/main" xmlns:r="http://schemas.openxmlformats.org/officeDocument/2006/relationships" xmlns:p="http://schemas.openxmlformats.org/presentationml/2006/main">
   <p:cSld>
     <p:spTree>
@@ -3677,7 +4511,7 @@
 </p:sld>
 </file>
 
-<file path=ppt/slides/slide12.xml><?xml version="1.0" encoding="utf-8"?>
+<file path=ppt/slides/slide16.xml><?xml version="1.0" encoding="utf-8"?>
 <p:sld xmlns:a="http://schemas.openxmlformats.org/drawingml/2006/main" xmlns:r="http://schemas.openxmlformats.org/officeDocument/2006/relationships" xmlns:p="http://schemas.openxmlformats.org/presentationml/2006/main">
   <p:cSld>
     <p:spTree>
@@ -3937,7 +4771,7 @@
 </p:sld>
 </file>
 
-<file path=ppt/slides/slide13.xml><?xml version="1.0" encoding="utf-8"?>
+<file path=ppt/slides/slide17.xml><?xml version="1.0" encoding="utf-8"?>
 <p:sld xmlns:a="http://schemas.openxmlformats.org/drawingml/2006/main" xmlns:r="http://schemas.openxmlformats.org/officeDocument/2006/relationships" xmlns:p="http://schemas.openxmlformats.org/presentationml/2006/main">
   <p:cSld>
     <p:spTree>
@@ -3982,7 +4816,7 @@
                 <a:latin typeface="Arial" panose="020B0604020202020204" pitchFamily="34" charset="0"/>
                 <a:cs typeface="Arial" panose="020B0604020202020204" pitchFamily="34" charset="0"/>
               </a:rPr>
-              <a:t>ВЫВОД</a:t>
+              <a:t>ВЫВОДЫ</a:t>
             </a:r>
             <a:endParaRPr lang="uk-UA" sz="2000" b="1" dirty="0">
               <a:latin typeface="Arial" panose="020B0604020202020204" pitchFamily="34" charset="0"/>
@@ -4004,7 +4838,7 @@
         <p:spPr>
           <a:xfrm>
             <a:off x="839788" y="1103524"/>
-            <a:ext cx="4200563" cy="4664656"/>
+            <a:ext cx="9942512" cy="5094076"/>
           </a:xfrm>
         </p:spPr>
         <p:txBody>
@@ -4013,30 +4847,181 @@
           </a:bodyPr>
           <a:lstStyle/>
           <a:p>
+            <a:endParaRPr lang="ru-RU" sz="1800" dirty="0" smtClean="0">
+              <a:latin typeface="Arial" panose="020B0604020202020204" pitchFamily="34" charset="0"/>
+              <a:cs typeface="Arial" panose="020B0604020202020204" pitchFamily="34" charset="0"/>
+            </a:endParaRPr>
+          </a:p>
+          <a:p>
+            <a:pPr marL="342900" indent="-342900">
+              <a:buFont typeface="Arial" panose="020B0604020202020204" pitchFamily="34" charset="0"/>
+              <a:buChar char="•"/>
+            </a:pPr>
             <a:r>
               <a:rPr lang="ru-RU" sz="1800" dirty="0" smtClean="0">
                 <a:latin typeface="Arial" panose="020B0604020202020204" pitchFamily="34" charset="0"/>
                 <a:cs typeface="Arial" panose="020B0604020202020204" pitchFamily="34" charset="0"/>
               </a:rPr>
-              <a:t>Создана программа позволяющая оптимизировать работу страховой компании.</a:t>
-            </a:r>
-          </a:p>
-          <a:p>
+              <a:t>проведен </a:t>
+            </a:r>
+            <a:r>
+              <a:rPr lang="ru-RU" sz="1800" dirty="0">
+                <a:latin typeface="Arial" panose="020B0604020202020204" pitchFamily="34" charset="0"/>
+                <a:cs typeface="Arial" panose="020B0604020202020204" pitchFamily="34" charset="0"/>
+              </a:rPr>
+              <a:t>анализ предметной области;</a:t>
+            </a:r>
+          </a:p>
+          <a:p>
+            <a:pPr marL="342900" indent="-342900">
+              <a:buFont typeface="Arial" panose="020B0604020202020204" pitchFamily="34" charset="0"/>
+              <a:buChar char="•"/>
+            </a:pPr>
             <a:r>
               <a:rPr lang="ru-RU" sz="1800" dirty="0" smtClean="0">
                 <a:latin typeface="Arial" panose="020B0604020202020204" pitchFamily="34" charset="0"/>
                 <a:cs typeface="Arial" panose="020B0604020202020204" pitchFamily="34" charset="0"/>
               </a:rPr>
-              <a:t>Позволяет сократить использование бумажных носителей информации.</a:t>
-            </a:r>
-          </a:p>
-          <a:p>
+              <a:t>исследованы </a:t>
+            </a:r>
+            <a:r>
+              <a:rPr lang="ru-RU" sz="1800" dirty="0">
+                <a:latin typeface="Arial" panose="020B0604020202020204" pitchFamily="34" charset="0"/>
+                <a:cs typeface="Arial" panose="020B0604020202020204" pitchFamily="34" charset="0"/>
+              </a:rPr>
+              <a:t>методы анализа финансовой деятельности страховой компании</a:t>
+            </a:r>
+          </a:p>
+          <a:p>
+            <a:pPr marL="342900" indent="-342900">
+              <a:buFont typeface="Arial" panose="020B0604020202020204" pitchFamily="34" charset="0"/>
+              <a:buChar char="•"/>
+            </a:pPr>
             <a:r>
               <a:rPr lang="ru-RU" sz="1800" dirty="0" smtClean="0">
                 <a:latin typeface="Arial" panose="020B0604020202020204" pitchFamily="34" charset="0"/>
                 <a:cs typeface="Arial" panose="020B0604020202020204" pitchFamily="34" charset="0"/>
               </a:rPr>
-              <a:t>Позволяет получать доступ к информации удаленно а также лучше защитить информацию благодаря использования базы данных. </a:t>
+              <a:t>проведен </a:t>
+            </a:r>
+            <a:r>
+              <a:rPr lang="ru-RU" sz="1800" dirty="0">
+                <a:latin typeface="Arial" panose="020B0604020202020204" pitchFamily="34" charset="0"/>
+                <a:cs typeface="Arial" panose="020B0604020202020204" pitchFamily="34" charset="0"/>
+              </a:rPr>
+              <a:t>анализ существующих программных решений информационных систем;</a:t>
+            </a:r>
+          </a:p>
+          <a:p>
+            <a:pPr marL="342900" indent="-342900">
+              <a:buFont typeface="Arial" panose="020B0604020202020204" pitchFamily="34" charset="0"/>
+              <a:buChar char="•"/>
+            </a:pPr>
+            <a:r>
+              <a:rPr lang="ru-RU" sz="1800" dirty="0" smtClean="0">
+                <a:latin typeface="Arial" panose="020B0604020202020204" pitchFamily="34" charset="0"/>
+                <a:cs typeface="Arial" panose="020B0604020202020204" pitchFamily="34" charset="0"/>
+              </a:rPr>
+              <a:t>построены логическая </a:t>
+            </a:r>
+            <a:r>
+              <a:rPr lang="ru-RU" sz="1800" dirty="0">
+                <a:latin typeface="Arial" panose="020B0604020202020204" pitchFamily="34" charset="0"/>
+                <a:cs typeface="Arial" panose="020B0604020202020204" pitchFamily="34" charset="0"/>
+              </a:rPr>
+              <a:t>и </a:t>
+            </a:r>
+            <a:r>
+              <a:rPr lang="ru-RU" sz="1800" dirty="0" smtClean="0">
+                <a:latin typeface="Arial" panose="020B0604020202020204" pitchFamily="34" charset="0"/>
+                <a:cs typeface="Arial" panose="020B0604020202020204" pitchFamily="34" charset="0"/>
+              </a:rPr>
+              <a:t>физическая </a:t>
+            </a:r>
+            <a:r>
+              <a:rPr lang="ru-RU" sz="1800" dirty="0">
+                <a:latin typeface="Arial" panose="020B0604020202020204" pitchFamily="34" charset="0"/>
+                <a:cs typeface="Arial" panose="020B0604020202020204" pitchFamily="34" charset="0"/>
+              </a:rPr>
+              <a:t>модель базы данных;</a:t>
+            </a:r>
+          </a:p>
+          <a:p>
+            <a:pPr marL="342900" indent="-342900">
+              <a:buFont typeface="Arial" panose="020B0604020202020204" pitchFamily="34" charset="0"/>
+              <a:buChar char="•"/>
+            </a:pPr>
+            <a:r>
+              <a:rPr lang="ru-RU" sz="1800" dirty="0" smtClean="0">
+                <a:latin typeface="Arial" panose="020B0604020202020204" pitchFamily="34" charset="0"/>
+                <a:cs typeface="Arial" panose="020B0604020202020204" pitchFamily="34" charset="0"/>
+              </a:rPr>
+              <a:t>разработан </a:t>
+            </a:r>
+            <a:r>
+              <a:rPr lang="ru-RU" sz="1800" dirty="0">
+                <a:latin typeface="Arial" panose="020B0604020202020204" pitchFamily="34" charset="0"/>
+                <a:cs typeface="Arial" panose="020B0604020202020204" pitchFamily="34" charset="0"/>
+              </a:rPr>
+              <a:t>графический интерфейс;</a:t>
+            </a:r>
+          </a:p>
+          <a:p>
+            <a:pPr marL="342900" indent="-342900">
+              <a:buFont typeface="Arial" panose="020B0604020202020204" pitchFamily="34" charset="0"/>
+              <a:buChar char="•"/>
+            </a:pPr>
+            <a:r>
+              <a:rPr lang="ru-RU" sz="1800" dirty="0" smtClean="0">
+                <a:latin typeface="Arial" panose="020B0604020202020204" pitchFamily="34" charset="0"/>
+                <a:cs typeface="Arial" panose="020B0604020202020204" pitchFamily="34" charset="0"/>
+              </a:rPr>
+              <a:t>разработаны </a:t>
+            </a:r>
+            <a:r>
+              <a:rPr lang="ru-RU" sz="1800" dirty="0">
+                <a:latin typeface="Arial" panose="020B0604020202020204" pitchFamily="34" charset="0"/>
+                <a:cs typeface="Arial" panose="020B0604020202020204" pitchFamily="34" charset="0"/>
+              </a:rPr>
+              <a:t>функциональные модули </a:t>
+            </a:r>
+            <a:r>
+              <a:rPr lang="ru-RU" sz="1800" dirty="0" smtClean="0">
+                <a:latin typeface="Arial" panose="020B0604020202020204" pitchFamily="34" charset="0"/>
+                <a:cs typeface="Arial" panose="020B0604020202020204" pitchFamily="34" charset="0"/>
+              </a:rPr>
+              <a:t>системы</a:t>
+            </a:r>
+            <a:r>
+              <a:rPr lang="ru-RU" sz="1800" dirty="0">
+                <a:latin typeface="Arial" panose="020B0604020202020204" pitchFamily="34" charset="0"/>
+                <a:cs typeface="Arial" panose="020B0604020202020204" pitchFamily="34" charset="0"/>
+              </a:rPr>
+              <a:t>;</a:t>
+            </a:r>
+            <a:endParaRPr lang="ru-RU" sz="1800" dirty="0" smtClean="0">
+              <a:latin typeface="Arial" panose="020B0604020202020204" pitchFamily="34" charset="0"/>
+              <a:cs typeface="Arial" panose="020B0604020202020204" pitchFamily="34" charset="0"/>
+            </a:endParaRPr>
+          </a:p>
+          <a:p>
+            <a:pPr marL="342900" indent="-342900">
+              <a:buFont typeface="Arial" panose="020B0604020202020204" pitchFamily="34" charset="0"/>
+              <a:buChar char="•"/>
+            </a:pPr>
+            <a:r>
+              <a:rPr lang="ru-RU" sz="1800" dirty="0">
+                <a:latin typeface="Arial" panose="020B0604020202020204" pitchFamily="34" charset="0"/>
+                <a:cs typeface="Arial" panose="020B0604020202020204" pitchFamily="34" charset="0"/>
+              </a:rPr>
+              <a:t>с</a:t>
+            </a:r>
+            <a:r>
+              <a:rPr lang="ru-RU" sz="1800" dirty="0" smtClean="0">
+                <a:latin typeface="Arial" panose="020B0604020202020204" pitchFamily="34" charset="0"/>
+                <a:cs typeface="Arial" panose="020B0604020202020204" pitchFamily="34" charset="0"/>
+              </a:rPr>
+              <a:t>оздана информационная система страховой компании</a:t>
             </a:r>
           </a:p>
         </p:txBody>
@@ -4091,7 +5076,7 @@
         <p:spPr>
           <a:xfrm>
             <a:off x="839788" y="457200"/>
-            <a:ext cx="6642680" cy="5626100"/>
+            <a:ext cx="6259512" cy="5918200"/>
           </a:xfrm>
         </p:spPr>
         <p:txBody>
@@ -4107,18 +5092,14 @@
               </a:rPr>
               <a:t>ЦЕЛИ И ЗАДАЧИ ДИПЛОМНОЙ РАБОТЫ</a:t>
             </a:r>
+          </a:p>
+          <a:p>
             <a:endParaRPr lang="ru-RU" sz="2000" b="1" dirty="0" smtClean="0">
               <a:latin typeface="Arial" panose="020B0604020202020204" pitchFamily="34" charset="0"/>
               <a:cs typeface="Arial" panose="020B0604020202020204" pitchFamily="34" charset="0"/>
             </a:endParaRPr>
           </a:p>
           <a:p>
-            <a:endParaRPr lang="ru-RU" sz="2000" b="1" dirty="0" smtClean="0">
-              <a:latin typeface="Arial" panose="020B0604020202020204" pitchFamily="34" charset="0"/>
-              <a:cs typeface="Arial" panose="020B0604020202020204" pitchFamily="34" charset="0"/>
-            </a:endParaRPr>
-          </a:p>
-          <a:p>
             <a:r>
               <a:rPr lang="ru-RU" sz="2000" dirty="0" smtClean="0">
                 <a:latin typeface="Arial" panose="020B0604020202020204" pitchFamily="34" charset="0"/>
@@ -4155,18 +5136,11 @@
               <a:buChar char="•"/>
             </a:pPr>
             <a:r>
-              <a:rPr lang="ru-RU" sz="2000" dirty="0">
-                <a:latin typeface="Arial" panose="020B0604020202020204" pitchFamily="34" charset="0"/>
-                <a:cs typeface="Arial" panose="020B0604020202020204" pitchFamily="34" charset="0"/>
-              </a:rPr>
-              <a:t>провести </a:t>
-            </a:r>
-            <a:r>
               <a:rPr lang="ru-RU" sz="2000" dirty="0" smtClean="0">
                 <a:latin typeface="Arial" panose="020B0604020202020204" pitchFamily="34" charset="0"/>
                 <a:cs typeface="Arial" panose="020B0604020202020204" pitchFamily="34" charset="0"/>
               </a:rPr>
-              <a:t>анализ существующих программных решений информационных систем;</a:t>
+              <a:t>исследовать методы анализа финансовой деятельности страховой компании</a:t>
             </a:r>
           </a:p>
           <a:p>
@@ -4175,11 +5149,18 @@
               <a:buChar char="•"/>
             </a:pPr>
             <a:r>
+              <a:rPr lang="ru-RU" sz="2000" dirty="0">
+                <a:latin typeface="Arial" panose="020B0604020202020204" pitchFamily="34" charset="0"/>
+                <a:cs typeface="Arial" panose="020B0604020202020204" pitchFamily="34" charset="0"/>
+              </a:rPr>
+              <a:t>провести </a:t>
+            </a:r>
+            <a:r>
               <a:rPr lang="ru-RU" sz="2000" dirty="0" smtClean="0">
                 <a:latin typeface="Arial" panose="020B0604020202020204" pitchFamily="34" charset="0"/>
                 <a:cs typeface="Arial" panose="020B0604020202020204" pitchFamily="34" charset="0"/>
               </a:rPr>
-              <a:t>Проанализировать технические требования к СУБД и выбрать оптимальную;</a:t>
+              <a:t>анализ существующих программных решений информационных систем;</a:t>
             </a:r>
           </a:p>
           <a:p>
@@ -4192,7 +5173,7 @@
                 <a:latin typeface="Arial" panose="020B0604020202020204" pitchFamily="34" charset="0"/>
                 <a:cs typeface="Arial" panose="020B0604020202020204" pitchFamily="34" charset="0"/>
               </a:rPr>
-              <a:t>Построить логическую модель базы данных;</a:t>
+              <a:t>проанализировать технические требования к СУБД и выбрать оптимальную;</a:t>
             </a:r>
           </a:p>
           <a:p>
@@ -4205,7 +5186,7 @@
                 <a:latin typeface="Arial" panose="020B0604020202020204" pitchFamily="34" charset="0"/>
                 <a:cs typeface="Arial" panose="020B0604020202020204" pitchFamily="34" charset="0"/>
               </a:rPr>
-              <a:t>Построить физическую модель базы данных;</a:t>
+              <a:t>Построить логическую и физическую модель базы данных;</a:t>
             </a:r>
           </a:p>
           <a:p>
@@ -4218,7 +5199,7 @@
                 <a:latin typeface="Arial" panose="020B0604020202020204" pitchFamily="34" charset="0"/>
                 <a:cs typeface="Arial" panose="020B0604020202020204" pitchFamily="34" charset="0"/>
               </a:rPr>
-              <a:t>Разработать графический интерфейс;</a:t>
+              <a:t>разработать графический интерфейс;</a:t>
             </a:r>
           </a:p>
           <a:p>
@@ -4227,16 +5208,19 @@
               <a:buChar char="•"/>
             </a:pPr>
             <a:r>
+              <a:rPr lang="ru-RU" sz="2000" dirty="0">
+                <a:latin typeface="Arial" panose="020B0604020202020204" pitchFamily="34" charset="0"/>
+                <a:cs typeface="Arial" panose="020B0604020202020204" pitchFamily="34" charset="0"/>
+              </a:rPr>
+              <a:t>р</a:t>
+            </a:r>
+            <a:r>
               <a:rPr lang="ru-RU" sz="2000" dirty="0" smtClean="0">
                 <a:latin typeface="Arial" panose="020B0604020202020204" pitchFamily="34" charset="0"/>
                 <a:cs typeface="Arial" panose="020B0604020202020204" pitchFamily="34" charset="0"/>
               </a:rPr>
-              <a:t>Разработать информационную систему страховой компании.</a:t>
-            </a:r>
-            <a:endParaRPr lang="ru-RU" sz="2000" dirty="0" smtClean="0">
-              <a:latin typeface="Arial" panose="020B0604020202020204" pitchFamily="34" charset="0"/>
-              <a:cs typeface="Arial" panose="020B0604020202020204" pitchFamily="34" charset="0"/>
-            </a:endParaRPr>
+              <a:t>азработать функциональные модули системы.</a:t>
+            </a:r>
           </a:p>
         </p:txBody>
       </p:sp>
@@ -4277,35 +5261,6 @@
           <a:chExt cx="0" cy="0"/>
         </a:xfrm>
       </p:grpSpPr>
-      <p:pic>
-        <p:nvPicPr>
-          <p:cNvPr id="7" name="Объект 6"/>
-          <p:cNvPicPr>
-            <a:picLocks noGrp="1" noChangeAspect="1"/>
-          </p:cNvPicPr>
-          <p:nvPr>
-            <p:ph idx="1"/>
-          </p:nvPr>
-        </p:nvPicPr>
-        <p:blipFill>
-          <a:blip r:embed="rId2" cstate="print">
-            <a:extLst>
-              <a:ext uri="{28A0092B-C50C-407E-A947-70E740481C1C}">
-                <a14:useLocalDpi xmlns:a14="http://schemas.microsoft.com/office/drawing/2010/main" val="0"/>
-              </a:ext>
-            </a:extLst>
-          </a:blip>
-          <a:stretch>
-            <a:fillRect/>
-          </a:stretch>
-        </p:blipFill>
-        <p:spPr>
-          <a:xfrm>
-            <a:off x="7793029" y="457200"/>
-            <a:ext cx="3699391" cy="5411787"/>
-          </a:xfrm>
-        </p:spPr>
-      </p:pic>
       <p:sp>
         <p:nvSpPr>
           <p:cNvPr id="6" name="Текст 5"/>
@@ -4319,7 +5274,7 @@
         <p:spPr>
           <a:xfrm>
             <a:off x="839788" y="457200"/>
-            <a:ext cx="6642680" cy="5411788"/>
+            <a:ext cx="6259512" cy="5918200"/>
           </a:xfrm>
         </p:spPr>
         <p:txBody>
@@ -4333,7 +5288,7 @@
                 <a:latin typeface="Arial" panose="020B0604020202020204" pitchFamily="34" charset="0"/>
                 <a:cs typeface="Arial" panose="020B0604020202020204" pitchFamily="34" charset="0"/>
               </a:rPr>
-              <a:t>ПОЗВОЛЯЕТ РЕШИТЬ СЛЕДУЮЩИЕ ПРОБЛЕММЫ</a:t>
+              <a:t>РЕАЛИЗОВАННЫЕ ФУНКЦИИ ПРОГРАММЫ</a:t>
             </a:r>
           </a:p>
           <a:p>
@@ -4352,15 +5307,26 @@
                 <a:latin typeface="Arial" panose="020B0604020202020204" pitchFamily="34" charset="0"/>
                 <a:cs typeface="Arial" panose="020B0604020202020204" pitchFamily="34" charset="0"/>
               </a:rPr>
-              <a:t>свести к минимуму документы на бумажных </a:t>
+              <a:t>в</a:t>
             </a:r>
             <a:r>
               <a:rPr lang="ru-RU" sz="2000" dirty="0" smtClean="0">
                 <a:latin typeface="Arial" panose="020B0604020202020204" pitchFamily="34" charset="0"/>
                 <a:cs typeface="Arial" panose="020B0604020202020204" pitchFamily="34" charset="0"/>
               </a:rPr>
-              <a:t>носителях</a:t>
-            </a:r>
+              <a:t>ведение и сохранение данных о страхователе, застрахованном имуществе и страховых событиях в </a:t>
+            </a:r>
+            <a:r>
+              <a:rPr lang="ru-RU" sz="2000" dirty="0">
+                <a:latin typeface="Arial" panose="020B0604020202020204" pitchFamily="34" charset="0"/>
+                <a:cs typeface="Arial" panose="020B0604020202020204" pitchFamily="34" charset="0"/>
+              </a:rPr>
+              <a:t>базе данных </a:t>
+            </a:r>
+            <a:endParaRPr lang="ru-RU" sz="2000" dirty="0" smtClean="0">
+              <a:latin typeface="Arial" panose="020B0604020202020204" pitchFamily="34" charset="0"/>
+              <a:cs typeface="Arial" panose="020B0604020202020204" pitchFamily="34" charset="0"/>
+            </a:endParaRPr>
           </a:p>
           <a:p>
             <a:pPr marL="342900" indent="-342900">
@@ -4372,15 +5338,19 @@
                 <a:latin typeface="Arial" panose="020B0604020202020204" pitchFamily="34" charset="0"/>
                 <a:cs typeface="Arial" panose="020B0604020202020204" pitchFamily="34" charset="0"/>
               </a:rPr>
-              <a:t>единая база документов, исключающая возможность их </a:t>
+              <a:t>п</a:t>
             </a:r>
             <a:r>
               <a:rPr lang="ru-RU" sz="2000" dirty="0" smtClean="0">
                 <a:latin typeface="Arial" panose="020B0604020202020204" pitchFamily="34" charset="0"/>
                 <a:cs typeface="Arial" panose="020B0604020202020204" pitchFamily="34" charset="0"/>
               </a:rPr>
-              <a:t>дублирования</a:t>
-            </a:r>
+              <a:t>олучение показателей страховой статистики</a:t>
+            </a:r>
+            <a:endParaRPr lang="ru-RU" sz="2000" dirty="0">
+              <a:latin typeface="Arial" panose="020B0604020202020204" pitchFamily="34" charset="0"/>
+              <a:cs typeface="Arial" panose="020B0604020202020204" pitchFamily="34" charset="0"/>
+            </a:endParaRPr>
           </a:p>
           <a:p>
             <a:pPr marL="342900" indent="-342900">
@@ -4392,15 +5362,26 @@
                 <a:latin typeface="Arial" panose="020B0604020202020204" pitchFamily="34" charset="0"/>
                 <a:cs typeface="Arial" panose="020B0604020202020204" pitchFamily="34" charset="0"/>
               </a:rPr>
-              <a:t>результативный поиск документа при наличии о нем минимальной </a:t>
+              <a:t>к</a:t>
             </a:r>
             <a:r>
               <a:rPr lang="ru-RU" sz="2000" dirty="0" smtClean="0">
                 <a:latin typeface="Arial" panose="020B0604020202020204" pitchFamily="34" charset="0"/>
                 <a:cs typeface="Arial" panose="020B0604020202020204" pitchFamily="34" charset="0"/>
               </a:rPr>
-              <a:t>информации</a:t>
-            </a:r>
+              <a:t>алькулятор страховых </a:t>
+            </a:r>
+            <a:r>
+              <a:rPr lang="ru-RU" sz="2000" dirty="0" smtClean="0">
+                <a:latin typeface="Arial" panose="020B0604020202020204" pitchFamily="34" charset="0"/>
+                <a:cs typeface="Arial" panose="020B0604020202020204" pitchFamily="34" charset="0"/>
+              </a:rPr>
+              <a:t>тарифов</a:t>
+            </a:r>
+            <a:endParaRPr lang="ru-RU" sz="2000" dirty="0" smtClean="0">
+              <a:latin typeface="Arial" panose="020B0604020202020204" pitchFamily="34" charset="0"/>
+              <a:cs typeface="Arial" panose="020B0604020202020204" pitchFamily="34" charset="0"/>
+            </a:endParaRPr>
           </a:p>
           <a:p>
             <a:pPr marL="342900" indent="-342900">
@@ -4412,14 +5393,14 @@
                 <a:latin typeface="Arial" panose="020B0604020202020204" pitchFamily="34" charset="0"/>
                 <a:cs typeface="Arial" panose="020B0604020202020204" pitchFamily="34" charset="0"/>
               </a:rPr>
-              <a:t>исключить ошибки при неправильном </a:t>
+              <a:t>н</a:t>
             </a:r>
             <a:r>
               <a:rPr lang="ru-RU" sz="2000" dirty="0" smtClean="0">
                 <a:latin typeface="Arial" panose="020B0604020202020204" pitchFamily="34" charset="0"/>
                 <a:cs typeface="Arial" panose="020B0604020202020204" pitchFamily="34" charset="0"/>
               </a:rPr>
-              <a:t>введении</a:t>
+              <a:t>астройка страховых коэффициентов</a:t>
             </a:r>
           </a:p>
           <a:p>
@@ -4428,13 +5409,19 @@
               <a:buChar char="•"/>
             </a:pPr>
             <a:r>
-              <a:rPr lang="ru-RU" sz="2000" dirty="0">
-                <a:latin typeface="Arial" panose="020B0604020202020204" pitchFamily="34" charset="0"/>
-                <a:cs typeface="Arial" panose="020B0604020202020204" pitchFamily="34" charset="0"/>
-              </a:rPr>
-              <a:t>конвертация документа в необходимый формат в зависимости от текущей задачи</a:t>
-            </a:r>
-            <a:endParaRPr lang="uk-UA" sz="2000" dirty="0">
+              <a:rPr lang="ru-RU" sz="2000" dirty="0" smtClean="0">
+                <a:latin typeface="Arial" panose="020B0604020202020204" pitchFamily="34" charset="0"/>
+                <a:cs typeface="Arial" panose="020B0604020202020204" pitchFamily="34" charset="0"/>
+              </a:rPr>
+              <a:t>импорт данных</a:t>
+            </a:r>
+          </a:p>
+          <a:p>
+            <a:pPr marL="342900" indent="-342900">
+              <a:buFont typeface="Arial" panose="020B0604020202020204" pitchFamily="34" charset="0"/>
+              <a:buChar char="•"/>
+            </a:pPr>
+            <a:endParaRPr lang="ru-RU" sz="2000" dirty="0" smtClean="0">
               <a:latin typeface="Arial" panose="020B0604020202020204" pitchFamily="34" charset="0"/>
               <a:cs typeface="Arial" panose="020B0604020202020204" pitchFamily="34" charset="0"/>
             </a:endParaRPr>
@@ -4444,7 +5431,7 @@
     </p:spTree>
     <p:extLst>
       <p:ext uri="{BB962C8B-B14F-4D97-AF65-F5344CB8AC3E}">
-        <p14:creationId xmlns:p14="http://schemas.microsoft.com/office/powerpoint/2010/main" val="2439297196"/>
+        <p14:creationId xmlns:p14="http://schemas.microsoft.com/office/powerpoint/2010/main" val="466046783"/>
       </p:ext>
     </p:extLst>
   </p:cSld>
@@ -4462,6 +5449,350 @@
 </file>
 
 <file path=ppt/slides/slide4.xml><?xml version="1.0" encoding="utf-8"?>
+<p:sld xmlns:a="http://schemas.openxmlformats.org/drawingml/2006/main" xmlns:r="http://schemas.openxmlformats.org/officeDocument/2006/relationships" xmlns:p="http://schemas.openxmlformats.org/presentationml/2006/main">
+  <p:cSld>
+    <p:spTree>
+      <p:nvGrpSpPr>
+        <p:cNvPr id="1" name=""/>
+        <p:cNvGrpSpPr/>
+        <p:nvPr/>
+      </p:nvGrpSpPr>
+      <p:grpSpPr>
+        <a:xfrm>
+          <a:off x="0" y="0"/>
+          <a:ext cx="0" cy="0"/>
+          <a:chOff x="0" y="0"/>
+          <a:chExt cx="0" cy="0"/>
+        </a:xfrm>
+      </p:grpSpPr>
+      <p:sp>
+        <p:nvSpPr>
+          <p:cNvPr id="6" name="Текст 5"/>
+          <p:cNvSpPr>
+            <a:spLocks noGrp="1"/>
+          </p:cNvSpPr>
+          <p:nvPr>
+            <p:ph type="body" sz="half" idx="2"/>
+          </p:nvPr>
+        </p:nvSpPr>
+        <p:spPr>
+          <a:xfrm>
+            <a:off x="839788" y="381000"/>
+            <a:ext cx="6642680" cy="5702300"/>
+          </a:xfrm>
+        </p:spPr>
+        <p:txBody>
+          <a:bodyPr>
+            <a:normAutofit/>
+          </a:bodyPr>
+          <a:lstStyle/>
+          <a:p>
+            <a:r>
+              <a:rPr lang="ru-RU" sz="2000" b="1" dirty="0" smtClean="0">
+                <a:latin typeface="Arial" panose="020B0604020202020204" pitchFamily="34" charset="0"/>
+                <a:cs typeface="Arial" panose="020B0604020202020204" pitchFamily="34" charset="0"/>
+              </a:rPr>
+              <a:t>ОБЗОР АНАЛОГОВ</a:t>
+            </a:r>
+            <a:endParaRPr lang="uk-UA" sz="2000" b="1" dirty="0" smtClean="0">
+              <a:latin typeface="Arial" panose="020B0604020202020204" pitchFamily="34" charset="0"/>
+              <a:cs typeface="Arial" panose="020B0604020202020204" pitchFamily="34" charset="0"/>
+            </a:endParaRPr>
+          </a:p>
+          <a:p>
+            <a:r>
+              <a:rPr lang="uk-UA" sz="2000" dirty="0" smtClean="0">
+                <a:latin typeface="Arial" panose="020B0604020202020204" pitchFamily="34" charset="0"/>
+                <a:cs typeface="Arial" panose="020B0604020202020204" pitchFamily="34" charset="0"/>
+              </a:rPr>
+              <a:t>Продукт «1С: </a:t>
+            </a:r>
+            <a:r>
+              <a:rPr lang="uk-UA" sz="2000" dirty="0" err="1" smtClean="0">
+                <a:latin typeface="Arial" panose="020B0604020202020204" pitchFamily="34" charset="0"/>
+                <a:cs typeface="Arial" panose="020B0604020202020204" pitchFamily="34" charset="0"/>
+              </a:rPr>
+              <a:t>предприятие</a:t>
+            </a:r>
+            <a:r>
+              <a:rPr lang="uk-UA" sz="2000" dirty="0" smtClean="0">
+                <a:latin typeface="Arial" panose="020B0604020202020204" pitchFamily="34" charset="0"/>
+                <a:cs typeface="Arial" panose="020B0604020202020204" pitchFamily="34" charset="0"/>
+              </a:rPr>
+              <a:t>. </a:t>
+            </a:r>
+            <a:r>
+              <a:rPr lang="uk-UA" sz="2000" dirty="0" err="1" smtClean="0">
+                <a:latin typeface="Arial" panose="020B0604020202020204" pitchFamily="34" charset="0"/>
+                <a:cs typeface="Arial" panose="020B0604020202020204" pitchFamily="34" charset="0"/>
+              </a:rPr>
+              <a:t>Страховая</a:t>
+            </a:r>
+            <a:r>
+              <a:rPr lang="uk-UA" sz="2000" dirty="0" smtClean="0">
+                <a:latin typeface="Arial" panose="020B0604020202020204" pitchFamily="34" charset="0"/>
+                <a:cs typeface="Arial" panose="020B0604020202020204" pitchFamily="34" charset="0"/>
+              </a:rPr>
+              <a:t> </a:t>
+            </a:r>
+            <a:r>
+              <a:rPr lang="uk-UA" sz="2000" dirty="0" err="1" smtClean="0">
+                <a:latin typeface="Arial" panose="020B0604020202020204" pitchFamily="34" charset="0"/>
+                <a:cs typeface="Arial" panose="020B0604020202020204" pitchFamily="34" charset="0"/>
+              </a:rPr>
+              <a:t>компания</a:t>
+            </a:r>
+            <a:r>
+              <a:rPr lang="uk-UA" sz="2000" dirty="0" smtClean="0">
+                <a:latin typeface="Arial" panose="020B0604020202020204" pitchFamily="34" charset="0"/>
+                <a:cs typeface="Arial" panose="020B0604020202020204" pitchFamily="34" charset="0"/>
+              </a:rPr>
+              <a:t>»</a:t>
+            </a:r>
+          </a:p>
+          <a:p>
+            <a:pPr marL="342900" indent="-342900">
+              <a:buFont typeface="Arial" panose="020B0604020202020204" pitchFamily="34" charset="0"/>
+              <a:buChar char="•"/>
+            </a:pPr>
+            <a:r>
+              <a:rPr lang="ru-RU" sz="2000" dirty="0">
+                <a:latin typeface="Arial" panose="020B0604020202020204" pitchFamily="34" charset="0"/>
+                <a:cs typeface="Arial" panose="020B0604020202020204" pitchFamily="34" charset="0"/>
+              </a:rPr>
+              <a:t>ш</a:t>
+            </a:r>
+            <a:r>
+              <a:rPr lang="ru-RU" sz="2000" dirty="0" smtClean="0">
+                <a:latin typeface="Arial" panose="020B0604020202020204" pitchFamily="34" charset="0"/>
+                <a:cs typeface="Arial" panose="020B0604020202020204" pitchFamily="34" charset="0"/>
+              </a:rPr>
+              <a:t>ирокий выбор сервисов</a:t>
+            </a:r>
+          </a:p>
+          <a:p>
+            <a:pPr marL="342900" indent="-342900">
+              <a:buFont typeface="Arial" panose="020B0604020202020204" pitchFamily="34" charset="0"/>
+              <a:buChar char="•"/>
+            </a:pPr>
+            <a:r>
+              <a:rPr lang="ru-RU" sz="2000" dirty="0">
+                <a:latin typeface="Arial" panose="020B0604020202020204" pitchFamily="34" charset="0"/>
+                <a:cs typeface="Arial" panose="020B0604020202020204" pitchFamily="34" charset="0"/>
+              </a:rPr>
+              <a:t>расширяемость и гибкость </a:t>
+            </a:r>
+            <a:r>
+              <a:rPr lang="ru-RU" sz="2000" dirty="0" smtClean="0">
+                <a:latin typeface="Arial" panose="020B0604020202020204" pitchFamily="34" charset="0"/>
+                <a:cs typeface="Arial" panose="020B0604020202020204" pitchFamily="34" charset="0"/>
+              </a:rPr>
+              <a:t>настройки</a:t>
+            </a:r>
+          </a:p>
+          <a:p>
+            <a:pPr marL="342900" indent="-342900">
+              <a:buFont typeface="Arial" panose="020B0604020202020204" pitchFamily="34" charset="0"/>
+              <a:buChar char="•"/>
+            </a:pPr>
+            <a:r>
+              <a:rPr lang="ru-RU" sz="2000" dirty="0">
+                <a:latin typeface="Arial" panose="020B0604020202020204" pitchFamily="34" charset="0"/>
+                <a:cs typeface="Arial" panose="020B0604020202020204" pitchFamily="34" charset="0"/>
+              </a:rPr>
+              <a:t>высокая эффективность </a:t>
+            </a:r>
+            <a:r>
+              <a:rPr lang="ru-RU" sz="2000" dirty="0" smtClean="0">
+                <a:latin typeface="Arial" panose="020B0604020202020204" pitchFamily="34" charset="0"/>
+                <a:cs typeface="Arial" panose="020B0604020202020204" pitchFamily="34" charset="0"/>
+              </a:rPr>
+              <a:t>работы</a:t>
+            </a:r>
+          </a:p>
+          <a:p>
+            <a:pPr marL="342900" indent="-342900">
+              <a:buFont typeface="Arial" panose="020B0604020202020204" pitchFamily="34" charset="0"/>
+              <a:buChar char="•"/>
+            </a:pPr>
+            <a:r>
+              <a:rPr lang="ru-RU" sz="2000" dirty="0" smtClean="0">
+                <a:latin typeface="Arial" panose="020B0604020202020204" pitchFamily="34" charset="0"/>
+                <a:cs typeface="Arial" panose="020B0604020202020204" pitchFamily="34" charset="0"/>
+              </a:rPr>
+              <a:t>высокие технические характеристики</a:t>
+            </a:r>
+          </a:p>
+          <a:p>
+            <a:pPr marL="342900" indent="-342900">
+              <a:buFont typeface="Arial" panose="020B0604020202020204" pitchFamily="34" charset="0"/>
+              <a:buChar char="•"/>
+            </a:pPr>
+            <a:r>
+              <a:rPr lang="ru-RU" sz="2000" dirty="0" smtClean="0">
+                <a:latin typeface="Arial" panose="020B0604020202020204" pitchFamily="34" charset="0"/>
+                <a:cs typeface="Arial" panose="020B0604020202020204" pitchFamily="34" charset="0"/>
+              </a:rPr>
+              <a:t>высокая стоимость программного комплекса</a:t>
+            </a:r>
+          </a:p>
+          <a:p>
+            <a:r>
+              <a:rPr lang="ru-RU" sz="2000" dirty="0">
+                <a:latin typeface="Arial" panose="020B0604020202020204" pitchFamily="34" charset="0"/>
+                <a:cs typeface="Arial" panose="020B0604020202020204" pitchFamily="34" charset="0"/>
+              </a:rPr>
+              <a:t>Продукт «</a:t>
+            </a:r>
+            <a:r>
+              <a:rPr lang="en-US" sz="2000" dirty="0" err="1">
+                <a:latin typeface="Arial" panose="020B0604020202020204" pitchFamily="34" charset="0"/>
+                <a:cs typeface="Arial" panose="020B0604020202020204" pitchFamily="34" charset="0"/>
+              </a:rPr>
+              <a:t>ProfITsoft</a:t>
+            </a:r>
+            <a:r>
+              <a:rPr lang="en-US" sz="2000" dirty="0">
+                <a:latin typeface="Arial" panose="020B0604020202020204" pitchFamily="34" charset="0"/>
+                <a:cs typeface="Arial" panose="020B0604020202020204" pitchFamily="34" charset="0"/>
+              </a:rPr>
+              <a:t> BACK-OFFICE</a:t>
+            </a:r>
+            <a:r>
+              <a:rPr lang="en-US" sz="2000" dirty="0" smtClean="0">
+                <a:latin typeface="Arial" panose="020B0604020202020204" pitchFamily="34" charset="0"/>
+                <a:cs typeface="Arial" panose="020B0604020202020204" pitchFamily="34" charset="0"/>
+              </a:rPr>
+              <a:t>»</a:t>
+            </a:r>
+            <a:endParaRPr lang="ru-RU" sz="2000" dirty="0">
+              <a:latin typeface="Arial" panose="020B0604020202020204" pitchFamily="34" charset="0"/>
+              <a:cs typeface="Arial" panose="020B0604020202020204" pitchFamily="34" charset="0"/>
+            </a:endParaRPr>
+          </a:p>
+          <a:p>
+            <a:pPr marL="342900" indent="-342900">
+              <a:buFont typeface="Arial" panose="020B0604020202020204" pitchFamily="34" charset="0"/>
+              <a:buChar char="•"/>
+            </a:pPr>
+            <a:r>
+              <a:rPr lang="ru-RU" sz="2000" dirty="0" smtClean="0">
+                <a:latin typeface="Arial" panose="020B0604020202020204" pitchFamily="34" charset="0"/>
+                <a:cs typeface="Arial" panose="020B0604020202020204" pitchFamily="34" charset="0"/>
+              </a:rPr>
+              <a:t>веб клиент</a:t>
+            </a:r>
+          </a:p>
+          <a:p>
+            <a:pPr marL="342900" indent="-342900">
+              <a:buFont typeface="Arial" panose="020B0604020202020204" pitchFamily="34" charset="0"/>
+              <a:buChar char="•"/>
+            </a:pPr>
+            <a:r>
+              <a:rPr lang="ru-RU" sz="2000" dirty="0" smtClean="0">
+                <a:latin typeface="Arial" panose="020B0604020202020204" pitchFamily="34" charset="0"/>
+                <a:cs typeface="Arial" panose="020B0604020202020204" pitchFamily="34" charset="0"/>
+              </a:rPr>
+              <a:t>высокая кроссплатформенность </a:t>
+            </a:r>
+          </a:p>
+          <a:p>
+            <a:pPr marL="342900" indent="-342900">
+              <a:buFont typeface="Arial" panose="020B0604020202020204" pitchFamily="34" charset="0"/>
+              <a:buChar char="•"/>
+            </a:pPr>
+            <a:r>
+              <a:rPr lang="ru-RU" sz="2000" dirty="0" smtClean="0">
+                <a:latin typeface="Arial" panose="020B0604020202020204" pitchFamily="34" charset="0"/>
+                <a:cs typeface="Arial" panose="020B0604020202020204" pitchFamily="34" charset="0"/>
+              </a:rPr>
+              <a:t>отсутствует возможность работать без         доступа к интернету</a:t>
+            </a:r>
+          </a:p>
+          <a:p>
+            <a:pPr marL="342900" indent="-342900">
+              <a:buFont typeface="Arial" panose="020B0604020202020204" pitchFamily="34" charset="0"/>
+              <a:buChar char="•"/>
+            </a:pPr>
+            <a:r>
+              <a:rPr lang="ru-RU" sz="2000" dirty="0" smtClean="0">
+                <a:latin typeface="Arial" panose="020B0604020202020204" pitchFamily="34" charset="0"/>
+                <a:cs typeface="Arial" panose="020B0604020202020204" pitchFamily="34" charset="0"/>
+              </a:rPr>
+              <a:t>высокая стоимость</a:t>
+            </a:r>
+          </a:p>
+        </p:txBody>
+      </p:sp>
+      <p:pic>
+        <p:nvPicPr>
+          <p:cNvPr id="2" name="Рисунок 1"/>
+          <p:cNvPicPr>
+            <a:picLocks noChangeAspect="1"/>
+          </p:cNvPicPr>
+          <p:nvPr/>
+        </p:nvPicPr>
+        <p:blipFill>
+          <a:blip r:embed="rId2"/>
+          <a:stretch>
+            <a:fillRect/>
+          </a:stretch>
+        </p:blipFill>
+        <p:spPr>
+          <a:xfrm>
+            <a:off x="6964757" y="875440"/>
+            <a:ext cx="4968516" cy="2419348"/>
+          </a:xfrm>
+          <a:prstGeom prst="rect">
+            <a:avLst/>
+          </a:prstGeom>
+        </p:spPr>
+      </p:pic>
+      <p:pic>
+        <p:nvPicPr>
+          <p:cNvPr id="3" name="Рисунок 2"/>
+          <p:cNvPicPr>
+            <a:picLocks noChangeAspect="1"/>
+          </p:cNvPicPr>
+          <p:nvPr/>
+        </p:nvPicPr>
+        <p:blipFill>
+          <a:blip r:embed="rId3"/>
+          <a:stretch>
+            <a:fillRect/>
+          </a:stretch>
+        </p:blipFill>
+        <p:spPr>
+          <a:xfrm>
+            <a:off x="6964756" y="3399315"/>
+            <a:ext cx="4968517" cy="2605607"/>
+          </a:xfrm>
+          <a:prstGeom prst="rect">
+            <a:avLst/>
+          </a:prstGeom>
+        </p:spPr>
+      </p:pic>
+    </p:spTree>
+    <p:extLst>
+      <p:ext uri="{BB962C8B-B14F-4D97-AF65-F5344CB8AC3E}">
+        <p14:creationId xmlns:p14="http://schemas.microsoft.com/office/powerpoint/2010/main" val="3953780513"/>
+      </p:ext>
+    </p:extLst>
+  </p:cSld>
+  <p:clrMapOvr>
+    <a:masterClrMapping/>
+  </p:clrMapOvr>
+  <p:timing>
+    <p:tnLst>
+      <p:par>
+        <p:cTn id="1" dur="indefinite" restart="never" nodeType="tmRoot"/>
+      </p:par>
+    </p:tnLst>
+  </p:timing>
+</p:sld>
+</file>
+
+<file path=ppt/slides/slide5.xml><?xml version="1.0" encoding="utf-8"?>
 <p:sld xmlns:a="http://schemas.openxmlformats.org/drawingml/2006/main" xmlns:r="http://schemas.openxmlformats.org/officeDocument/2006/relationships" xmlns:p="http://schemas.openxmlformats.org/presentationml/2006/main">
   <p:cSld>
     <p:spTree>
@@ -4565,116 +5896,6 @@
 </p:sld>
 </file>
 
-<file path=ppt/slides/slide5.xml><?xml version="1.0" encoding="utf-8"?>
-<p:sld xmlns:a="http://schemas.openxmlformats.org/drawingml/2006/main" xmlns:r="http://schemas.openxmlformats.org/officeDocument/2006/relationships" xmlns:p="http://schemas.openxmlformats.org/presentationml/2006/main">
-  <p:cSld>
-    <p:spTree>
-      <p:nvGrpSpPr>
-        <p:cNvPr id="1" name=""/>
-        <p:cNvGrpSpPr/>
-        <p:nvPr/>
-      </p:nvGrpSpPr>
-      <p:grpSpPr>
-        <a:xfrm>
-          <a:off x="0" y="0"/>
-          <a:ext cx="0" cy="0"/>
-          <a:chOff x="0" y="0"/>
-          <a:chExt cx="0" cy="0"/>
-        </a:xfrm>
-      </p:grpSpPr>
-      <p:sp>
-        <p:nvSpPr>
-          <p:cNvPr id="2" name="Заголовок 1"/>
-          <p:cNvSpPr>
-            <a:spLocks noGrp="1"/>
-          </p:cNvSpPr>
-          <p:nvPr>
-            <p:ph type="title"/>
-          </p:nvPr>
-        </p:nvSpPr>
-        <p:spPr>
-          <a:xfrm>
-            <a:off x="3235712" y="441325"/>
-            <a:ext cx="5720574" cy="539982"/>
-          </a:xfrm>
-        </p:spPr>
-        <p:txBody>
-          <a:bodyPr>
-            <a:normAutofit/>
-          </a:bodyPr>
-          <a:lstStyle/>
-          <a:p>
-            <a:pPr algn="ctr"/>
-            <a:r>
-              <a:rPr lang="ru-RU" sz="2000" b="1" dirty="0" smtClean="0">
-                <a:latin typeface="Arial" panose="020B0604020202020204" pitchFamily="34" charset="0"/>
-                <a:cs typeface="Arial" panose="020B0604020202020204" pitchFamily="34" charset="0"/>
-              </a:rPr>
-              <a:t>МОДЕЛЬ БАЗА ДАНЫХ </a:t>
-            </a:r>
-            <a:r>
-              <a:rPr lang="en-US" sz="2000" b="1" dirty="0" smtClean="0">
-                <a:latin typeface="Arial" panose="020B0604020202020204" pitchFamily="34" charset="0"/>
-                <a:cs typeface="Arial" panose="020B0604020202020204" pitchFamily="34" charset="0"/>
-              </a:rPr>
-              <a:t>MYSQL Workbench</a:t>
-            </a:r>
-            <a:endParaRPr lang="uk-UA" sz="2000" b="1" dirty="0">
-              <a:latin typeface="Arial" panose="020B0604020202020204" pitchFamily="34" charset="0"/>
-              <a:cs typeface="Arial" panose="020B0604020202020204" pitchFamily="34" charset="0"/>
-            </a:endParaRPr>
-          </a:p>
-        </p:txBody>
-      </p:sp>
-      <p:pic>
-        <p:nvPicPr>
-          <p:cNvPr id="5" name="Объект 4"/>
-          <p:cNvPicPr>
-            <a:picLocks noGrp="1" noChangeAspect="1"/>
-          </p:cNvPicPr>
-          <p:nvPr>
-            <p:ph idx="1"/>
-          </p:nvPr>
-        </p:nvPicPr>
-        <p:blipFill>
-          <a:blip r:embed="rId2">
-            <a:extLst>
-              <a:ext uri="{28A0092B-C50C-407E-A947-70E740481C1C}">
-                <a14:useLocalDpi xmlns:a14="http://schemas.microsoft.com/office/drawing/2010/main" val="0"/>
-              </a:ext>
-            </a:extLst>
-          </a:blip>
-          <a:stretch>
-            <a:fillRect/>
-          </a:stretch>
-        </p:blipFill>
-        <p:spPr>
-          <a:xfrm>
-            <a:off x="3749323" y="1115122"/>
-            <a:ext cx="5191441" cy="5176749"/>
-          </a:xfrm>
-        </p:spPr>
-      </p:pic>
-    </p:spTree>
-    <p:extLst>
-      <p:ext uri="{BB962C8B-B14F-4D97-AF65-F5344CB8AC3E}">
-        <p14:creationId xmlns:p14="http://schemas.microsoft.com/office/powerpoint/2010/main" val="2976218807"/>
-      </p:ext>
-    </p:extLst>
-  </p:cSld>
-  <p:clrMapOvr>
-    <a:masterClrMapping/>
-  </p:clrMapOvr>
-  <p:timing>
-    <p:tnLst>
-      <p:par>
-        <p:cTn id="1" dur="indefinite" restart="never" nodeType="tmRoot"/>
-      </p:par>
-    </p:tnLst>
-  </p:timing>
-</p:sld>
-</file>
-
 <file path=ppt/slides/slide6.xml><?xml version="1.0" encoding="utf-8"?>
 <p:sld xmlns:a="http://schemas.openxmlformats.org/drawingml/2006/main" xmlns:r="http://schemas.openxmlformats.org/officeDocument/2006/relationships" xmlns:p="http://schemas.openxmlformats.org/presentationml/2006/main">
   <p:cSld>
@@ -4704,13 +5925,13 @@
         </p:nvSpPr>
         <p:spPr>
           <a:xfrm>
-            <a:off x="4129881" y="460866"/>
-            <a:ext cx="3932237" cy="434898"/>
+            <a:off x="3235712" y="441325"/>
+            <a:ext cx="5720574" cy="539982"/>
           </a:xfrm>
         </p:spPr>
         <p:txBody>
           <a:bodyPr>
-            <a:normAutofit/>
+            <a:normAutofit fontScale="90000"/>
           </a:bodyPr>
           <a:lstStyle/>
           <a:p>
@@ -4720,14 +5941,14 @@
                 <a:latin typeface="Arial" panose="020B0604020202020204" pitchFamily="34" charset="0"/>
                 <a:cs typeface="Arial" panose="020B0604020202020204" pitchFamily="34" charset="0"/>
               </a:rPr>
-              <a:t>ГРАФИЧЕСКИЙ ИНТЕРФЕЙ</a:t>
+              <a:t>МОДЕЛЬ БАЗЫ ДАННЫХ </a:t>
             </a:r>
             <a:r>
               <a:rPr lang="en-US" sz="2000" b="1" dirty="0" smtClean="0">
                 <a:latin typeface="Arial" panose="020B0604020202020204" pitchFamily="34" charset="0"/>
                 <a:cs typeface="Arial" panose="020B0604020202020204" pitchFamily="34" charset="0"/>
               </a:rPr>
-              <a:t>C</a:t>
+              <a:t>MYSQL Workbench</a:t>
             </a:r>
             <a:endParaRPr lang="uk-UA" sz="2000" b="1" dirty="0">
               <a:latin typeface="Arial" panose="020B0604020202020204" pitchFamily="34" charset="0"/>
@@ -4760,106 +5981,15 @@
         </p:blipFill>
         <p:spPr>
           <a:xfrm>
-            <a:off x="5870927" y="1103524"/>
-            <a:ext cx="4653885" cy="4456896"/>
+            <a:off x="3500278" y="1115122"/>
+            <a:ext cx="5191441" cy="5176749"/>
           </a:xfrm>
-          <a:prstGeom prst="rect">
-            <a:avLst/>
-          </a:prstGeom>
         </p:spPr>
       </p:pic>
-      <p:sp>
-        <p:nvSpPr>
-          <p:cNvPr id="4" name="Текст 3"/>
-          <p:cNvSpPr>
-            <a:spLocks noGrp="1"/>
-          </p:cNvSpPr>
-          <p:nvPr>
-            <p:ph type="body" sz="half" idx="2"/>
-          </p:nvPr>
-        </p:nvSpPr>
-        <p:spPr>
-          <a:xfrm>
-            <a:off x="839788" y="1103524"/>
-            <a:ext cx="4200563" cy="4664656"/>
-          </a:xfrm>
-        </p:spPr>
-        <p:txBody>
-          <a:bodyPr>
-            <a:normAutofit/>
-          </a:bodyPr>
-          <a:lstStyle/>
-          <a:p>
-            <a:r>
-              <a:rPr lang="ru-RU" sz="2000" b="1" dirty="0" smtClean="0">
-                <a:latin typeface="Arial" panose="020B0604020202020204" pitchFamily="34" charset="0"/>
-                <a:cs typeface="Arial" panose="020B0604020202020204" pitchFamily="34" charset="0"/>
-              </a:rPr>
-              <a:t>ГЛАВНАЯ ФОРМА ПРИЛОЖЕНИЯ</a:t>
-            </a:r>
-            <a:endParaRPr lang="uk-UA" sz="2000" b="1" dirty="0" smtClean="0">
-              <a:latin typeface="Arial" panose="020B0604020202020204" pitchFamily="34" charset="0"/>
-              <a:cs typeface="Arial" panose="020B0604020202020204" pitchFamily="34" charset="0"/>
-            </a:endParaRPr>
-          </a:p>
-          <a:p>
-            <a:pPr marL="285750" indent="-285750">
-              <a:buFont typeface="Arial" panose="020B0604020202020204" pitchFamily="34" charset="0"/>
-              <a:buChar char="•"/>
-            </a:pPr>
-            <a:r>
-              <a:rPr lang="ru-RU" sz="1800" dirty="0" smtClean="0">
-                <a:latin typeface="Arial" panose="020B0604020202020204" pitchFamily="34" charset="0"/>
-                <a:cs typeface="Arial" panose="020B0604020202020204" pitchFamily="34" charset="0"/>
-              </a:rPr>
-              <a:t>Учет полисов</a:t>
-            </a:r>
-          </a:p>
-          <a:p>
-            <a:pPr marL="285750" indent="-285750">
-              <a:buFont typeface="Arial" panose="020B0604020202020204" pitchFamily="34" charset="0"/>
-              <a:buChar char="•"/>
-            </a:pPr>
-            <a:r>
-              <a:rPr lang="ru-RU" sz="1800" dirty="0" smtClean="0">
-                <a:latin typeface="Arial" panose="020B0604020202020204" pitchFamily="34" charset="0"/>
-                <a:cs typeface="Arial" panose="020B0604020202020204" pitchFamily="34" charset="0"/>
-              </a:rPr>
-              <a:t>Ввод договоров</a:t>
-            </a:r>
-          </a:p>
-          <a:p>
-            <a:pPr marL="285750" indent="-285750">
-              <a:buFont typeface="Arial" panose="020B0604020202020204" pitchFamily="34" charset="0"/>
-              <a:buChar char="•"/>
-            </a:pPr>
-            <a:r>
-              <a:rPr lang="ru-RU" sz="1800" dirty="0" smtClean="0">
-                <a:latin typeface="Arial" panose="020B0604020202020204" pitchFamily="34" charset="0"/>
-                <a:cs typeface="Arial" panose="020B0604020202020204" pitchFamily="34" charset="0"/>
-              </a:rPr>
-              <a:t>Коэффициенты</a:t>
-            </a:r>
-          </a:p>
-          <a:p>
-            <a:pPr marL="285750" indent="-285750">
-              <a:buFont typeface="Arial" panose="020B0604020202020204" pitchFamily="34" charset="0"/>
-              <a:buChar char="•"/>
-            </a:pPr>
-            <a:r>
-              <a:rPr lang="ru-RU" sz="1800" dirty="0" smtClean="0">
-                <a:latin typeface="Arial" panose="020B0604020202020204" pitchFamily="34" charset="0"/>
-                <a:cs typeface="Arial" panose="020B0604020202020204" pitchFamily="34" charset="0"/>
-              </a:rPr>
-              <a:t>Страховые события</a:t>
-            </a:r>
-          </a:p>
-        </p:txBody>
-      </p:sp>
     </p:spTree>
     <p:extLst>
       <p:ext uri="{BB962C8B-B14F-4D97-AF65-F5344CB8AC3E}">
-        <p14:creationId xmlns:p14="http://schemas.microsoft.com/office/powerpoint/2010/main" val="3421051791"/>
+        <p14:creationId xmlns:p14="http://schemas.microsoft.com/office/powerpoint/2010/main" val="2976218807"/>
       </p:ext>
     </p:extLst>
   </p:cSld>
@@ -4905,8 +6035,8 @@
         </p:nvSpPr>
         <p:spPr>
           <a:xfrm>
-            <a:off x="3717179" y="460866"/>
-            <a:ext cx="4757641" cy="434898"/>
+            <a:off x="1752600" y="342900"/>
+            <a:ext cx="9474200" cy="760624"/>
           </a:xfrm>
         </p:spPr>
         <p:txBody>
@@ -4921,7 +6051,20 @@
                 <a:latin typeface="Arial" panose="020B0604020202020204" pitchFamily="34" charset="0"/>
                 <a:cs typeface="Arial" panose="020B0604020202020204" pitchFamily="34" charset="0"/>
               </a:rPr>
-              <a:t>ФОРМА УЧЕТА ПОЛИСОВ</a:t>
+              <a:t>АНАЛИЗ ФИНАНСОВОЙ ДЕЯТЕЛЬНОСТИ СТРАХОВОЙ КОМПАНИИ</a:t>
+            </a:r>
+            <a:br>
+              <a:rPr lang="ru-RU" sz="2000" b="1" dirty="0" smtClean="0">
+                <a:latin typeface="Arial" panose="020B0604020202020204" pitchFamily="34" charset="0"/>
+                <a:cs typeface="Arial" panose="020B0604020202020204" pitchFamily="34" charset="0"/>
+              </a:rPr>
+            </a:br>
+            <a:r>
+              <a:rPr lang="ru-RU" sz="2000" b="1" dirty="0" smtClean="0">
+                <a:latin typeface="Arial" panose="020B0604020202020204" pitchFamily="34" charset="0"/>
+                <a:cs typeface="Arial" panose="020B0604020202020204" pitchFamily="34" charset="0"/>
+              </a:rPr>
+              <a:t>ПОЛУЧЕНИЕ ПОКАЗАТЕЛЕЙ СТРАХОВОЙ СТАТИСТИКИ</a:t>
             </a:r>
             <a:endParaRPr lang="uk-UA" sz="2000" b="1" dirty="0">
               <a:latin typeface="Arial" panose="020B0604020202020204" pitchFamily="34" charset="0"/>
@@ -4942,8 +6085,8 @@
         </p:nvSpPr>
         <p:spPr>
           <a:xfrm>
-            <a:off x="839788" y="1103524"/>
-            <a:ext cx="4200563" cy="4664656"/>
+            <a:off x="788988" y="1103524"/>
+            <a:ext cx="7021512" cy="4664656"/>
           </a:xfrm>
         </p:spPr>
         <p:txBody>
@@ -4951,6 +6094,19 @@
             <a:normAutofit/>
           </a:bodyPr>
           <a:lstStyle/>
+          <a:p>
+            <a:r>
+              <a:rPr lang="ru-RU" sz="2000" b="1" dirty="0" smtClean="0">
+                <a:latin typeface="Arial" panose="020B0604020202020204" pitchFamily="34" charset="0"/>
+                <a:cs typeface="Arial" panose="020B0604020202020204" pitchFamily="34" charset="0"/>
+              </a:rPr>
+              <a:t>Абсолютные показатели страховой статистики</a:t>
+            </a:r>
+            <a:endParaRPr lang="uk-UA" sz="2000" b="1" dirty="0" smtClean="0">
+              <a:latin typeface="Arial" panose="020B0604020202020204" pitchFamily="34" charset="0"/>
+              <a:cs typeface="Arial" panose="020B0604020202020204" pitchFamily="34" charset="0"/>
+            </a:endParaRPr>
+          </a:p>
           <a:p>
             <a:pPr marL="285750" indent="-285750">
               <a:buFont typeface="Arial" panose="020B0604020202020204" pitchFamily="34" charset="0"/>
@@ -4961,7 +6117,7 @@
                 <a:latin typeface="Arial" panose="020B0604020202020204" pitchFamily="34" charset="0"/>
                 <a:cs typeface="Arial" panose="020B0604020202020204" pitchFamily="34" charset="0"/>
               </a:rPr>
-              <a:t>Информация о всех выписанных полисах</a:t>
+              <a:t>Число объектов страхования</a:t>
             </a:r>
           </a:p>
           <a:p>
@@ -4974,7 +6130,7 @@
                 <a:latin typeface="Arial" panose="020B0604020202020204" pitchFamily="34" charset="0"/>
                 <a:cs typeface="Arial" panose="020B0604020202020204" pitchFamily="34" charset="0"/>
               </a:rPr>
-              <a:t>Поиск по полисам</a:t>
+              <a:t>Число страховых событий </a:t>
             </a:r>
           </a:p>
           <a:p>
@@ -4987,7 +6143,7 @@
                 <a:latin typeface="Arial" panose="020B0604020202020204" pitchFamily="34" charset="0"/>
                 <a:cs typeface="Arial" panose="020B0604020202020204" pitchFamily="34" charset="0"/>
               </a:rPr>
-              <a:t>Создание страхового события</a:t>
+              <a:t>Число пострадавших объектов в результате страховых событий</a:t>
             </a:r>
           </a:p>
           <a:p>
@@ -5000,47 +6156,167 @@
                 <a:latin typeface="Arial" panose="020B0604020202020204" pitchFamily="34" charset="0"/>
                 <a:cs typeface="Arial" panose="020B0604020202020204" pitchFamily="34" charset="0"/>
               </a:rPr>
-              <a:t>Импорт</a:t>
-            </a:r>
-          </a:p>
-        </p:txBody>
-      </p:sp>
-      <p:pic>
-        <p:nvPicPr>
-          <p:cNvPr id="7" name="Объект 6"/>
-          <p:cNvPicPr>
-            <a:picLocks noGrp="1" noChangeAspect="1"/>
-          </p:cNvPicPr>
-          <p:nvPr>
-            <p:ph idx="1"/>
-          </p:nvPr>
-        </p:nvPicPr>
-        <p:blipFill>
-          <a:blip r:embed="rId2">
-            <a:extLst>
-              <a:ext uri="{28A0092B-C50C-407E-A947-70E740481C1C}">
-                <a14:useLocalDpi xmlns:a14="http://schemas.microsoft.com/office/drawing/2010/main" val="0"/>
-              </a:ext>
-            </a:extLst>
-          </a:blip>
-          <a:stretch>
-            <a:fillRect/>
-          </a:stretch>
-        </p:blipFill>
-        <p:spPr>
+              <a:t>Сумма собранных страховых платежей</a:t>
+            </a:r>
+          </a:p>
+          <a:p>
+            <a:pPr marL="285750" indent="-285750">
+              <a:buFont typeface="Arial" panose="020B0604020202020204" pitchFamily="34" charset="0"/>
+              <a:buChar char="•"/>
+            </a:pPr>
+            <a:r>
+              <a:rPr lang="ru-RU" sz="1800" dirty="0" smtClean="0">
+                <a:latin typeface="Arial" panose="020B0604020202020204" pitchFamily="34" charset="0"/>
+                <a:cs typeface="Arial" panose="020B0604020202020204" pitchFamily="34" charset="0"/>
+              </a:rPr>
+              <a:t>Сумма выплаченного страхового возмещения</a:t>
+            </a:r>
+          </a:p>
+          <a:p>
+            <a:pPr marL="285750" indent="-285750">
+              <a:buFont typeface="Arial" panose="020B0604020202020204" pitchFamily="34" charset="0"/>
+              <a:buChar char="•"/>
+            </a:pPr>
+            <a:r>
+              <a:rPr lang="ru-RU" sz="1800" dirty="0" smtClean="0">
+                <a:latin typeface="Arial" panose="020B0604020202020204" pitchFamily="34" charset="0"/>
+                <a:cs typeface="Arial" panose="020B0604020202020204" pitchFamily="34" charset="0"/>
+              </a:rPr>
+              <a:t>Страховая сумма всех объектов страхования</a:t>
+            </a:r>
+          </a:p>
+        </p:txBody>
+      </p:sp>
+      <p:sp>
+        <p:nvSpPr>
+          <p:cNvPr id="8" name="Rectangle 4"/>
+          <p:cNvSpPr>
+            <a:spLocks noChangeArrowheads="1"/>
+          </p:cNvSpPr>
+          <p:nvPr/>
+        </p:nvSpPr>
+        <p:spPr bwMode="auto">
           <a:xfrm>
-            <a:off x="5389083" y="1103524"/>
-            <a:ext cx="5754059" cy="3529865"/>
+            <a:off x="0" y="0"/>
+            <a:ext cx="12192000" cy="0"/>
           </a:xfrm>
           <a:prstGeom prst="rect">
             <a:avLst/>
           </a:prstGeom>
+          <a:noFill/>
+          <a:ln>
+            <a:noFill/>
+          </a:ln>
+          <a:effectLst/>
+          <a:extLst>
+            <a:ext uri="{909E8E84-426E-40DD-AFC4-6F175D3DCCD1}">
+              <a14:hiddenFill xmlns:a14="http://schemas.microsoft.com/office/drawing/2010/main">
+                <a:solidFill>
+                  <a:schemeClr val="accent1"/>
+                </a:solidFill>
+              </a14:hiddenFill>
+            </a:ext>
+            <a:ext uri="{91240B29-F687-4F45-9708-019B960494DF}">
+              <a14:hiddenLine xmlns:a14="http://schemas.microsoft.com/office/drawing/2010/main" w="9525">
+                <a:solidFill>
+                  <a:schemeClr val="tx1"/>
+                </a:solidFill>
+                <a:miter lim="800000"/>
+                <a:headEnd/>
+                <a:tailEnd/>
+              </a14:hiddenLine>
+            </a:ext>
+            <a:ext uri="{AF507438-7753-43E0-B8FC-AC1667EBCBE1}">
+              <a14:hiddenEffects xmlns:a14="http://schemas.microsoft.com/office/drawing/2010/main">
+                <a:effectLst>
+                  <a:outerShdw dist="35921" dir="2700000" algn="ctr" rotWithShape="0">
+                    <a:schemeClr val="bg2"/>
+                  </a:outerShdw>
+                </a:effectLst>
+              </a14:hiddenEffects>
+            </a:ext>
+          </a:extLst>
         </p:spPr>
-      </p:pic>
+        <p:txBody>
+          <a:bodyPr vert="horz" wrap="none" lIns="91440" tIns="45720" rIns="91440" bIns="45720" numCol="1" anchor="ctr" anchorCtr="0" compatLnSpc="1">
+            <a:prstTxWarp prst="textNoShape">
+              <a:avLst/>
+            </a:prstTxWarp>
+            <a:spAutoFit/>
+          </a:bodyPr>
+          <a:lstStyle/>
+          <a:p>
+            <a:endParaRPr lang="ru-RU"/>
+          </a:p>
+        </p:txBody>
+      </p:sp>
+      <p:sp>
+        <p:nvSpPr>
+          <p:cNvPr id="11" name="Rectangle 6"/>
+          <p:cNvSpPr>
+            <a:spLocks noChangeArrowheads="1"/>
+          </p:cNvSpPr>
+          <p:nvPr/>
+        </p:nvSpPr>
+        <p:spPr bwMode="auto">
+          <a:xfrm>
+            <a:off x="0" y="0"/>
+            <a:ext cx="12192000" cy="0"/>
+          </a:xfrm>
+          <a:prstGeom prst="rect">
+            <a:avLst/>
+          </a:prstGeom>
+          <a:noFill/>
+          <a:ln>
+            <a:noFill/>
+          </a:ln>
+          <a:effectLst/>
+          <a:extLst>
+            <a:ext uri="{909E8E84-426E-40DD-AFC4-6F175D3DCCD1}">
+              <a14:hiddenFill xmlns:a14="http://schemas.microsoft.com/office/drawing/2010/main">
+                <a:solidFill>
+                  <a:schemeClr val="accent1"/>
+                </a:solidFill>
+              </a14:hiddenFill>
+            </a:ext>
+            <a:ext uri="{91240B29-F687-4F45-9708-019B960494DF}">
+              <a14:hiddenLine xmlns:a14="http://schemas.microsoft.com/office/drawing/2010/main" w="9525">
+                <a:solidFill>
+                  <a:schemeClr val="tx1"/>
+                </a:solidFill>
+                <a:miter lim="800000"/>
+                <a:headEnd/>
+                <a:tailEnd/>
+              </a14:hiddenLine>
+            </a:ext>
+            <a:ext uri="{AF507438-7753-43E0-B8FC-AC1667EBCBE1}">
+              <a14:hiddenEffects xmlns:a14="http://schemas.microsoft.com/office/drawing/2010/main">
+                <a:effectLst>
+                  <a:outerShdw dist="35921" dir="2700000" algn="ctr" rotWithShape="0">
+                    <a:schemeClr val="bg2"/>
+                  </a:outerShdw>
+                </a:effectLst>
+              </a14:hiddenEffects>
+            </a:ext>
+          </a:extLst>
+        </p:spPr>
+        <p:txBody>
+          <a:bodyPr vert="horz" wrap="none" lIns="91440" tIns="45720" rIns="91440" bIns="45720" numCol="1" anchor="ctr" anchorCtr="0" compatLnSpc="1">
+            <a:prstTxWarp prst="textNoShape">
+              <a:avLst/>
+            </a:prstTxWarp>
+            <a:spAutoFit/>
+          </a:bodyPr>
+          <a:lstStyle/>
+          <a:p>
+            <a:endParaRPr lang="ru-RU"/>
+          </a:p>
+        </p:txBody>
+      </p:sp>
     </p:spTree>
     <p:extLst>
       <p:ext uri="{BB962C8B-B14F-4D97-AF65-F5344CB8AC3E}">
-        <p14:creationId xmlns:p14="http://schemas.microsoft.com/office/powerpoint/2010/main" val="248730047"/>
+        <p14:creationId xmlns:p14="http://schemas.microsoft.com/office/powerpoint/2010/main" val="3421051791"/>
       </p:ext>
     </p:extLst>
   </p:cSld>
@@ -5076,18 +6352,18 @@
       </p:grpSpPr>
       <p:sp>
         <p:nvSpPr>
-          <p:cNvPr id="2" name="Заголовок 1"/>
-          <p:cNvSpPr>
-            <a:spLocks noGrp="1"/>
-          </p:cNvSpPr>
-          <p:nvPr>
-            <p:ph type="title"/>
+          <p:cNvPr id="4" name="Текст 3"/>
+          <p:cNvSpPr>
+            <a:spLocks noGrp="1"/>
+          </p:cNvSpPr>
+          <p:nvPr>
+            <p:ph type="body" sz="half" idx="2"/>
           </p:nvPr>
         </p:nvSpPr>
         <p:spPr>
           <a:xfrm>
-            <a:off x="3717179" y="460866"/>
-            <a:ext cx="4757641" cy="434898"/>
+            <a:off x="344488" y="532024"/>
+            <a:ext cx="5751512" cy="4664656"/>
           </a:xfrm>
         </p:spPr>
         <p:txBody>
@@ -5096,42 +6372,18 @@
           </a:bodyPr>
           <a:lstStyle/>
           <a:p>
-            <a:pPr algn="ctr"/>
             <a:r>
               <a:rPr lang="ru-RU" sz="2000" b="1" dirty="0" smtClean="0">
                 <a:latin typeface="Arial" panose="020B0604020202020204" pitchFamily="34" charset="0"/>
                 <a:cs typeface="Arial" panose="020B0604020202020204" pitchFamily="34" charset="0"/>
               </a:rPr>
-              <a:t>СПРАВОЧНИКИ КОЭФФИЦИЕНТОВ</a:t>
-            </a:r>
-            <a:endParaRPr lang="uk-UA" sz="2000" b="1" dirty="0">
+              <a:t>Расчетные показатели страховой статистики</a:t>
+            </a:r>
+            <a:endParaRPr lang="uk-UA" sz="2000" b="1" dirty="0" smtClean="0">
               <a:latin typeface="Arial" panose="020B0604020202020204" pitchFamily="34" charset="0"/>
               <a:cs typeface="Arial" panose="020B0604020202020204" pitchFamily="34" charset="0"/>
             </a:endParaRPr>
           </a:p>
-        </p:txBody>
-      </p:sp>
-      <p:sp>
-        <p:nvSpPr>
-          <p:cNvPr id="4" name="Текст 3"/>
-          <p:cNvSpPr>
-            <a:spLocks noGrp="1"/>
-          </p:cNvSpPr>
-          <p:nvPr>
-            <p:ph type="body" sz="half" idx="2"/>
-          </p:nvPr>
-        </p:nvSpPr>
-        <p:spPr>
-          <a:xfrm>
-            <a:off x="839788" y="1103524"/>
-            <a:ext cx="4200563" cy="4664656"/>
-          </a:xfrm>
-        </p:spPr>
-        <p:txBody>
-          <a:bodyPr>
-            <a:normAutofit/>
-          </a:bodyPr>
-          <a:lstStyle/>
           <a:p>
             <a:pPr marL="285750" indent="-285750">
               <a:buFont typeface="Arial" panose="020B0604020202020204" pitchFamily="34" charset="0"/>
@@ -5142,7 +6394,7 @@
                 <a:latin typeface="Arial" panose="020B0604020202020204" pitchFamily="34" charset="0"/>
                 <a:cs typeface="Arial" panose="020B0604020202020204" pitchFamily="34" charset="0"/>
               </a:rPr>
-              <a:t>Ускорение ввода</a:t>
+              <a:t>Частота страховых случаев</a:t>
             </a:r>
           </a:p>
           <a:p>
@@ -5155,7 +6407,7 @@
                 <a:latin typeface="Arial" panose="020B0604020202020204" pitchFamily="34" charset="0"/>
                 <a:cs typeface="Arial" panose="020B0604020202020204" pitchFamily="34" charset="0"/>
               </a:rPr>
-              <a:t>Ограничение ввода не корректной информации</a:t>
+              <a:t>Коэффициент кумуляции риска</a:t>
             </a:r>
           </a:p>
           <a:p>
@@ -5168,7 +6420,7 @@
                 <a:latin typeface="Arial" panose="020B0604020202020204" pitchFamily="34" charset="0"/>
                 <a:cs typeface="Arial" panose="020B0604020202020204" pitchFamily="34" charset="0"/>
               </a:rPr>
-              <a:t>Возможность редактирования данных</a:t>
+              <a:t>Средняя страховая сумма на один объект страхования</a:t>
             </a:r>
           </a:p>
           <a:p>
@@ -5181,7 +6433,7 @@
                 <a:latin typeface="Arial" panose="020B0604020202020204" pitchFamily="34" charset="0"/>
                 <a:cs typeface="Arial" panose="020B0604020202020204" pitchFamily="34" charset="0"/>
               </a:rPr>
-              <a:t>Изменения стоимость страховых продуктов</a:t>
+              <a:t>Средняя страховая сумма на один пострадавший объект</a:t>
             </a:r>
           </a:p>
           <a:p>
@@ -5189,79 +6441,1013 @@
               <a:buFont typeface="Arial" panose="020B0604020202020204" pitchFamily="34" charset="0"/>
               <a:buChar char="•"/>
             </a:pPr>
-            <a:endParaRPr lang="ru-RU" sz="1800" dirty="0" smtClean="0">
-              <a:latin typeface="Arial" panose="020B0604020202020204" pitchFamily="34" charset="0"/>
-              <a:cs typeface="Arial" panose="020B0604020202020204" pitchFamily="34" charset="0"/>
-            </a:endParaRPr>
-          </a:p>
-        </p:txBody>
-      </p:sp>
-      <p:pic>
-        <p:nvPicPr>
-          <p:cNvPr id="6" name="Объект 5"/>
-          <p:cNvPicPr>
-            <a:picLocks noGrp="1" noChangeAspect="1"/>
-          </p:cNvPicPr>
-          <p:nvPr>
-            <p:ph idx="1"/>
-          </p:nvPr>
-        </p:nvPicPr>
-        <p:blipFill>
-          <a:blip r:embed="rId2">
-            <a:extLst>
-              <a:ext uri="{28A0092B-C50C-407E-A947-70E740481C1C}">
-                <a14:useLocalDpi xmlns:a14="http://schemas.microsoft.com/office/drawing/2010/main" val="0"/>
-              </a:ext>
-            </a:extLst>
-          </a:blip>
-          <a:stretch>
-            <a:fillRect/>
-          </a:stretch>
-        </p:blipFill>
-        <p:spPr>
+            <a:r>
+              <a:rPr lang="ru-RU" sz="1800" dirty="0" smtClean="0">
+                <a:latin typeface="Arial" panose="020B0604020202020204" pitchFamily="34" charset="0"/>
+                <a:cs typeface="Arial" panose="020B0604020202020204" pitchFamily="34" charset="0"/>
+              </a:rPr>
+              <a:t>Убыточность страховой суммы, или вероятность ущерба</a:t>
+            </a:r>
+          </a:p>
+          <a:p>
+            <a:pPr marL="285750" indent="-285750">
+              <a:buFont typeface="Arial" panose="020B0604020202020204" pitchFamily="34" charset="0"/>
+              <a:buChar char="•"/>
+            </a:pPr>
+            <a:r>
+              <a:rPr lang="ru-RU" sz="1800" dirty="0" smtClean="0">
+                <a:latin typeface="Arial" panose="020B0604020202020204" pitchFamily="34" charset="0"/>
+                <a:cs typeface="Arial" panose="020B0604020202020204" pitchFamily="34" charset="0"/>
+              </a:rPr>
+              <a:t>Норма убыточности или коэффициент выплат</a:t>
+            </a:r>
+          </a:p>
+          <a:p>
+            <a:pPr marL="285750" indent="-285750">
+              <a:buFont typeface="Arial" panose="020B0604020202020204" pitchFamily="34" charset="0"/>
+              <a:buChar char="•"/>
+            </a:pPr>
+            <a:r>
+              <a:rPr lang="ru-RU" sz="1800" dirty="0" smtClean="0">
+                <a:latin typeface="Arial" panose="020B0604020202020204" pitchFamily="34" charset="0"/>
+                <a:cs typeface="Arial" panose="020B0604020202020204" pitchFamily="34" charset="0"/>
+              </a:rPr>
+              <a:t>Частота ущерба</a:t>
+            </a:r>
+          </a:p>
+        </p:txBody>
+      </p:sp>
+      <p:sp>
+        <p:nvSpPr>
+          <p:cNvPr id="8" name="Rectangle 4"/>
+          <p:cNvSpPr>
+            <a:spLocks noChangeArrowheads="1"/>
+          </p:cNvSpPr>
+          <p:nvPr/>
+        </p:nvSpPr>
+        <p:spPr bwMode="auto">
           <a:xfrm>
-            <a:off x="5974507" y="1103524"/>
-            <a:ext cx="5000625" cy="2551988"/>
+            <a:off x="0" y="0"/>
+            <a:ext cx="12192000" cy="0"/>
           </a:xfrm>
           <a:prstGeom prst="rect">
             <a:avLst/>
           </a:prstGeom>
+          <a:noFill/>
+          <a:ln>
+            <a:noFill/>
+          </a:ln>
+          <a:effectLst/>
+          <a:extLst>
+            <a:ext uri="{909E8E84-426E-40DD-AFC4-6F175D3DCCD1}">
+              <a14:hiddenFill xmlns:a14="http://schemas.microsoft.com/office/drawing/2010/main">
+                <a:solidFill>
+                  <a:schemeClr val="accent1"/>
+                </a:solidFill>
+              </a14:hiddenFill>
+            </a:ext>
+            <a:ext uri="{91240B29-F687-4F45-9708-019B960494DF}">
+              <a14:hiddenLine xmlns:a14="http://schemas.microsoft.com/office/drawing/2010/main" w="9525">
+                <a:solidFill>
+                  <a:schemeClr val="tx1"/>
+                </a:solidFill>
+                <a:miter lim="800000"/>
+                <a:headEnd/>
+                <a:tailEnd/>
+              </a14:hiddenLine>
+            </a:ext>
+            <a:ext uri="{AF507438-7753-43E0-B8FC-AC1667EBCBE1}">
+              <a14:hiddenEffects xmlns:a14="http://schemas.microsoft.com/office/drawing/2010/main">
+                <a:effectLst>
+                  <a:outerShdw dist="35921" dir="2700000" algn="ctr" rotWithShape="0">
+                    <a:schemeClr val="bg2"/>
+                  </a:outerShdw>
+                </a:effectLst>
+              </a14:hiddenEffects>
+            </a:ext>
+          </a:extLst>
         </p:spPr>
-      </p:pic>
-      <p:pic>
-        <p:nvPicPr>
-          <p:cNvPr id="5" name="Объект 5"/>
-          <p:cNvPicPr>
-            <a:picLocks noChangeAspect="1"/>
-          </p:cNvPicPr>
+        <p:txBody>
+          <a:bodyPr vert="horz" wrap="none" lIns="91440" tIns="45720" rIns="91440" bIns="45720" numCol="1" anchor="ctr" anchorCtr="0" compatLnSpc="1">
+            <a:prstTxWarp prst="textNoShape">
+              <a:avLst/>
+            </a:prstTxWarp>
+            <a:spAutoFit/>
+          </a:bodyPr>
+          <a:lstStyle/>
+          <a:p>
+            <a:endParaRPr lang="ru-RU"/>
+          </a:p>
+        </p:txBody>
+      </p:sp>
+      <p:sp>
+        <p:nvSpPr>
+          <p:cNvPr id="11" name="Rectangle 6"/>
+          <p:cNvSpPr>
+            <a:spLocks noChangeArrowheads="1"/>
+          </p:cNvSpPr>
           <p:nvPr/>
-        </p:nvPicPr>
-        <p:blipFill>
-          <a:blip r:embed="rId3">
-            <a:extLst>
-              <a:ext uri="{28A0092B-C50C-407E-A947-70E740481C1C}">
-                <a14:useLocalDpi xmlns:a14="http://schemas.microsoft.com/office/drawing/2010/main" val="0"/>
-              </a:ext>
-            </a:extLst>
-          </a:blip>
-          <a:stretch>
-            <a:fillRect/>
-          </a:stretch>
-        </p:blipFill>
-        <p:spPr>
+        </p:nvSpPr>
+        <p:spPr bwMode="auto">
           <a:xfrm>
-            <a:off x="5974506" y="3897254"/>
-            <a:ext cx="5000625" cy="2484023"/>
+            <a:off x="0" y="0"/>
+            <a:ext cx="12192000" cy="0"/>
           </a:xfrm>
           <a:prstGeom prst="rect">
             <a:avLst/>
           </a:prstGeom>
+          <a:noFill/>
+          <a:ln>
+            <a:noFill/>
+          </a:ln>
+          <a:effectLst/>
+          <a:extLst>
+            <a:ext uri="{909E8E84-426E-40DD-AFC4-6F175D3DCCD1}">
+              <a14:hiddenFill xmlns:a14="http://schemas.microsoft.com/office/drawing/2010/main">
+                <a:solidFill>
+                  <a:schemeClr val="accent1"/>
+                </a:solidFill>
+              </a14:hiddenFill>
+            </a:ext>
+            <a:ext uri="{91240B29-F687-4F45-9708-019B960494DF}">
+              <a14:hiddenLine xmlns:a14="http://schemas.microsoft.com/office/drawing/2010/main" w="9525">
+                <a:solidFill>
+                  <a:schemeClr val="tx1"/>
+                </a:solidFill>
+                <a:miter lim="800000"/>
+                <a:headEnd/>
+                <a:tailEnd/>
+              </a14:hiddenLine>
+            </a:ext>
+            <a:ext uri="{AF507438-7753-43E0-B8FC-AC1667EBCBE1}">
+              <a14:hiddenEffects xmlns:a14="http://schemas.microsoft.com/office/drawing/2010/main">
+                <a:effectLst>
+                  <a:outerShdw dist="35921" dir="2700000" algn="ctr" rotWithShape="0">
+                    <a:schemeClr val="bg2"/>
+                  </a:outerShdw>
+                </a:effectLst>
+              </a14:hiddenEffects>
+            </a:ext>
+          </a:extLst>
         </p:spPr>
-      </p:pic>
+        <p:txBody>
+          <a:bodyPr vert="horz" wrap="none" lIns="91440" tIns="45720" rIns="91440" bIns="45720" numCol="1" anchor="ctr" anchorCtr="0" compatLnSpc="1">
+            <a:prstTxWarp prst="textNoShape">
+              <a:avLst/>
+            </a:prstTxWarp>
+            <a:spAutoFit/>
+          </a:bodyPr>
+          <a:lstStyle/>
+          <a:p>
+            <a:endParaRPr lang="ru-RU"/>
+          </a:p>
+        </p:txBody>
+      </p:sp>
+      <p:sp>
+        <p:nvSpPr>
+          <p:cNvPr id="3" name="Rectangle 2"/>
+          <p:cNvSpPr>
+            <a:spLocks noChangeArrowheads="1"/>
+          </p:cNvSpPr>
+          <p:nvPr/>
+        </p:nvSpPr>
+        <p:spPr bwMode="auto">
+          <a:xfrm>
+            <a:off x="3975100" y="1142999"/>
+            <a:ext cx="16589375" cy="45719"/>
+          </a:xfrm>
+          <a:prstGeom prst="rect">
+            <a:avLst/>
+          </a:prstGeom>
+          <a:noFill/>
+          <a:ln>
+            <a:noFill/>
+          </a:ln>
+          <a:effectLst/>
+          <a:extLst>
+            <a:ext uri="{909E8E84-426E-40DD-AFC4-6F175D3DCCD1}">
+              <a14:hiddenFill xmlns:a14="http://schemas.microsoft.com/office/drawing/2010/main">
+                <a:solidFill>
+                  <a:schemeClr val="accent1"/>
+                </a:solidFill>
+              </a14:hiddenFill>
+            </a:ext>
+            <a:ext uri="{91240B29-F687-4F45-9708-019B960494DF}">
+              <a14:hiddenLine xmlns:a14="http://schemas.microsoft.com/office/drawing/2010/main" w="9525">
+                <a:solidFill>
+                  <a:schemeClr val="tx1"/>
+                </a:solidFill>
+                <a:miter lim="800000"/>
+                <a:headEnd/>
+                <a:tailEnd/>
+              </a14:hiddenLine>
+            </a:ext>
+            <a:ext uri="{AF507438-7753-43E0-B8FC-AC1667EBCBE1}">
+              <a14:hiddenEffects xmlns:a14="http://schemas.microsoft.com/office/drawing/2010/main">
+                <a:effectLst>
+                  <a:outerShdw dist="35921" dir="2700000" algn="ctr" rotWithShape="0">
+                    <a:schemeClr val="bg2"/>
+                  </a:outerShdw>
+                </a:effectLst>
+              </a14:hiddenEffects>
+            </a:ext>
+          </a:extLst>
+        </p:spPr>
+        <p:txBody>
+          <a:bodyPr vert="horz" wrap="square" lIns="91440" tIns="45720" rIns="91440" bIns="45720" numCol="1" anchor="ctr" anchorCtr="0" compatLnSpc="1">
+            <a:prstTxWarp prst="textNoShape">
+              <a:avLst/>
+            </a:prstTxWarp>
+            <a:spAutoFit/>
+          </a:bodyPr>
+          <a:lstStyle/>
+          <a:p>
+            <a:endParaRPr lang="ru-RU"/>
+          </a:p>
+        </p:txBody>
+      </p:sp>
+      <p:graphicFrame>
+        <p:nvGraphicFramePr>
+          <p:cNvPr id="5" name="Объект 4"/>
+          <p:cNvGraphicFramePr>
+            <a:graphicFrameLocks noChangeAspect="1"/>
+          </p:cNvGraphicFramePr>
+          <p:nvPr>
+            <p:extLst>
+              <p:ext uri="{D42A27DB-BD31-4B8C-83A1-F6EECF244321}">
+                <p14:modId xmlns:p14="http://schemas.microsoft.com/office/powerpoint/2010/main" val="221667657"/>
+              </p:ext>
+            </p:extLst>
+          </p:nvPr>
+        </p:nvGraphicFramePr>
+        <p:xfrm>
+          <a:off x="3975100" y="1143000"/>
+          <a:ext cx="977900" cy="366713"/>
+        </p:xfrm>
+        <a:graphic>
+          <a:graphicData uri="http://schemas.openxmlformats.org/presentationml/2006/ole">
+            <mc:AlternateContent xmlns:mc="http://schemas.openxmlformats.org/markup-compatibility/2006">
+              <mc:Choice xmlns:v="urn:schemas-microsoft-com:vml" Requires="v">
+                <p:oleObj spid="_x0000_s2159" name="Уравнение" r:id="rId3" imgW="609600" imgH="228600" progId="Equation.3">
+                  <p:embed/>
+                </p:oleObj>
+              </mc:Choice>
+              <mc:Fallback>
+                <p:oleObj name="Уравнение" r:id="rId3" imgW="609600" imgH="228600" progId="Equation.3">
+                  <p:embed/>
+                  <p:pic>
+                    <p:nvPicPr>
+                      <p:cNvPr id="0" name="Object 1"/>
+                      <p:cNvPicPr>
+                        <a:picLocks noChangeAspect="1" noChangeArrowheads="1"/>
+                      </p:cNvPicPr>
+                      <p:nvPr/>
+                    </p:nvPicPr>
+                    <p:blipFill>
+                      <a:blip r:embed="rId4">
+                        <a:extLst>
+                          <a:ext uri="{28A0092B-C50C-407E-A947-70E740481C1C}">
+                            <a14:useLocalDpi xmlns:a14="http://schemas.microsoft.com/office/drawing/2010/main" val="0"/>
+                          </a:ext>
+                        </a:extLst>
+                      </a:blip>
+                      <a:srcRect/>
+                      <a:stretch>
+                        <a:fillRect/>
+                      </a:stretch>
+                    </p:blipFill>
+                    <p:spPr bwMode="auto">
+                      <a:xfrm>
+                        <a:off x="3975100" y="1143000"/>
+                        <a:ext cx="977900" cy="366713"/>
+                      </a:xfrm>
+                      <a:prstGeom prst="rect">
+                        <a:avLst/>
+                      </a:prstGeom>
+                      <a:noFill/>
+                    </p:spPr>
+                  </p:pic>
+                </p:oleObj>
+              </mc:Fallback>
+            </mc:AlternateContent>
+          </a:graphicData>
+        </a:graphic>
+      </p:graphicFrame>
+      <p:sp>
+        <p:nvSpPr>
+          <p:cNvPr id="6" name="Rectangle 4"/>
+          <p:cNvSpPr>
+            <a:spLocks noChangeArrowheads="1"/>
+          </p:cNvSpPr>
+          <p:nvPr/>
+        </p:nvSpPr>
+        <p:spPr bwMode="auto">
+          <a:xfrm>
+            <a:off x="0" y="0"/>
+            <a:ext cx="12192000" cy="0"/>
+          </a:xfrm>
+          <a:prstGeom prst="rect">
+            <a:avLst/>
+          </a:prstGeom>
+          <a:noFill/>
+          <a:ln>
+            <a:noFill/>
+          </a:ln>
+          <a:effectLst/>
+          <a:extLst>
+            <a:ext uri="{909E8E84-426E-40DD-AFC4-6F175D3DCCD1}">
+              <a14:hiddenFill xmlns:a14="http://schemas.microsoft.com/office/drawing/2010/main">
+                <a:solidFill>
+                  <a:schemeClr val="accent1"/>
+                </a:solidFill>
+              </a14:hiddenFill>
+            </a:ext>
+            <a:ext uri="{91240B29-F687-4F45-9708-019B960494DF}">
+              <a14:hiddenLine xmlns:a14="http://schemas.microsoft.com/office/drawing/2010/main" w="9525">
+                <a:solidFill>
+                  <a:schemeClr val="tx1"/>
+                </a:solidFill>
+                <a:miter lim="800000"/>
+                <a:headEnd/>
+                <a:tailEnd/>
+              </a14:hiddenLine>
+            </a:ext>
+            <a:ext uri="{AF507438-7753-43E0-B8FC-AC1667EBCBE1}">
+              <a14:hiddenEffects xmlns:a14="http://schemas.microsoft.com/office/drawing/2010/main">
+                <a:effectLst>
+                  <a:outerShdw dist="35921" dir="2700000" algn="ctr" rotWithShape="0">
+                    <a:schemeClr val="bg2"/>
+                  </a:outerShdw>
+                </a:effectLst>
+              </a14:hiddenEffects>
+            </a:ext>
+          </a:extLst>
+        </p:spPr>
+        <p:txBody>
+          <a:bodyPr vert="horz" wrap="none" lIns="91440" tIns="45720" rIns="91440" bIns="45720" numCol="1" anchor="ctr" anchorCtr="0" compatLnSpc="1">
+            <a:prstTxWarp prst="textNoShape">
+              <a:avLst/>
+            </a:prstTxWarp>
+            <a:spAutoFit/>
+          </a:bodyPr>
+          <a:lstStyle/>
+          <a:p>
+            <a:endParaRPr lang="ru-RU"/>
+          </a:p>
+        </p:txBody>
+      </p:sp>
+      <p:graphicFrame>
+        <p:nvGraphicFramePr>
+          <p:cNvPr id="7" name="Объект 6"/>
+          <p:cNvGraphicFramePr>
+            <a:graphicFrameLocks noChangeAspect="1"/>
+          </p:cNvGraphicFramePr>
+          <p:nvPr>
+            <p:extLst>
+              <p:ext uri="{D42A27DB-BD31-4B8C-83A1-F6EECF244321}">
+                <p14:modId xmlns:p14="http://schemas.microsoft.com/office/powerpoint/2010/main" val="2193164634"/>
+              </p:ext>
+            </p:extLst>
+          </p:nvPr>
+        </p:nvGraphicFramePr>
+        <p:xfrm>
+          <a:off x="4216400" y="1553787"/>
+          <a:ext cx="946070" cy="333907"/>
+        </p:xfrm>
+        <a:graphic>
+          <a:graphicData uri="http://schemas.openxmlformats.org/presentationml/2006/ole">
+            <mc:AlternateContent xmlns:mc="http://schemas.openxmlformats.org/markup-compatibility/2006">
+              <mc:Choice xmlns:v="urn:schemas-microsoft-com:vml" Requires="v">
+                <p:oleObj spid="_x0000_s2160" name="Уравнение" r:id="rId5" imgW="647700" imgH="228600" progId="Equation.3">
+                  <p:embed/>
+                </p:oleObj>
+              </mc:Choice>
+              <mc:Fallback>
+                <p:oleObj name="Уравнение" r:id="rId5" imgW="647700" imgH="228600" progId="Equation.3">
+                  <p:embed/>
+                  <p:pic>
+                    <p:nvPicPr>
+                      <p:cNvPr id="0" name="Object 3"/>
+                      <p:cNvPicPr>
+                        <a:picLocks noChangeAspect="1" noChangeArrowheads="1"/>
+                      </p:cNvPicPr>
+                      <p:nvPr/>
+                    </p:nvPicPr>
+                    <p:blipFill>
+                      <a:blip r:embed="rId6">
+                        <a:extLst>
+                          <a:ext uri="{28A0092B-C50C-407E-A947-70E740481C1C}">
+                            <a14:useLocalDpi xmlns:a14="http://schemas.microsoft.com/office/drawing/2010/main" val="0"/>
+                          </a:ext>
+                        </a:extLst>
+                      </a:blip>
+                      <a:srcRect/>
+                      <a:stretch>
+                        <a:fillRect/>
+                      </a:stretch>
+                    </p:blipFill>
+                    <p:spPr bwMode="auto">
+                      <a:xfrm>
+                        <a:off x="4216400" y="1553787"/>
+                        <a:ext cx="946070" cy="333907"/>
+                      </a:xfrm>
+                      <a:prstGeom prst="rect">
+                        <a:avLst/>
+                      </a:prstGeom>
+                      <a:noFill/>
+                    </p:spPr>
+                  </p:pic>
+                </p:oleObj>
+              </mc:Fallback>
+            </mc:AlternateContent>
+          </a:graphicData>
+        </a:graphic>
+      </p:graphicFrame>
+      <p:sp>
+        <p:nvSpPr>
+          <p:cNvPr id="9" name="Rectangle 6"/>
+          <p:cNvSpPr>
+            <a:spLocks noChangeArrowheads="1"/>
+          </p:cNvSpPr>
+          <p:nvPr/>
+        </p:nvSpPr>
+        <p:spPr bwMode="auto">
+          <a:xfrm>
+            <a:off x="5397500" y="2040249"/>
+            <a:ext cx="11614368" cy="45719"/>
+          </a:xfrm>
+          <a:prstGeom prst="rect">
+            <a:avLst/>
+          </a:prstGeom>
+          <a:noFill/>
+          <a:ln>
+            <a:noFill/>
+          </a:ln>
+          <a:effectLst/>
+          <a:extLst>
+            <a:ext uri="{909E8E84-426E-40DD-AFC4-6F175D3DCCD1}">
+              <a14:hiddenFill xmlns:a14="http://schemas.microsoft.com/office/drawing/2010/main">
+                <a:solidFill>
+                  <a:schemeClr val="accent1"/>
+                </a:solidFill>
+              </a14:hiddenFill>
+            </a:ext>
+            <a:ext uri="{91240B29-F687-4F45-9708-019B960494DF}">
+              <a14:hiddenLine xmlns:a14="http://schemas.microsoft.com/office/drawing/2010/main" w="9525">
+                <a:solidFill>
+                  <a:schemeClr val="tx1"/>
+                </a:solidFill>
+                <a:miter lim="800000"/>
+                <a:headEnd/>
+                <a:tailEnd/>
+              </a14:hiddenLine>
+            </a:ext>
+            <a:ext uri="{AF507438-7753-43E0-B8FC-AC1667EBCBE1}">
+              <a14:hiddenEffects xmlns:a14="http://schemas.microsoft.com/office/drawing/2010/main">
+                <a:effectLst>
+                  <a:outerShdw dist="35921" dir="2700000" algn="ctr" rotWithShape="0">
+                    <a:schemeClr val="bg2"/>
+                  </a:outerShdw>
+                </a:effectLst>
+              </a14:hiddenEffects>
+            </a:ext>
+          </a:extLst>
+        </p:spPr>
+        <p:txBody>
+          <a:bodyPr vert="horz" wrap="square" lIns="91440" tIns="45720" rIns="91440" bIns="45720" numCol="1" anchor="ctr" anchorCtr="0" compatLnSpc="1">
+            <a:prstTxWarp prst="textNoShape">
+              <a:avLst/>
+            </a:prstTxWarp>
+            <a:spAutoFit/>
+          </a:bodyPr>
+          <a:lstStyle/>
+          <a:p>
+            <a:endParaRPr lang="ru-RU"/>
+          </a:p>
+        </p:txBody>
+      </p:sp>
+      <p:graphicFrame>
+        <p:nvGraphicFramePr>
+          <p:cNvPr id="10" name="Объект 9"/>
+          <p:cNvGraphicFramePr>
+            <a:graphicFrameLocks noChangeAspect="1"/>
+          </p:cNvGraphicFramePr>
+          <p:nvPr>
+            <p:extLst>
+              <p:ext uri="{D42A27DB-BD31-4B8C-83A1-F6EECF244321}">
+                <p14:modId xmlns:p14="http://schemas.microsoft.com/office/powerpoint/2010/main" val="101659004"/>
+              </p:ext>
+            </p:extLst>
+          </p:nvPr>
+        </p:nvGraphicFramePr>
+        <p:xfrm>
+          <a:off x="5299678" y="1977376"/>
+          <a:ext cx="1190022" cy="321306"/>
+        </p:xfrm>
+        <a:graphic>
+          <a:graphicData uri="http://schemas.openxmlformats.org/presentationml/2006/ole">
+            <mc:AlternateContent xmlns:mc="http://schemas.openxmlformats.org/markup-compatibility/2006">
+              <mc:Choice xmlns:v="urn:schemas-microsoft-com:vml" Requires="v">
+                <p:oleObj spid="_x0000_s2161" name="Уравнение" r:id="rId7" imgW="952087" imgH="253890" progId="Equation.3">
+                  <p:embed/>
+                </p:oleObj>
+              </mc:Choice>
+              <mc:Fallback>
+                <p:oleObj name="Уравнение" r:id="rId7" imgW="952087" imgH="253890" progId="Equation.3">
+                  <p:embed/>
+                  <p:pic>
+                    <p:nvPicPr>
+                      <p:cNvPr id="0" name="Object 5"/>
+                      <p:cNvPicPr>
+                        <a:picLocks noChangeAspect="1" noChangeArrowheads="1"/>
+                      </p:cNvPicPr>
+                      <p:nvPr/>
+                    </p:nvPicPr>
+                    <p:blipFill>
+                      <a:blip r:embed="rId8">
+                        <a:extLst>
+                          <a:ext uri="{28A0092B-C50C-407E-A947-70E740481C1C}">
+                            <a14:useLocalDpi xmlns:a14="http://schemas.microsoft.com/office/drawing/2010/main" val="0"/>
+                          </a:ext>
+                        </a:extLst>
+                      </a:blip>
+                      <a:srcRect/>
+                      <a:stretch>
+                        <a:fillRect/>
+                      </a:stretch>
+                    </p:blipFill>
+                    <p:spPr bwMode="auto">
+                      <a:xfrm>
+                        <a:off x="5299678" y="1977376"/>
+                        <a:ext cx="1190022" cy="321306"/>
+                      </a:xfrm>
+                      <a:prstGeom prst="rect">
+                        <a:avLst/>
+                      </a:prstGeom>
+                      <a:noFill/>
+                    </p:spPr>
+                  </p:pic>
+                </p:oleObj>
+              </mc:Fallback>
+            </mc:AlternateContent>
+          </a:graphicData>
+        </a:graphic>
+      </p:graphicFrame>
+      <p:sp>
+        <p:nvSpPr>
+          <p:cNvPr id="12" name="Rectangle 8"/>
+          <p:cNvSpPr>
+            <a:spLocks noChangeArrowheads="1"/>
+          </p:cNvSpPr>
+          <p:nvPr/>
+        </p:nvSpPr>
+        <p:spPr bwMode="auto">
+          <a:xfrm>
+            <a:off x="0" y="0"/>
+            <a:ext cx="12192000" cy="0"/>
+          </a:xfrm>
+          <a:prstGeom prst="rect">
+            <a:avLst/>
+          </a:prstGeom>
+          <a:noFill/>
+          <a:ln>
+            <a:noFill/>
+          </a:ln>
+          <a:effectLst/>
+          <a:extLst>
+            <a:ext uri="{909E8E84-426E-40DD-AFC4-6F175D3DCCD1}">
+              <a14:hiddenFill xmlns:a14="http://schemas.microsoft.com/office/drawing/2010/main">
+                <a:solidFill>
+                  <a:schemeClr val="accent1"/>
+                </a:solidFill>
+              </a14:hiddenFill>
+            </a:ext>
+            <a:ext uri="{91240B29-F687-4F45-9708-019B960494DF}">
+              <a14:hiddenLine xmlns:a14="http://schemas.microsoft.com/office/drawing/2010/main" w="9525">
+                <a:solidFill>
+                  <a:schemeClr val="tx1"/>
+                </a:solidFill>
+                <a:miter lim="800000"/>
+                <a:headEnd/>
+                <a:tailEnd/>
+              </a14:hiddenLine>
+            </a:ext>
+            <a:ext uri="{AF507438-7753-43E0-B8FC-AC1667EBCBE1}">
+              <a14:hiddenEffects xmlns:a14="http://schemas.microsoft.com/office/drawing/2010/main">
+                <a:effectLst>
+                  <a:outerShdw dist="35921" dir="2700000" algn="ctr" rotWithShape="0">
+                    <a:schemeClr val="bg2"/>
+                  </a:outerShdw>
+                </a:effectLst>
+              </a14:hiddenEffects>
+            </a:ext>
+          </a:extLst>
+        </p:spPr>
+        <p:txBody>
+          <a:bodyPr vert="horz" wrap="none" lIns="91440" tIns="45720" rIns="91440" bIns="45720" numCol="1" anchor="ctr" anchorCtr="0" compatLnSpc="1">
+            <a:prstTxWarp prst="textNoShape">
+              <a:avLst/>
+            </a:prstTxWarp>
+            <a:spAutoFit/>
+          </a:bodyPr>
+          <a:lstStyle/>
+          <a:p>
+            <a:endParaRPr lang="ru-RU"/>
+          </a:p>
+        </p:txBody>
+      </p:sp>
+      <p:graphicFrame>
+        <p:nvGraphicFramePr>
+          <p:cNvPr id="13" name="Объект 12"/>
+          <p:cNvGraphicFramePr>
+            <a:graphicFrameLocks noChangeAspect="1"/>
+          </p:cNvGraphicFramePr>
+          <p:nvPr>
+            <p:extLst>
+              <p:ext uri="{D42A27DB-BD31-4B8C-83A1-F6EECF244321}">
+                <p14:modId xmlns:p14="http://schemas.microsoft.com/office/powerpoint/2010/main" val="2604570172"/>
+              </p:ext>
+            </p:extLst>
+          </p:nvPr>
+        </p:nvGraphicFramePr>
+        <p:xfrm>
+          <a:off x="4497443" y="2502024"/>
+          <a:ext cx="1330054" cy="348655"/>
+        </p:xfrm>
+        <a:graphic>
+          <a:graphicData uri="http://schemas.openxmlformats.org/presentationml/2006/ole">
+            <mc:AlternateContent xmlns:mc="http://schemas.openxmlformats.org/markup-compatibility/2006">
+              <mc:Choice xmlns:v="urn:schemas-microsoft-com:vml" Requires="v">
+                <p:oleObj spid="_x0000_s2162" name="Уравнение" r:id="rId9" imgW="977476" imgH="253890" progId="Equation.3">
+                  <p:embed/>
+                </p:oleObj>
+              </mc:Choice>
+              <mc:Fallback>
+                <p:oleObj name="Уравнение" r:id="rId9" imgW="977476" imgH="253890" progId="Equation.3">
+                  <p:embed/>
+                  <p:pic>
+                    <p:nvPicPr>
+                      <p:cNvPr id="0" name="Object 7"/>
+                      <p:cNvPicPr>
+                        <a:picLocks noChangeAspect="1" noChangeArrowheads="1"/>
+                      </p:cNvPicPr>
+                      <p:nvPr/>
+                    </p:nvPicPr>
+                    <p:blipFill>
+                      <a:blip r:embed="rId10">
+                        <a:extLst>
+                          <a:ext uri="{28A0092B-C50C-407E-A947-70E740481C1C}">
+                            <a14:useLocalDpi xmlns:a14="http://schemas.microsoft.com/office/drawing/2010/main" val="0"/>
+                          </a:ext>
+                        </a:extLst>
+                      </a:blip>
+                      <a:srcRect/>
+                      <a:stretch>
+                        <a:fillRect/>
+                      </a:stretch>
+                    </p:blipFill>
+                    <p:spPr bwMode="auto">
+                      <a:xfrm>
+                        <a:off x="4497443" y="2502024"/>
+                        <a:ext cx="1330054" cy="348655"/>
+                      </a:xfrm>
+                      <a:prstGeom prst="rect">
+                        <a:avLst/>
+                      </a:prstGeom>
+                      <a:noFill/>
+                    </p:spPr>
+                  </p:pic>
+                </p:oleObj>
+              </mc:Fallback>
+            </mc:AlternateContent>
+          </a:graphicData>
+        </a:graphic>
+      </p:graphicFrame>
+      <p:sp>
+        <p:nvSpPr>
+          <p:cNvPr id="14" name="Rectangle 10"/>
+          <p:cNvSpPr>
+            <a:spLocks noChangeArrowheads="1"/>
+          </p:cNvSpPr>
+          <p:nvPr/>
+        </p:nvSpPr>
+        <p:spPr bwMode="auto">
+          <a:xfrm>
+            <a:off x="5945186" y="3186729"/>
+            <a:ext cx="10716915" cy="46314"/>
+          </a:xfrm>
+          <a:prstGeom prst="rect">
+            <a:avLst/>
+          </a:prstGeom>
+          <a:noFill/>
+          <a:ln>
+            <a:noFill/>
+          </a:ln>
+          <a:effectLst/>
+          <a:extLst>
+            <a:ext uri="{909E8E84-426E-40DD-AFC4-6F175D3DCCD1}">
+              <a14:hiddenFill xmlns:a14="http://schemas.microsoft.com/office/drawing/2010/main">
+                <a:solidFill>
+                  <a:schemeClr val="accent1"/>
+                </a:solidFill>
+              </a14:hiddenFill>
+            </a:ext>
+            <a:ext uri="{91240B29-F687-4F45-9708-019B960494DF}">
+              <a14:hiddenLine xmlns:a14="http://schemas.microsoft.com/office/drawing/2010/main" w="9525">
+                <a:solidFill>
+                  <a:schemeClr val="tx1"/>
+                </a:solidFill>
+                <a:miter lim="800000"/>
+                <a:headEnd/>
+                <a:tailEnd/>
+              </a14:hiddenLine>
+            </a:ext>
+            <a:ext uri="{AF507438-7753-43E0-B8FC-AC1667EBCBE1}">
+              <a14:hiddenEffects xmlns:a14="http://schemas.microsoft.com/office/drawing/2010/main">
+                <a:effectLst>
+                  <a:outerShdw dist="35921" dir="2700000" algn="ctr" rotWithShape="0">
+                    <a:schemeClr val="bg2"/>
+                  </a:outerShdw>
+                </a:effectLst>
+              </a14:hiddenEffects>
+            </a:ext>
+          </a:extLst>
+        </p:spPr>
+        <p:txBody>
+          <a:bodyPr vert="horz" wrap="square" lIns="91440" tIns="45720" rIns="91440" bIns="45720" numCol="1" anchor="ctr" anchorCtr="0" compatLnSpc="1">
+            <a:prstTxWarp prst="textNoShape">
+              <a:avLst/>
+            </a:prstTxWarp>
+            <a:spAutoFit/>
+          </a:bodyPr>
+          <a:lstStyle/>
+          <a:p>
+            <a:endParaRPr lang="ru-RU"/>
+          </a:p>
+        </p:txBody>
+      </p:sp>
+      <p:graphicFrame>
+        <p:nvGraphicFramePr>
+          <p:cNvPr id="15" name="Объект 14"/>
+          <p:cNvGraphicFramePr>
+            <a:graphicFrameLocks noChangeAspect="1"/>
+          </p:cNvGraphicFramePr>
+          <p:nvPr>
+            <p:extLst>
+              <p:ext uri="{D42A27DB-BD31-4B8C-83A1-F6EECF244321}">
+                <p14:modId xmlns:p14="http://schemas.microsoft.com/office/powerpoint/2010/main" val="1854414048"/>
+              </p:ext>
+            </p:extLst>
+          </p:nvPr>
+        </p:nvGraphicFramePr>
+        <p:xfrm>
+          <a:off x="5945187" y="3186730"/>
+          <a:ext cx="1490753" cy="369269"/>
+        </p:xfrm>
+        <a:graphic>
+          <a:graphicData uri="http://schemas.openxmlformats.org/presentationml/2006/ole">
+            <mc:AlternateContent xmlns:mc="http://schemas.openxmlformats.org/markup-compatibility/2006">
+              <mc:Choice xmlns:v="urn:schemas-microsoft-com:vml" Requires="v">
+                <p:oleObj spid="_x0000_s2163" name="Уравнение" r:id="rId11" imgW="1040948" imgH="253890" progId="Equation.3">
+                  <p:embed/>
+                </p:oleObj>
+              </mc:Choice>
+              <mc:Fallback>
+                <p:oleObj name="Уравнение" r:id="rId11" imgW="1040948" imgH="253890" progId="Equation.3">
+                  <p:embed/>
+                  <p:pic>
+                    <p:nvPicPr>
+                      <p:cNvPr id="0" name="Object 9"/>
+                      <p:cNvPicPr>
+                        <a:picLocks noChangeAspect="1" noChangeArrowheads="1"/>
+                      </p:cNvPicPr>
+                      <p:nvPr/>
+                    </p:nvPicPr>
+                    <p:blipFill>
+                      <a:blip r:embed="rId12">
+                        <a:extLst>
+                          <a:ext uri="{28A0092B-C50C-407E-A947-70E740481C1C}">
+                            <a14:useLocalDpi xmlns:a14="http://schemas.microsoft.com/office/drawing/2010/main" val="0"/>
+                          </a:ext>
+                        </a:extLst>
+                      </a:blip>
+                      <a:srcRect/>
+                      <a:stretch>
+                        <a:fillRect/>
+                      </a:stretch>
+                    </p:blipFill>
+                    <p:spPr bwMode="auto">
+                      <a:xfrm>
+                        <a:off x="5945187" y="3186730"/>
+                        <a:ext cx="1490753" cy="369269"/>
+                      </a:xfrm>
+                      <a:prstGeom prst="rect">
+                        <a:avLst/>
+                      </a:prstGeom>
+                      <a:noFill/>
+                    </p:spPr>
+                  </p:pic>
+                </p:oleObj>
+              </mc:Fallback>
+            </mc:AlternateContent>
+          </a:graphicData>
+        </a:graphic>
+      </p:graphicFrame>
+      <p:sp>
+        <p:nvSpPr>
+          <p:cNvPr id="16" name="Rectangle 12"/>
+          <p:cNvSpPr>
+            <a:spLocks noChangeArrowheads="1"/>
+          </p:cNvSpPr>
+          <p:nvPr/>
+        </p:nvSpPr>
+        <p:spPr bwMode="auto">
+          <a:xfrm>
+            <a:off x="0" y="0"/>
+            <a:ext cx="12192000" cy="0"/>
+          </a:xfrm>
+          <a:prstGeom prst="rect">
+            <a:avLst/>
+          </a:prstGeom>
+          <a:noFill/>
+          <a:ln>
+            <a:noFill/>
+          </a:ln>
+          <a:effectLst/>
+          <a:extLst>
+            <a:ext uri="{909E8E84-426E-40DD-AFC4-6F175D3DCCD1}">
+              <a14:hiddenFill xmlns:a14="http://schemas.microsoft.com/office/drawing/2010/main">
+                <a:solidFill>
+                  <a:schemeClr val="accent1"/>
+                </a:solidFill>
+              </a14:hiddenFill>
+            </a:ext>
+            <a:ext uri="{91240B29-F687-4F45-9708-019B960494DF}">
+              <a14:hiddenLine xmlns:a14="http://schemas.microsoft.com/office/drawing/2010/main" w="9525">
+                <a:solidFill>
+                  <a:schemeClr val="tx1"/>
+                </a:solidFill>
+                <a:miter lim="800000"/>
+                <a:headEnd/>
+                <a:tailEnd/>
+              </a14:hiddenLine>
+            </a:ext>
+            <a:ext uri="{AF507438-7753-43E0-B8FC-AC1667EBCBE1}">
+              <a14:hiddenEffects xmlns:a14="http://schemas.microsoft.com/office/drawing/2010/main">
+                <a:effectLst>
+                  <a:outerShdw dist="35921" dir="2700000" algn="ctr" rotWithShape="0">
+                    <a:schemeClr val="bg2"/>
+                  </a:outerShdw>
+                </a:effectLst>
+              </a14:hiddenEffects>
+            </a:ext>
+          </a:extLst>
+        </p:spPr>
+        <p:txBody>
+          <a:bodyPr vert="horz" wrap="none" lIns="91440" tIns="45720" rIns="91440" bIns="45720" numCol="1" anchor="ctr" anchorCtr="0" compatLnSpc="1">
+            <a:prstTxWarp prst="textNoShape">
+              <a:avLst/>
+            </a:prstTxWarp>
+            <a:spAutoFit/>
+          </a:bodyPr>
+          <a:lstStyle/>
+          <a:p>
+            <a:endParaRPr lang="ru-RU"/>
+          </a:p>
+        </p:txBody>
+      </p:sp>
+      <p:graphicFrame>
+        <p:nvGraphicFramePr>
+          <p:cNvPr id="17" name="Объект 16"/>
+          <p:cNvGraphicFramePr>
+            <a:graphicFrameLocks noChangeAspect="1"/>
+          </p:cNvGraphicFramePr>
+          <p:nvPr>
+            <p:extLst>
+              <p:ext uri="{D42A27DB-BD31-4B8C-83A1-F6EECF244321}">
+                <p14:modId xmlns:p14="http://schemas.microsoft.com/office/powerpoint/2010/main" val="3360528784"/>
+              </p:ext>
+            </p:extLst>
+          </p:nvPr>
+        </p:nvGraphicFramePr>
+        <p:xfrm>
+          <a:off x="5757989" y="3767551"/>
+          <a:ext cx="2015963" cy="367777"/>
+        </p:xfrm>
+        <a:graphic>
+          <a:graphicData uri="http://schemas.openxmlformats.org/presentationml/2006/ole">
+            <mc:AlternateContent xmlns:mc="http://schemas.openxmlformats.org/markup-compatibility/2006">
+              <mc:Choice xmlns:v="urn:schemas-microsoft-com:vml" Requires="v">
+                <p:oleObj spid="_x0000_s2164" name="Уравнение" r:id="rId13" imgW="1409088" imgH="253890" progId="Equation.3">
+                  <p:embed/>
+                </p:oleObj>
+              </mc:Choice>
+              <mc:Fallback>
+                <p:oleObj name="Уравнение" r:id="rId13" imgW="1409088" imgH="253890" progId="Equation.3">
+                  <p:embed/>
+                  <p:pic>
+                    <p:nvPicPr>
+                      <p:cNvPr id="0" name="Object 11"/>
+                      <p:cNvPicPr>
+                        <a:picLocks noChangeAspect="1" noChangeArrowheads="1"/>
+                      </p:cNvPicPr>
+                      <p:nvPr/>
+                    </p:nvPicPr>
+                    <p:blipFill>
+                      <a:blip r:embed="rId14">
+                        <a:extLst>
+                          <a:ext uri="{28A0092B-C50C-407E-A947-70E740481C1C}">
+                            <a14:useLocalDpi xmlns:a14="http://schemas.microsoft.com/office/drawing/2010/main" val="0"/>
+                          </a:ext>
+                        </a:extLst>
+                      </a:blip>
+                      <a:srcRect/>
+                      <a:stretch>
+                        <a:fillRect/>
+                      </a:stretch>
+                    </p:blipFill>
+                    <p:spPr bwMode="auto">
+                      <a:xfrm>
+                        <a:off x="5757989" y="3767551"/>
+                        <a:ext cx="2015963" cy="367777"/>
+                      </a:xfrm>
+                      <a:prstGeom prst="rect">
+                        <a:avLst/>
+                      </a:prstGeom>
+                      <a:noFill/>
+                    </p:spPr>
+                  </p:pic>
+                </p:oleObj>
+              </mc:Fallback>
+            </mc:AlternateContent>
+          </a:graphicData>
+        </a:graphic>
+      </p:graphicFrame>
+      <p:graphicFrame>
+        <p:nvGraphicFramePr>
+          <p:cNvPr id="18" name="Объект 17"/>
+          <p:cNvGraphicFramePr>
+            <a:graphicFrameLocks noChangeAspect="1"/>
+          </p:cNvGraphicFramePr>
+          <p:nvPr>
+            <p:extLst>
+              <p:ext uri="{D42A27DB-BD31-4B8C-83A1-F6EECF244321}">
+                <p14:modId xmlns:p14="http://schemas.microsoft.com/office/powerpoint/2010/main" val="835163596"/>
+              </p:ext>
+            </p:extLst>
+          </p:nvPr>
+        </p:nvGraphicFramePr>
+        <p:xfrm>
+          <a:off x="2690813" y="4133850"/>
+          <a:ext cx="1060450" cy="387350"/>
+        </p:xfrm>
+        <a:graphic>
+          <a:graphicData uri="http://schemas.openxmlformats.org/presentationml/2006/ole">
+            <mc:AlternateContent xmlns:mc="http://schemas.openxmlformats.org/markup-compatibility/2006">
+              <mc:Choice xmlns:v="urn:schemas-microsoft-com:vml" Requires="v">
+                <p:oleObj spid="_x0000_s2165" name="Уравнение" r:id="rId15" imgW="660240" imgH="241200" progId="Equation.3">
+                  <p:embed/>
+                </p:oleObj>
+              </mc:Choice>
+              <mc:Fallback>
+                <p:oleObj name="Уравнение" r:id="rId15" imgW="660240" imgH="241200" progId="Equation.3">
+                  <p:embed/>
+                  <p:pic>
+                    <p:nvPicPr>
+                      <p:cNvPr id="5" name="Объект 4"/>
+                      <p:cNvPicPr>
+                        <a:picLocks noChangeAspect="1" noChangeArrowheads="1"/>
+                      </p:cNvPicPr>
+                      <p:nvPr/>
+                    </p:nvPicPr>
+                    <p:blipFill>
+                      <a:blip r:embed="rId16"/>
+                      <a:srcRect/>
+                      <a:stretch>
+                        <a:fillRect/>
+                      </a:stretch>
+                    </p:blipFill>
+                    <p:spPr bwMode="auto">
+                      <a:xfrm>
+                        <a:off x="2690813" y="4133850"/>
+                        <a:ext cx="1060450" cy="387350"/>
+                      </a:xfrm>
+                      <a:prstGeom prst="rect">
+                        <a:avLst/>
+                      </a:prstGeom>
+                      <a:noFill/>
+                    </p:spPr>
+                  </p:pic>
+                </p:oleObj>
+              </mc:Fallback>
+            </mc:AlternateContent>
+          </a:graphicData>
+        </a:graphic>
+      </p:graphicFrame>
     </p:spTree>
     <p:extLst>
       <p:ext uri="{BB962C8B-B14F-4D97-AF65-F5344CB8AC3E}">
-        <p14:creationId xmlns:p14="http://schemas.microsoft.com/office/powerpoint/2010/main" val="2258619431"/>
+        <p14:creationId xmlns:p14="http://schemas.microsoft.com/office/powerpoint/2010/main" val="684984640"/>
       </p:ext>
     </p:extLst>
   </p:cSld>
@@ -5307,13 +7493,13 @@
         </p:nvSpPr>
         <p:spPr>
           <a:xfrm>
-            <a:off x="3717179" y="479502"/>
-            <a:ext cx="5270704" cy="416262"/>
+            <a:off x="2940069" y="460866"/>
+            <a:ext cx="5712618" cy="642658"/>
           </a:xfrm>
         </p:spPr>
         <p:txBody>
           <a:bodyPr>
-            <a:normAutofit fontScale="90000"/>
+            <a:normAutofit/>
           </a:bodyPr>
           <a:lstStyle/>
           <a:p>
@@ -5323,7 +7509,7 @@
                 <a:latin typeface="Arial" panose="020B0604020202020204" pitchFamily="34" charset="0"/>
                 <a:cs typeface="Arial" panose="020B0604020202020204" pitchFamily="34" charset="0"/>
               </a:rPr>
-              <a:t>СОЗДАНИЕ ДОГОВОРОВ СТРАХОВАНИЯ</a:t>
+              <a:t>ФОРМА АНАЛИЗА ФИНАНСОВОЙ ДЕЯТЕЛЬНОСТИ СТРАХОВОЙ КОМПАНИИ</a:t>
             </a:r>
             <a:endParaRPr lang="uk-UA" sz="2000" b="1" dirty="0">
               <a:latin typeface="Arial" panose="020B0604020202020204" pitchFamily="34" charset="0"/>
@@ -5344,8 +7530,8 @@
         </p:nvSpPr>
         <p:spPr>
           <a:xfrm>
-            <a:off x="839788" y="1103524"/>
-            <a:ext cx="4200563" cy="4664656"/>
+            <a:off x="839788" y="1295400"/>
+            <a:ext cx="4200563" cy="4472780"/>
           </a:xfrm>
         </p:spPr>
         <p:txBody>
@@ -5363,7 +7549,21 @@
                 <a:latin typeface="Arial" panose="020B0604020202020204" pitchFamily="34" charset="0"/>
                 <a:cs typeface="Arial" panose="020B0604020202020204" pitchFamily="34" charset="0"/>
               </a:rPr>
-              <a:t>Создание страховых полисов</a:t>
+              <a:t>абсолютные </a:t>
+            </a:r>
+            <a:r>
+              <a:rPr lang="ru-RU" sz="1800" dirty="0">
+                <a:latin typeface="Arial" panose="020B0604020202020204" pitchFamily="34" charset="0"/>
+                <a:cs typeface="Arial" panose="020B0604020202020204" pitchFamily="34" charset="0"/>
+              </a:rPr>
+              <a:t>показатели страховой </a:t>
+            </a:r>
+            <a:r>
+              <a:rPr lang="ru-RU" sz="1800" dirty="0" smtClean="0">
+                <a:latin typeface="Arial" panose="020B0604020202020204" pitchFamily="34" charset="0"/>
+                <a:cs typeface="Arial" panose="020B0604020202020204" pitchFamily="34" charset="0"/>
+              </a:rPr>
+              <a:t>статистики</a:t>
             </a:r>
           </a:p>
           <a:p>
@@ -5376,40 +7576,17 @@
                 <a:latin typeface="Arial" panose="020B0604020202020204" pitchFamily="34" charset="0"/>
                 <a:cs typeface="Arial" panose="020B0604020202020204" pitchFamily="34" charset="0"/>
               </a:rPr>
-              <a:t>Калькуляция стоимости страхового полиса</a:t>
-            </a:r>
-          </a:p>
-          <a:p>
-            <a:pPr marL="285750" indent="-285750">
-              <a:buFont typeface="Arial" panose="020B0604020202020204" pitchFamily="34" charset="0"/>
-              <a:buChar char="•"/>
-            </a:pPr>
-            <a:r>
-              <a:rPr lang="ru-RU" sz="1800" dirty="0" smtClean="0">
-                <a:latin typeface="Arial" panose="020B0604020202020204" pitchFamily="34" charset="0"/>
-                <a:cs typeface="Arial" panose="020B0604020202020204" pitchFamily="34" charset="0"/>
-              </a:rPr>
-              <a:t>Ввод данных о страхователе</a:t>
-            </a:r>
-          </a:p>
-          <a:p>
-            <a:pPr marL="285750" indent="-285750">
-              <a:buFont typeface="Arial" panose="020B0604020202020204" pitchFamily="34" charset="0"/>
-              <a:buChar char="•"/>
-            </a:pPr>
-            <a:r>
-              <a:rPr lang="ru-RU" sz="1800" dirty="0" smtClean="0">
-                <a:latin typeface="Arial" panose="020B0604020202020204" pitchFamily="34" charset="0"/>
-                <a:cs typeface="Arial" panose="020B0604020202020204" pitchFamily="34" charset="0"/>
-              </a:rPr>
-              <a:t>Выбор страхового продукта</a:t>
-            </a:r>
-          </a:p>
-          <a:p>
-            <a:pPr marL="285750" indent="-285750">
-              <a:buFont typeface="Arial" panose="020B0604020202020204" pitchFamily="34" charset="0"/>
-              <a:buChar char="•"/>
-            </a:pPr>
+              <a:t>расчетные </a:t>
+            </a:r>
+            <a:r>
+              <a:rPr lang="ru-RU" sz="1800" dirty="0">
+                <a:latin typeface="Arial" panose="020B0604020202020204" pitchFamily="34" charset="0"/>
+                <a:cs typeface="Arial" panose="020B0604020202020204" pitchFamily="34" charset="0"/>
+              </a:rPr>
+              <a:t>показатели страховой статистики</a:t>
+            </a:r>
+          </a:p>
+          <a:p>
             <a:endParaRPr lang="ru-RU" sz="1800" dirty="0" smtClean="0">
               <a:latin typeface="Arial" panose="020B0604020202020204" pitchFamily="34" charset="0"/>
               <a:cs typeface="Arial" panose="020B0604020202020204" pitchFamily="34" charset="0"/>
@@ -5419,11 +7596,13 @@
       </p:sp>
       <p:pic>
         <p:nvPicPr>
-          <p:cNvPr id="5" name="Объект 5"/>
+          <p:cNvPr id="6" name="Объект 5"/>
           <p:cNvPicPr>
-            <a:picLocks noChangeAspect="1"/>
+            <a:picLocks noGrp="1" noChangeAspect="1"/>
           </p:cNvPicPr>
-          <p:nvPr/>
+          <p:nvPr>
+            <p:ph idx="1"/>
+          </p:nvPr>
         </p:nvPicPr>
         <p:blipFill>
           <a:blip r:embed="rId2">
@@ -5439,50 +7618,15 @@
         </p:blipFill>
         <p:spPr>
           <a:xfrm>
-            <a:off x="4672361" y="1103524"/>
-            <a:ext cx="4167261" cy="3775336"/>
+            <a:off x="5205810" y="1295400"/>
+            <a:ext cx="6137186" cy="3887576"/>
           </a:xfrm>
-          <a:prstGeom prst="rect">
-            <a:avLst/>
-          </a:prstGeom>
-        </p:spPr>
-      </p:pic>
-      <p:pic>
-        <p:nvPicPr>
-          <p:cNvPr id="6" name="Объект 5"/>
-          <p:cNvPicPr>
-            <a:picLocks noGrp="1" noChangeAspect="1"/>
-          </p:cNvPicPr>
-          <p:nvPr>
-            <p:ph idx="1"/>
-          </p:nvPr>
-        </p:nvPicPr>
-        <p:blipFill>
-          <a:blip r:embed="rId3">
-            <a:extLst>
-              <a:ext uri="{28A0092B-C50C-407E-A947-70E740481C1C}">
-                <a14:useLocalDpi xmlns:a14="http://schemas.microsoft.com/office/drawing/2010/main" val="0"/>
-              </a:ext>
-            </a:extLst>
-          </a:blip>
-          <a:stretch>
-            <a:fillRect/>
-          </a:stretch>
-        </p:blipFill>
-        <p:spPr>
-          <a:xfrm>
-            <a:off x="7118091" y="2677595"/>
-            <a:ext cx="3988414" cy="3661098"/>
-          </a:xfrm>
-          <a:prstGeom prst="rect">
-            <a:avLst/>
-          </a:prstGeom>
         </p:spPr>
       </p:pic>
     </p:spTree>
     <p:extLst>
       <p:ext uri="{BB962C8B-B14F-4D97-AF65-F5344CB8AC3E}">
-        <p14:creationId xmlns:p14="http://schemas.microsoft.com/office/powerpoint/2010/main" val="1226471127"/>
+        <p14:creationId xmlns:p14="http://schemas.microsoft.com/office/powerpoint/2010/main" val="2080870285"/>
       </p:ext>
     </p:extLst>
   </p:cSld>
